--- a/vEB Allocation Framework.pptx
+++ b/vEB Allocation Framework.pptx
@@ -3084,9 +3084,15 @@
 <p:sldMaster xmlns:a="http://schemas.openxmlformats.org/drawingml/2006/main" xmlns:r="http://schemas.openxmlformats.org/officeDocument/2006/relationships" xmlns:p="http://schemas.openxmlformats.org/presentationml/2006/main">
   <p:cSld>
     <p:bg>
-      <p:bgRef idx="1001">
-        <a:schemeClr val="bg1"/>
-      </p:bgRef>
+      <p:bgPr>
+        <a:solidFill>
+          <a:schemeClr val="bg1">
+            <a:lumMod val="85000"/>
+            <a:lumOff val="15000"/>
+          </a:schemeClr>
+        </a:solidFill>
+        <a:effectLst/>
+      </p:bgPr>
     </p:bg>
     <p:spTree>
       <p:nvGrpSpPr>
@@ -3630,14 +3636,6 @@
 <file path=ppt/slides/slide1.xml><?xml version="1.0" encoding="utf-8"?>
 <p:sld xmlns:a="http://schemas.openxmlformats.org/drawingml/2006/main" xmlns:r="http://schemas.openxmlformats.org/officeDocument/2006/relationships" xmlns:p="http://schemas.openxmlformats.org/presentationml/2006/main">
   <p:cSld>
-    <p:bg>
-      <p:bgPr>
-        <a:solidFill>
-          <a:schemeClr val="bg1"/>
-        </a:solidFill>
-        <a:effectLst/>
-      </p:bgPr>
-    </p:bg>
     <p:spTree>
       <p:nvGrpSpPr>
         <p:cNvPr id="1" name=""/>
@@ -4175,14 +4173,6 @@
 <file path=ppt/slides/slide2.xml><?xml version="1.0" encoding="utf-8"?>
 <p:sld xmlns:a="http://schemas.openxmlformats.org/drawingml/2006/main" xmlns:r="http://schemas.openxmlformats.org/officeDocument/2006/relationships" xmlns:p="http://schemas.openxmlformats.org/presentationml/2006/main">
   <p:cSld>
-    <p:bg>
-      <p:bgPr>
-        <a:solidFill>
-          <a:schemeClr val="bg1"/>
-        </a:solidFill>
-        <a:effectLst/>
-      </p:bgPr>
-    </p:bg>
     <p:spTree>
       <p:nvGrpSpPr>
         <p:cNvPr id="1" name=""/>
@@ -5155,8 +5145,8 @@
           </a:prstGeom>
           <a:solidFill>
             <a:schemeClr val="bg1">
-              <a:lumMod val="85000"/>
-              <a:lumOff val="15000"/>
+              <a:lumMod val="95000"/>
+              <a:lumOff val="5000"/>
             </a:schemeClr>
           </a:solidFill>
           <a:ln>
@@ -7235,8 +7225,8 @@
           </a:prstGeom>
           <a:solidFill>
             <a:schemeClr val="bg1">
-              <a:lumMod val="85000"/>
-              <a:lumOff val="15000"/>
+              <a:lumMod val="95000"/>
+              <a:lumOff val="5000"/>
             </a:schemeClr>
           </a:solidFill>
           <a:ln>

--- a/vEB Allocation Framework.pptx
+++ b/vEB Allocation Framework.pptx
@@ -911,6 +911,790 @@
 </dgm:colorsDef>
 </file>
 
+<file path=ppt/diagrams/colors2.xml><?xml version="1.0" encoding="utf-8"?>
+<dgm:colorsDef xmlns:dgm="http://schemas.openxmlformats.org/drawingml/2006/diagram" xmlns:a="http://schemas.openxmlformats.org/drawingml/2006/main" uniqueId="urn:microsoft.com/office/officeart/2018/5/colors/Iconchunking_neutralbg_colorful5">
+  <dgm:title val=""/>
+  <dgm:desc val=""/>
+  <dgm:catLst>
+    <dgm:cat type="colorful" pri="10500"/>
+  </dgm:catLst>
+  <dgm:styleLbl name="node0">
+    <dgm:fillClrLst meth="repeat">
+      <a:schemeClr val="accent4"/>
+    </dgm:fillClrLst>
+    <dgm:linClrLst meth="repeat">
+      <a:schemeClr val="lt1"/>
+    </dgm:linClrLst>
+    <dgm:effectClrLst/>
+    <dgm:txLinClrLst/>
+    <dgm:txFillClrLst/>
+    <dgm:txEffectClrLst/>
+  </dgm:styleLbl>
+  <dgm:styleLbl name="node1">
+    <dgm:fillClrLst>
+      <a:schemeClr val="accent5"/>
+      <a:schemeClr val="accent6"/>
+    </dgm:fillClrLst>
+    <dgm:linClrLst meth="repeat">
+      <a:schemeClr val="lt1">
+        <a:alpha val="0"/>
+      </a:schemeClr>
+    </dgm:linClrLst>
+    <dgm:effectClrLst/>
+    <dgm:txLinClrLst/>
+    <dgm:txFillClrLst/>
+    <dgm:txEffectClrLst/>
+  </dgm:styleLbl>
+  <dgm:styleLbl name="alignNode1">
+    <dgm:fillClrLst>
+      <a:schemeClr val="accent5"/>
+      <a:schemeClr val="accent6"/>
+    </dgm:fillClrLst>
+    <dgm:linClrLst>
+      <a:schemeClr val="accent5"/>
+      <a:schemeClr val="accent6"/>
+    </dgm:linClrLst>
+    <dgm:effectClrLst/>
+    <dgm:txLinClrLst/>
+    <dgm:txFillClrLst/>
+    <dgm:txEffectClrLst/>
+  </dgm:styleLbl>
+  <dgm:styleLbl name="lnNode1">
+    <dgm:fillClrLst>
+      <a:schemeClr val="accent5"/>
+      <a:schemeClr val="accent6"/>
+    </dgm:fillClrLst>
+    <dgm:linClrLst meth="repeat">
+      <a:schemeClr val="lt1"/>
+    </dgm:linClrLst>
+    <dgm:effectClrLst/>
+    <dgm:txLinClrLst/>
+    <dgm:txFillClrLst/>
+    <dgm:txEffectClrLst/>
+  </dgm:styleLbl>
+  <dgm:styleLbl name="vennNode1">
+    <dgm:fillClrLst>
+      <a:schemeClr val="accent5">
+        <a:alpha val="50000"/>
+      </a:schemeClr>
+      <a:schemeClr val="accent6">
+        <a:alpha val="50000"/>
+      </a:schemeClr>
+    </dgm:fillClrLst>
+    <dgm:linClrLst meth="repeat">
+      <a:schemeClr val="lt1"/>
+    </dgm:linClrLst>
+    <dgm:effectClrLst/>
+    <dgm:txLinClrLst/>
+    <dgm:txFillClrLst/>
+    <dgm:txEffectClrLst/>
+  </dgm:styleLbl>
+  <dgm:styleLbl name="node2">
+    <dgm:fillClrLst>
+      <a:schemeClr val="accent6"/>
+    </dgm:fillClrLst>
+    <dgm:linClrLst meth="repeat">
+      <a:schemeClr val="lt1"/>
+    </dgm:linClrLst>
+    <dgm:effectClrLst/>
+    <dgm:txLinClrLst/>
+    <dgm:txFillClrLst/>
+    <dgm:txEffectClrLst/>
+  </dgm:styleLbl>
+  <dgm:styleLbl name="node3">
+    <dgm:fillClrLst>
+      <a:schemeClr val="accent1"/>
+    </dgm:fillClrLst>
+    <dgm:linClrLst meth="repeat">
+      <a:schemeClr val="lt1"/>
+    </dgm:linClrLst>
+    <dgm:effectClrLst/>
+    <dgm:txLinClrLst/>
+    <dgm:txFillClrLst/>
+    <dgm:txEffectClrLst/>
+  </dgm:styleLbl>
+  <dgm:styleLbl name="node4">
+    <dgm:fillClrLst>
+      <a:schemeClr val="accent2"/>
+    </dgm:fillClrLst>
+    <dgm:linClrLst meth="repeat">
+      <a:schemeClr val="lt1"/>
+    </dgm:linClrLst>
+    <dgm:effectClrLst/>
+    <dgm:txLinClrLst/>
+    <dgm:txFillClrLst/>
+    <dgm:txEffectClrLst/>
+  </dgm:styleLbl>
+  <dgm:styleLbl name="fgImgPlace1">
+    <dgm:fillClrLst>
+      <a:schemeClr val="accent5">
+        <a:tint val="50000"/>
+      </a:schemeClr>
+      <a:schemeClr val="accent6">
+        <a:tint val="50000"/>
+      </a:schemeClr>
+    </dgm:fillClrLst>
+    <dgm:linClrLst meth="repeat">
+      <a:schemeClr val="lt1"/>
+    </dgm:linClrLst>
+    <dgm:effectClrLst/>
+    <dgm:txLinClrLst/>
+    <dgm:txFillClrLst meth="repeat">
+      <a:schemeClr val="lt1"/>
+    </dgm:txFillClrLst>
+    <dgm:txEffectClrLst/>
+  </dgm:styleLbl>
+  <dgm:styleLbl name="alignImgPlace1">
+    <dgm:fillClrLst>
+      <a:schemeClr val="accent5">
+        <a:tint val="50000"/>
+      </a:schemeClr>
+      <a:schemeClr val="accent6">
+        <a:tint val="20000"/>
+      </a:schemeClr>
+    </dgm:fillClrLst>
+    <dgm:linClrLst meth="repeat">
+      <a:schemeClr val="lt1"/>
+    </dgm:linClrLst>
+    <dgm:effectClrLst/>
+    <dgm:txLinClrLst/>
+    <dgm:txFillClrLst meth="repeat">
+      <a:schemeClr val="lt1"/>
+    </dgm:txFillClrLst>
+    <dgm:txEffectClrLst/>
+  </dgm:styleLbl>
+  <dgm:styleLbl name="bgImgPlace1">
+    <dgm:fillClrLst>
+      <a:schemeClr val="accent5">
+        <a:tint val="50000"/>
+      </a:schemeClr>
+      <a:schemeClr val="accent6">
+        <a:tint val="20000"/>
+      </a:schemeClr>
+    </dgm:fillClrLst>
+    <dgm:linClrLst meth="repeat">
+      <a:schemeClr val="lt1"/>
+    </dgm:linClrLst>
+    <dgm:effectClrLst/>
+    <dgm:txLinClrLst/>
+    <dgm:txFillClrLst meth="repeat">
+      <a:schemeClr val="lt1"/>
+    </dgm:txFillClrLst>
+    <dgm:txEffectClrLst/>
+  </dgm:styleLbl>
+  <dgm:styleLbl name="sibTrans2D1">
+    <dgm:fillClrLst>
+      <a:schemeClr val="accent5"/>
+      <a:schemeClr val="accent6"/>
+    </dgm:fillClrLst>
+    <dgm:linClrLst meth="repeat">
+      <a:schemeClr val="lt1"/>
+    </dgm:linClrLst>
+    <dgm:effectClrLst/>
+    <dgm:txLinClrLst/>
+    <dgm:txFillClrLst/>
+    <dgm:txEffectClrLst/>
+  </dgm:styleLbl>
+  <dgm:styleLbl name="fgSibTrans2D1">
+    <dgm:fillClrLst>
+      <a:schemeClr val="accent5"/>
+      <a:schemeClr val="accent6"/>
+    </dgm:fillClrLst>
+    <dgm:linClrLst meth="repeat">
+      <a:schemeClr val="lt1"/>
+    </dgm:linClrLst>
+    <dgm:effectClrLst/>
+    <dgm:txLinClrLst/>
+    <dgm:txFillClrLst meth="repeat">
+      <a:schemeClr val="lt1"/>
+    </dgm:txFillClrLst>
+    <dgm:txEffectClrLst/>
+  </dgm:styleLbl>
+  <dgm:styleLbl name="bgSibTrans2D1">
+    <dgm:fillClrLst>
+      <a:schemeClr val="accent5"/>
+      <a:schemeClr val="accent6"/>
+    </dgm:fillClrLst>
+    <dgm:linClrLst meth="repeat">
+      <a:schemeClr val="lt1"/>
+    </dgm:linClrLst>
+    <dgm:effectClrLst/>
+    <dgm:txLinClrLst/>
+    <dgm:txFillClrLst meth="repeat">
+      <a:schemeClr val="lt1"/>
+    </dgm:txFillClrLst>
+    <dgm:txEffectClrLst/>
+  </dgm:styleLbl>
+  <dgm:styleLbl name="sibTrans1D1">
+    <dgm:fillClrLst/>
+    <dgm:linClrLst>
+      <a:schemeClr val="accent5"/>
+      <a:schemeClr val="accent6"/>
+    </dgm:linClrLst>
+    <dgm:effectClrLst/>
+    <dgm:txLinClrLst/>
+    <dgm:txFillClrLst meth="repeat">
+      <a:schemeClr val="tx1"/>
+    </dgm:txFillClrLst>
+    <dgm:txEffectClrLst/>
+  </dgm:styleLbl>
+  <dgm:styleLbl name="callout">
+    <dgm:fillClrLst meth="repeat">
+      <a:schemeClr val="accent5"/>
+    </dgm:fillClrLst>
+    <dgm:linClrLst meth="repeat">
+      <a:schemeClr val="accent5">
+        <a:tint val="50000"/>
+      </a:schemeClr>
+    </dgm:linClrLst>
+    <dgm:effectClrLst/>
+    <dgm:txLinClrLst/>
+    <dgm:txFillClrLst meth="repeat">
+      <a:schemeClr val="tx1"/>
+    </dgm:txFillClrLst>
+    <dgm:txEffectClrLst/>
+  </dgm:styleLbl>
+  <dgm:styleLbl name="asst0">
+    <dgm:fillClrLst meth="repeat">
+      <a:schemeClr val="accent5"/>
+    </dgm:fillClrLst>
+    <dgm:linClrLst meth="repeat">
+      <a:schemeClr val="lt1">
+        <a:shade val="80000"/>
+      </a:schemeClr>
+    </dgm:linClrLst>
+    <dgm:effectClrLst/>
+    <dgm:txLinClrLst/>
+    <dgm:txFillClrLst/>
+    <dgm:txEffectClrLst/>
+  </dgm:styleLbl>
+  <dgm:styleLbl name="asst1">
+    <dgm:fillClrLst meth="repeat">
+      <a:schemeClr val="accent6"/>
+    </dgm:fillClrLst>
+    <dgm:linClrLst meth="repeat">
+      <a:schemeClr val="lt1">
+        <a:shade val="80000"/>
+      </a:schemeClr>
+    </dgm:linClrLst>
+    <dgm:effectClrLst/>
+    <dgm:txLinClrLst/>
+    <dgm:txFillClrLst/>
+    <dgm:txEffectClrLst/>
+  </dgm:styleLbl>
+  <dgm:styleLbl name="asst2">
+    <dgm:fillClrLst>
+      <a:schemeClr val="accent1"/>
+    </dgm:fillClrLst>
+    <dgm:linClrLst meth="repeat">
+      <a:schemeClr val="lt1"/>
+    </dgm:linClrLst>
+    <dgm:effectClrLst/>
+    <dgm:txLinClrLst/>
+    <dgm:txFillClrLst/>
+    <dgm:txEffectClrLst/>
+  </dgm:styleLbl>
+  <dgm:styleLbl name="asst3">
+    <dgm:fillClrLst>
+      <a:schemeClr val="accent2"/>
+    </dgm:fillClrLst>
+    <dgm:linClrLst meth="repeat">
+      <a:schemeClr val="lt1"/>
+    </dgm:linClrLst>
+    <dgm:effectClrLst/>
+    <dgm:txLinClrLst/>
+    <dgm:txFillClrLst/>
+    <dgm:txEffectClrLst/>
+  </dgm:styleLbl>
+  <dgm:styleLbl name="asst4">
+    <dgm:fillClrLst>
+      <a:schemeClr val="accent3"/>
+    </dgm:fillClrLst>
+    <dgm:linClrLst meth="repeat">
+      <a:schemeClr val="lt1"/>
+    </dgm:linClrLst>
+    <dgm:effectClrLst/>
+    <dgm:txLinClrLst/>
+    <dgm:txFillClrLst/>
+    <dgm:txEffectClrLst/>
+  </dgm:styleLbl>
+  <dgm:styleLbl name="parChTrans2D1">
+    <dgm:fillClrLst meth="repeat">
+      <a:schemeClr val="accent5"/>
+    </dgm:fillClrLst>
+    <dgm:linClrLst meth="repeat">
+      <a:schemeClr val="lt1"/>
+    </dgm:linClrLst>
+    <dgm:effectClrLst/>
+    <dgm:txLinClrLst/>
+    <dgm:txFillClrLst meth="repeat">
+      <a:schemeClr val="lt1"/>
+    </dgm:txFillClrLst>
+    <dgm:txEffectClrLst/>
+  </dgm:styleLbl>
+  <dgm:styleLbl name="parChTrans2D2">
+    <dgm:fillClrLst meth="repeat">
+      <a:schemeClr val="accent6"/>
+    </dgm:fillClrLst>
+    <dgm:linClrLst meth="repeat">
+      <a:schemeClr val="lt1"/>
+    </dgm:linClrLst>
+    <dgm:effectClrLst/>
+    <dgm:txLinClrLst/>
+    <dgm:txFillClrLst/>
+    <dgm:txEffectClrLst/>
+  </dgm:styleLbl>
+  <dgm:styleLbl name="parChTrans2D3">
+    <dgm:fillClrLst meth="repeat">
+      <a:schemeClr val="accent6"/>
+    </dgm:fillClrLst>
+    <dgm:linClrLst meth="repeat">
+      <a:schemeClr val="lt1"/>
+    </dgm:linClrLst>
+    <dgm:effectClrLst/>
+    <dgm:txLinClrLst/>
+    <dgm:txFillClrLst/>
+    <dgm:txEffectClrLst/>
+  </dgm:styleLbl>
+  <dgm:styleLbl name="parChTrans2D4">
+    <dgm:fillClrLst meth="repeat">
+      <a:schemeClr val="accent1"/>
+    </dgm:fillClrLst>
+    <dgm:linClrLst meth="repeat">
+      <a:schemeClr val="lt1"/>
+    </dgm:linClrLst>
+    <dgm:effectClrLst/>
+    <dgm:txLinClrLst/>
+    <dgm:txFillClrLst meth="repeat">
+      <a:schemeClr val="lt1"/>
+    </dgm:txFillClrLst>
+    <dgm:txEffectClrLst/>
+  </dgm:styleLbl>
+  <dgm:styleLbl name="parChTrans1D1">
+    <dgm:fillClrLst meth="repeat">
+      <a:schemeClr val="accent5"/>
+    </dgm:fillClrLst>
+    <dgm:linClrLst meth="repeat">
+      <a:schemeClr val="accent5"/>
+    </dgm:linClrLst>
+    <dgm:effectClrLst/>
+    <dgm:txLinClrLst/>
+    <dgm:txFillClrLst meth="repeat">
+      <a:schemeClr val="tx1"/>
+    </dgm:txFillClrLst>
+    <dgm:txEffectClrLst/>
+  </dgm:styleLbl>
+  <dgm:styleLbl name="parChTrans1D2">
+    <dgm:fillClrLst meth="repeat">
+      <a:schemeClr val="accent6">
+        <a:tint val="90000"/>
+      </a:schemeClr>
+    </dgm:fillClrLst>
+    <dgm:linClrLst meth="repeat">
+      <a:schemeClr val="accent6"/>
+    </dgm:linClrLst>
+    <dgm:effectClrLst/>
+    <dgm:txLinClrLst/>
+    <dgm:txFillClrLst meth="repeat">
+      <a:schemeClr val="tx1"/>
+    </dgm:txFillClrLst>
+    <dgm:txEffectClrLst/>
+  </dgm:styleLbl>
+  <dgm:styleLbl name="parChTrans1D3">
+    <dgm:fillClrLst meth="repeat">
+      <a:schemeClr val="accent6">
+        <a:tint val="70000"/>
+      </a:schemeClr>
+    </dgm:fillClrLst>
+    <dgm:linClrLst meth="repeat">
+      <a:schemeClr val="accent1"/>
+    </dgm:linClrLst>
+    <dgm:effectClrLst/>
+    <dgm:txLinClrLst/>
+    <dgm:txFillClrLst meth="repeat">
+      <a:schemeClr val="tx1"/>
+    </dgm:txFillClrLst>
+    <dgm:txEffectClrLst/>
+  </dgm:styleLbl>
+  <dgm:styleLbl name="parChTrans1D4">
+    <dgm:fillClrLst meth="repeat">
+      <a:schemeClr val="accent6">
+        <a:tint val="50000"/>
+      </a:schemeClr>
+    </dgm:fillClrLst>
+    <dgm:linClrLst meth="repeat">
+      <a:schemeClr val="accent2"/>
+    </dgm:linClrLst>
+    <dgm:effectClrLst/>
+    <dgm:txLinClrLst/>
+    <dgm:txFillClrLst meth="repeat">
+      <a:schemeClr val="tx1"/>
+    </dgm:txFillClrLst>
+    <dgm:txEffectClrLst/>
+  </dgm:styleLbl>
+  <dgm:styleLbl name="fgAcc1">
+    <dgm:fillClrLst meth="repeat">
+      <a:schemeClr val="lt1">
+        <a:alpha val="90000"/>
+      </a:schemeClr>
+    </dgm:fillClrLst>
+    <dgm:linClrLst>
+      <a:schemeClr val="accent5"/>
+      <a:schemeClr val="accent6"/>
+    </dgm:linClrLst>
+    <dgm:effectClrLst/>
+    <dgm:txLinClrLst/>
+    <dgm:txFillClrLst meth="repeat">
+      <a:schemeClr val="dk1"/>
+    </dgm:txFillClrLst>
+    <dgm:txEffectClrLst/>
+  </dgm:styleLbl>
+  <dgm:styleLbl name="conFgAcc1">
+    <dgm:fillClrLst meth="repeat">
+      <a:schemeClr val="lt1">
+        <a:alpha val="90000"/>
+      </a:schemeClr>
+    </dgm:fillClrLst>
+    <dgm:linClrLst>
+      <a:schemeClr val="accent5"/>
+      <a:schemeClr val="accent6"/>
+    </dgm:linClrLst>
+    <dgm:effectClrLst/>
+    <dgm:txLinClrLst/>
+    <dgm:txFillClrLst meth="repeat">
+      <a:schemeClr val="dk1"/>
+    </dgm:txFillClrLst>
+    <dgm:txEffectClrLst/>
+  </dgm:styleLbl>
+  <dgm:styleLbl name="alignAcc1">
+    <dgm:fillClrLst meth="repeat">
+      <a:schemeClr val="lt1">
+        <a:alpha val="90000"/>
+      </a:schemeClr>
+    </dgm:fillClrLst>
+    <dgm:linClrLst>
+      <a:schemeClr val="accent5"/>
+      <a:schemeClr val="accent6"/>
+    </dgm:linClrLst>
+    <dgm:effectClrLst/>
+    <dgm:txLinClrLst/>
+    <dgm:txFillClrLst meth="repeat">
+      <a:schemeClr val="dk1"/>
+    </dgm:txFillClrLst>
+    <dgm:txEffectClrLst/>
+  </dgm:styleLbl>
+  <dgm:styleLbl name="trAlignAcc1">
+    <dgm:fillClrLst meth="repeat">
+      <a:schemeClr val="lt1">
+        <a:alpha val="40000"/>
+      </a:schemeClr>
+    </dgm:fillClrLst>
+    <dgm:linClrLst meth="repeat">
+      <a:schemeClr val="accent5"/>
+    </dgm:linClrLst>
+    <dgm:effectClrLst/>
+    <dgm:txLinClrLst/>
+    <dgm:txFillClrLst meth="repeat">
+      <a:schemeClr val="dk1"/>
+    </dgm:txFillClrLst>
+    <dgm:txEffectClrLst/>
+  </dgm:styleLbl>
+  <dgm:styleLbl name="bgAcc1">
+    <dgm:fillClrLst meth="repeat">
+      <a:schemeClr val="lt1">
+        <a:alpha val="90000"/>
+      </a:schemeClr>
+    </dgm:fillClrLst>
+    <dgm:linClrLst>
+      <a:schemeClr val="accent5"/>
+      <a:schemeClr val="accent6"/>
+    </dgm:linClrLst>
+    <dgm:effectClrLst/>
+    <dgm:txLinClrLst/>
+    <dgm:txFillClrLst meth="repeat">
+      <a:schemeClr val="dk1"/>
+    </dgm:txFillClrLst>
+    <dgm:txEffectClrLst/>
+  </dgm:styleLbl>
+  <dgm:styleLbl name="solidFgAcc1">
+    <dgm:fillClrLst meth="repeat">
+      <a:schemeClr val="lt1"/>
+    </dgm:fillClrLst>
+    <dgm:linClrLst>
+      <a:schemeClr val="accent5"/>
+      <a:schemeClr val="accent6"/>
+    </dgm:linClrLst>
+    <dgm:effectClrLst/>
+    <dgm:txLinClrLst/>
+    <dgm:txFillClrLst meth="repeat">
+      <a:schemeClr val="dk1"/>
+    </dgm:txFillClrLst>
+    <dgm:txEffectClrLst/>
+  </dgm:styleLbl>
+  <dgm:styleLbl name="solidAlignAcc1">
+    <dgm:fillClrLst meth="repeat">
+      <a:schemeClr val="lt1"/>
+    </dgm:fillClrLst>
+    <dgm:linClrLst>
+      <a:schemeClr val="accent5"/>
+      <a:schemeClr val="accent6"/>
+    </dgm:linClrLst>
+    <dgm:effectClrLst/>
+    <dgm:txLinClrLst/>
+    <dgm:txFillClrLst meth="repeat">
+      <a:schemeClr val="dk1"/>
+    </dgm:txFillClrLst>
+    <dgm:txEffectClrLst/>
+  </dgm:styleLbl>
+  <dgm:styleLbl name="solidBgAcc1">
+    <dgm:fillClrLst meth="repeat">
+      <a:schemeClr val="lt1"/>
+    </dgm:fillClrLst>
+    <dgm:linClrLst>
+      <a:schemeClr val="accent5"/>
+      <a:schemeClr val="accent6"/>
+    </dgm:linClrLst>
+    <dgm:effectClrLst/>
+    <dgm:txLinClrLst/>
+    <dgm:txFillClrLst meth="repeat">
+      <a:schemeClr val="dk1"/>
+    </dgm:txFillClrLst>
+    <dgm:txEffectClrLst/>
+  </dgm:styleLbl>
+  <dgm:styleLbl name="fgAccFollowNode1">
+    <dgm:fillClrLst>
+      <a:schemeClr val="accent5">
+        <a:tint val="40000"/>
+        <a:alpha val="90000"/>
+      </a:schemeClr>
+      <a:schemeClr val="accent6">
+        <a:tint val="40000"/>
+        <a:alpha val="90000"/>
+      </a:schemeClr>
+    </dgm:fillClrLst>
+    <dgm:linClrLst>
+      <a:schemeClr val="accent5">
+        <a:tint val="40000"/>
+        <a:alpha val="90000"/>
+      </a:schemeClr>
+      <a:schemeClr val="accent5">
+        <a:tint val="40000"/>
+        <a:alpha val="90000"/>
+      </a:schemeClr>
+    </dgm:linClrLst>
+    <dgm:effectClrLst/>
+    <dgm:txLinClrLst/>
+    <dgm:txFillClrLst meth="repeat">
+      <a:schemeClr val="dk1"/>
+    </dgm:txFillClrLst>
+    <dgm:txEffectClrLst/>
+  </dgm:styleLbl>
+  <dgm:styleLbl name="alignAccFollowNode1">
+    <dgm:fillClrLst>
+      <a:schemeClr val="accent5">
+        <a:tint val="40000"/>
+        <a:alpha val="90000"/>
+      </a:schemeClr>
+      <a:schemeClr val="accent6">
+        <a:tint val="40000"/>
+        <a:alpha val="90000"/>
+      </a:schemeClr>
+    </dgm:fillClrLst>
+    <dgm:linClrLst>
+      <a:schemeClr val="accent5">
+        <a:tint val="40000"/>
+        <a:alpha val="90000"/>
+      </a:schemeClr>
+      <a:schemeClr val="accent6">
+        <a:tint val="40000"/>
+        <a:alpha val="90000"/>
+      </a:schemeClr>
+    </dgm:linClrLst>
+    <dgm:effectClrLst/>
+    <dgm:txLinClrLst/>
+    <dgm:txFillClrLst meth="repeat">
+      <a:schemeClr val="dk1"/>
+    </dgm:txFillClrLst>
+    <dgm:txEffectClrLst/>
+  </dgm:styleLbl>
+  <dgm:styleLbl name="bgAccFollowNode1">
+    <dgm:fillClrLst>
+      <a:schemeClr val="accent5">
+        <a:tint val="40000"/>
+        <a:alpha val="90000"/>
+      </a:schemeClr>
+      <a:schemeClr val="accent6">
+        <a:tint val="40000"/>
+        <a:alpha val="90000"/>
+      </a:schemeClr>
+    </dgm:fillClrLst>
+    <dgm:linClrLst>
+      <a:schemeClr val="accent5">
+        <a:tint val="40000"/>
+        <a:alpha val="90000"/>
+      </a:schemeClr>
+      <a:schemeClr val="accent6">
+        <a:tint val="40000"/>
+        <a:alpha val="90000"/>
+      </a:schemeClr>
+    </dgm:linClrLst>
+    <dgm:effectClrLst/>
+    <dgm:txLinClrLst/>
+    <dgm:txFillClrLst meth="repeat">
+      <a:schemeClr val="dk1"/>
+    </dgm:txFillClrLst>
+    <dgm:txEffectClrLst/>
+  </dgm:styleLbl>
+  <dgm:styleLbl name="fgAcc0">
+    <dgm:fillClrLst meth="repeat">
+      <a:schemeClr val="lt1">
+        <a:alpha val="90000"/>
+      </a:schemeClr>
+    </dgm:fillClrLst>
+    <dgm:linClrLst>
+      <a:schemeClr val="accent4"/>
+    </dgm:linClrLst>
+    <dgm:effectClrLst/>
+    <dgm:txLinClrLst/>
+    <dgm:txFillClrLst meth="repeat">
+      <a:schemeClr val="dk1"/>
+    </dgm:txFillClrLst>
+    <dgm:txEffectClrLst/>
+  </dgm:styleLbl>
+  <dgm:styleLbl name="fgAcc2">
+    <dgm:fillClrLst meth="repeat">
+      <a:schemeClr val="lt1">
+        <a:alpha val="90000"/>
+      </a:schemeClr>
+    </dgm:fillClrLst>
+    <dgm:linClrLst>
+      <a:schemeClr val="accent6"/>
+    </dgm:linClrLst>
+    <dgm:effectClrLst/>
+    <dgm:txLinClrLst/>
+    <dgm:txFillClrLst meth="repeat">
+      <a:schemeClr val="dk1"/>
+    </dgm:txFillClrLst>
+    <dgm:txEffectClrLst/>
+  </dgm:styleLbl>
+  <dgm:styleLbl name="fgAcc3">
+    <dgm:fillClrLst meth="repeat">
+      <a:schemeClr val="lt1">
+        <a:alpha val="90000"/>
+      </a:schemeClr>
+    </dgm:fillClrLst>
+    <dgm:linClrLst>
+      <a:schemeClr val="accent1"/>
+    </dgm:linClrLst>
+    <dgm:effectClrLst/>
+    <dgm:txLinClrLst/>
+    <dgm:txFillClrLst meth="repeat">
+      <a:schemeClr val="dk1"/>
+    </dgm:txFillClrLst>
+    <dgm:txEffectClrLst/>
+  </dgm:styleLbl>
+  <dgm:styleLbl name="fgAcc4">
+    <dgm:fillClrLst meth="repeat">
+      <a:schemeClr val="lt1">
+        <a:alpha val="90000"/>
+      </a:schemeClr>
+    </dgm:fillClrLst>
+    <dgm:linClrLst>
+      <a:schemeClr val="accent2"/>
+    </dgm:linClrLst>
+    <dgm:effectClrLst/>
+    <dgm:txLinClrLst/>
+    <dgm:txFillClrLst meth="repeat">
+      <a:schemeClr val="dk1"/>
+    </dgm:txFillClrLst>
+    <dgm:txEffectClrLst/>
+  </dgm:styleLbl>
+  <dgm:styleLbl name="bgShp">
+    <dgm:fillClrLst meth="repeat">
+      <a:schemeClr val="bg1">
+        <a:lumMod val="95000"/>
+      </a:schemeClr>
+    </dgm:fillClrLst>
+    <dgm:linClrLst meth="repeat">
+      <a:schemeClr val="dk1"/>
+    </dgm:linClrLst>
+    <dgm:effectClrLst/>
+    <dgm:txLinClrLst/>
+    <dgm:txFillClrLst meth="repeat">
+      <a:schemeClr val="dk1"/>
+    </dgm:txFillClrLst>
+    <dgm:txEffectClrLst/>
+  </dgm:styleLbl>
+  <dgm:styleLbl name="dkBgShp">
+    <dgm:fillClrLst meth="repeat">
+      <a:schemeClr val="accent5">
+        <a:shade val="90000"/>
+      </a:schemeClr>
+    </dgm:fillClrLst>
+    <dgm:linClrLst meth="repeat">
+      <a:schemeClr val="dk1"/>
+    </dgm:linClrLst>
+    <dgm:effectClrLst/>
+    <dgm:txLinClrLst/>
+    <dgm:txFillClrLst meth="repeat">
+      <a:schemeClr val="lt1"/>
+    </dgm:txFillClrLst>
+    <dgm:txEffectClrLst/>
+  </dgm:styleLbl>
+  <dgm:styleLbl name="trBgShp">
+    <dgm:fillClrLst meth="repeat">
+      <a:schemeClr val="accent5">
+        <a:tint val="50000"/>
+        <a:alpha val="40000"/>
+      </a:schemeClr>
+    </dgm:fillClrLst>
+    <dgm:linClrLst meth="repeat">
+      <a:schemeClr val="accent5"/>
+    </dgm:linClrLst>
+    <dgm:effectClrLst/>
+    <dgm:txLinClrLst/>
+    <dgm:txFillClrLst meth="repeat">
+      <a:schemeClr val="lt1"/>
+    </dgm:txFillClrLst>
+    <dgm:txEffectClrLst/>
+  </dgm:styleLbl>
+  <dgm:styleLbl name="fgShp">
+    <dgm:fillClrLst meth="repeat">
+      <a:schemeClr val="accent5">
+        <a:tint val="40000"/>
+      </a:schemeClr>
+    </dgm:fillClrLst>
+    <dgm:linClrLst meth="repeat">
+      <a:schemeClr val="lt1"/>
+    </dgm:linClrLst>
+    <dgm:effectClrLst/>
+    <dgm:txLinClrLst/>
+    <dgm:txFillClrLst meth="repeat">
+      <a:schemeClr val="dk1"/>
+    </dgm:txFillClrLst>
+    <dgm:txEffectClrLst/>
+  </dgm:styleLbl>
+  <dgm:styleLbl name="revTx">
+    <dgm:fillClrLst meth="repeat">
+      <a:schemeClr val="lt1">
+        <a:alpha val="0"/>
+      </a:schemeClr>
+    </dgm:fillClrLst>
+    <dgm:linClrLst meth="repeat">
+      <a:schemeClr val="dk1">
+        <a:alpha val="0"/>
+      </a:schemeClr>
+    </dgm:linClrLst>
+    <dgm:effectClrLst/>
+    <dgm:txLinClrLst/>
+    <dgm:txFillClrLst meth="repeat">
+      <a:schemeClr val="tx1"/>
+    </dgm:txFillClrLst>
+    <dgm:txEffectClrLst/>
+  </dgm:styleLbl>
+</dgm:colorsDef>
+</file>
+
 <file path=ppt/diagrams/data1.xml><?xml version="1.0" encoding="utf-8"?>
 <dgm:dataModel xmlns:dgm="http://schemas.openxmlformats.org/drawingml/2006/diagram" xmlns:a="http://schemas.openxmlformats.org/drawingml/2006/main">
   <dgm:ptLst>
@@ -1353,6 +2137,856 @@
 </dgm:dataModel>
 </file>
 
+<file path=ppt/diagrams/data2.xml><?xml version="1.0" encoding="utf-8"?>
+<dgm:dataModel xmlns:dgm="http://schemas.openxmlformats.org/drawingml/2006/diagram" xmlns:a="http://schemas.openxmlformats.org/drawingml/2006/main">
+  <dgm:ptLst>
+    <dgm:pt modelId="{5E94667F-1DF8-4B26-AE42-DA81D9498250}" type="doc">
+      <dgm:prSet loTypeId="urn:microsoft.com/office/officeart/2018/5/layout/CenteredIconLabelDescriptionList" loCatId="icon" qsTypeId="urn:microsoft.com/office/officeart/2005/8/quickstyle/simple1" qsCatId="simple" csTypeId="urn:microsoft.com/office/officeart/2018/5/colors/Iconchunking_neutralbg_colorful5" csCatId="colorful" phldr="1"/>
+      <dgm:spPr/>
+      <dgm:t>
+        <a:bodyPr/>
+        <a:lstStyle/>
+        <a:p>
+          <a:endParaRPr lang="en-US"/>
+        </a:p>
+      </dgm:t>
+    </dgm:pt>
+    <dgm:pt modelId="{F57F36B7-3794-4D7B-9736-901B68A5FCA6}">
+      <dgm:prSet/>
+      <dgm:spPr/>
+      <dgm:t>
+        <a:bodyPr/>
+        <a:lstStyle/>
+        <a:p>
+          <a:pPr>
+            <a:lnSpc>
+              <a:spcPct val="100000"/>
+            </a:lnSpc>
+            <a:defRPr b="1"/>
+          </a:pPr>
+          <a:r>
+            <a:rPr lang="en-US" b="1"/>
+            <a:t>Branch</a:t>
+          </a:r>
+          <a:endParaRPr lang="en-US"/>
+        </a:p>
+      </dgm:t>
+    </dgm:pt>
+    <dgm:pt modelId="{D62247BD-5620-4D79-BA90-1FC75E293C35}" type="parTrans" cxnId="{53BA3108-6F1A-447A-9335-8410A8C7E665}">
+      <dgm:prSet/>
+      <dgm:spPr/>
+      <dgm:t>
+        <a:bodyPr/>
+        <a:lstStyle/>
+        <a:p>
+          <a:endParaRPr lang="en-US"/>
+        </a:p>
+      </dgm:t>
+    </dgm:pt>
+    <dgm:pt modelId="{BADE2C9A-50B3-4E53-9992-FA29D53B1876}" type="sibTrans" cxnId="{53BA3108-6F1A-447A-9335-8410A8C7E665}">
+      <dgm:prSet/>
+      <dgm:spPr/>
+      <dgm:t>
+        <a:bodyPr/>
+        <a:lstStyle/>
+        <a:p>
+          <a:endParaRPr lang="en-US"/>
+        </a:p>
+      </dgm:t>
+    </dgm:pt>
+    <dgm:pt modelId="{413DD821-B018-42EE-85E6-C441B561A976}">
+      <dgm:prSet/>
+      <dgm:spPr/>
+      <dgm:t>
+        <a:bodyPr anchor="ctr"/>
+        <a:lstStyle/>
+        <a:p>
+          <a:pPr algn="ctr">
+            <a:lnSpc>
+              <a:spcPct val="100000"/>
+            </a:lnSpc>
+            <a:buFont typeface="+mj-lt"/>
+            <a:buAutoNum type="arabicPeriod"/>
+          </a:pPr>
+          <a:r>
+            <a:rPr lang="en-US" dirty="0"/>
+            <a:t>Cutoff</a:t>
+          </a:r>
+        </a:p>
+      </dgm:t>
+    </dgm:pt>
+    <dgm:pt modelId="{6092557E-49F2-494A-B02E-5A99F9FD6E18}" type="parTrans" cxnId="{781D8F4F-6EFF-4F8C-8568-6E4C0E7ADB87}">
+      <dgm:prSet/>
+      <dgm:spPr/>
+      <dgm:t>
+        <a:bodyPr/>
+        <a:lstStyle/>
+        <a:p>
+          <a:endParaRPr lang="en-US"/>
+        </a:p>
+      </dgm:t>
+    </dgm:pt>
+    <dgm:pt modelId="{E75C8683-6D2F-4CFA-8A5D-99257C319A43}" type="sibTrans" cxnId="{781D8F4F-6EFF-4F8C-8568-6E4C0E7ADB87}">
+      <dgm:prSet/>
+      <dgm:spPr/>
+      <dgm:t>
+        <a:bodyPr/>
+        <a:lstStyle/>
+        <a:p>
+          <a:endParaRPr lang="en-US"/>
+        </a:p>
+      </dgm:t>
+    </dgm:pt>
+    <dgm:pt modelId="{F8E5512D-D4D0-4EAF-A6BF-82997C40B7CB}">
+      <dgm:prSet/>
+      <dgm:spPr/>
+      <dgm:t>
+        <a:bodyPr anchor="ctr"/>
+        <a:lstStyle/>
+        <a:p>
+          <a:pPr algn="ctr">
+            <a:lnSpc>
+              <a:spcPct val="100000"/>
+            </a:lnSpc>
+            <a:buFont typeface="+mj-lt"/>
+            <a:buAutoNum type="arabicPeriod"/>
+          </a:pPr>
+          <a:r>
+            <a:rPr lang="en-US"/>
+            <a:t>Seats</a:t>
+          </a:r>
+        </a:p>
+      </dgm:t>
+    </dgm:pt>
+    <dgm:pt modelId="{3CCAA9A4-12A8-44B3-AC2A-AF854FDE8EC4}" type="parTrans" cxnId="{2DFE6AAC-AD9E-4FBF-8185-95D2A78237C8}">
+      <dgm:prSet/>
+      <dgm:spPr/>
+      <dgm:t>
+        <a:bodyPr/>
+        <a:lstStyle/>
+        <a:p>
+          <a:endParaRPr lang="en-US"/>
+        </a:p>
+      </dgm:t>
+    </dgm:pt>
+    <dgm:pt modelId="{759BFA7B-637B-4A5E-9CBA-8935D5C80562}" type="sibTrans" cxnId="{2DFE6AAC-AD9E-4FBF-8185-95D2A78237C8}">
+      <dgm:prSet/>
+      <dgm:spPr/>
+      <dgm:t>
+        <a:bodyPr/>
+        <a:lstStyle/>
+        <a:p>
+          <a:endParaRPr lang="en-US"/>
+        </a:p>
+      </dgm:t>
+    </dgm:pt>
+    <dgm:pt modelId="{24DC2909-59E8-465F-BC42-9A3444194FE4}">
+      <dgm:prSet/>
+      <dgm:spPr/>
+      <dgm:t>
+        <a:bodyPr anchor="ctr"/>
+        <a:lstStyle/>
+        <a:p>
+          <a:pPr algn="ctr">
+            <a:lnSpc>
+              <a:spcPct val="100000"/>
+            </a:lnSpc>
+            <a:buFont typeface="+mj-lt"/>
+            <a:buAutoNum type="arabicPeriod"/>
+          </a:pPr>
+          <a:r>
+            <a:rPr lang="en-US" dirty="0"/>
+            <a:t>Name</a:t>
+          </a:r>
+        </a:p>
+      </dgm:t>
+    </dgm:pt>
+    <dgm:pt modelId="{4CE78A6B-B9A4-464B-852E-FD2ED26AD13B}" type="parTrans" cxnId="{D53D0393-10B4-4654-BCC8-7FD9855C28FB}">
+      <dgm:prSet/>
+      <dgm:spPr/>
+      <dgm:t>
+        <a:bodyPr/>
+        <a:lstStyle/>
+        <a:p>
+          <a:endParaRPr lang="en-US"/>
+        </a:p>
+      </dgm:t>
+    </dgm:pt>
+    <dgm:pt modelId="{10B0E719-A270-4770-81EE-E48611C503E3}" type="sibTrans" cxnId="{D53D0393-10B4-4654-BCC8-7FD9855C28FB}">
+      <dgm:prSet/>
+      <dgm:spPr/>
+      <dgm:t>
+        <a:bodyPr/>
+        <a:lstStyle/>
+        <a:p>
+          <a:endParaRPr lang="en-US"/>
+        </a:p>
+      </dgm:t>
+    </dgm:pt>
+    <dgm:pt modelId="{A907ACA0-459B-4075-BC0E-6B26025E8A56}">
+      <dgm:prSet/>
+      <dgm:spPr/>
+      <dgm:t>
+        <a:bodyPr/>
+        <a:lstStyle/>
+        <a:p>
+          <a:pPr>
+            <a:lnSpc>
+              <a:spcPct val="100000"/>
+            </a:lnSpc>
+            <a:defRPr b="1"/>
+          </a:pPr>
+          <a:r>
+            <a:rPr lang="en-AE" b="1"/>
+            <a:t>Student</a:t>
+          </a:r>
+          <a:endParaRPr lang="en-US"/>
+        </a:p>
+      </dgm:t>
+    </dgm:pt>
+    <dgm:pt modelId="{F5A8B51C-24D3-4203-A36D-74F1DD7FE7EF}" type="parTrans" cxnId="{6B2554DA-ABEE-42BC-BE93-5694A782C2A8}">
+      <dgm:prSet/>
+      <dgm:spPr/>
+      <dgm:t>
+        <a:bodyPr/>
+        <a:lstStyle/>
+        <a:p>
+          <a:endParaRPr lang="en-US"/>
+        </a:p>
+      </dgm:t>
+    </dgm:pt>
+    <dgm:pt modelId="{E512DC13-955A-4049-A44C-E8ADBA710E13}" type="sibTrans" cxnId="{6B2554DA-ABEE-42BC-BE93-5694A782C2A8}">
+      <dgm:prSet/>
+      <dgm:spPr/>
+      <dgm:t>
+        <a:bodyPr/>
+        <a:lstStyle/>
+        <a:p>
+          <a:endParaRPr lang="en-US"/>
+        </a:p>
+      </dgm:t>
+    </dgm:pt>
+    <dgm:pt modelId="{F54BEF6B-B1D4-422F-97EE-75F0F05AEBB9}">
+      <dgm:prSet/>
+      <dgm:spPr/>
+      <dgm:t>
+        <a:bodyPr anchor="ctr"/>
+        <a:lstStyle/>
+        <a:p>
+          <a:pPr>
+            <a:lnSpc>
+              <a:spcPct val="100000"/>
+            </a:lnSpc>
+          </a:pPr>
+          <a:r>
+            <a:rPr lang="en-AE" dirty="0"/>
+            <a:t>Roll</a:t>
+          </a:r>
+          <a:endParaRPr lang="en-US" dirty="0"/>
+        </a:p>
+      </dgm:t>
+    </dgm:pt>
+    <dgm:pt modelId="{19665290-B67C-42DD-BD02-119F66A8EB5B}" type="parTrans" cxnId="{A5552D56-E568-4E55-8ED8-F30D4BEE744C}">
+      <dgm:prSet/>
+      <dgm:spPr/>
+      <dgm:t>
+        <a:bodyPr/>
+        <a:lstStyle/>
+        <a:p>
+          <a:endParaRPr lang="en-US"/>
+        </a:p>
+      </dgm:t>
+    </dgm:pt>
+    <dgm:pt modelId="{53E0D9AD-BD8D-458F-987C-75BF4E683334}" type="sibTrans" cxnId="{A5552D56-E568-4E55-8ED8-F30D4BEE744C}">
+      <dgm:prSet/>
+      <dgm:spPr/>
+      <dgm:t>
+        <a:bodyPr/>
+        <a:lstStyle/>
+        <a:p>
+          <a:endParaRPr lang="en-US"/>
+        </a:p>
+      </dgm:t>
+    </dgm:pt>
+    <dgm:pt modelId="{D05343DB-4045-4E3C-A684-FC85071CB292}">
+      <dgm:prSet/>
+      <dgm:spPr/>
+      <dgm:t>
+        <a:bodyPr anchor="ctr"/>
+        <a:lstStyle/>
+        <a:p>
+          <a:pPr>
+            <a:lnSpc>
+              <a:spcPct val="100000"/>
+            </a:lnSpc>
+          </a:pPr>
+          <a:r>
+            <a:rPr lang="en-AE" dirty="0"/>
+            <a:t>Marks</a:t>
+          </a:r>
+          <a:endParaRPr lang="en-US" dirty="0"/>
+        </a:p>
+      </dgm:t>
+    </dgm:pt>
+    <dgm:pt modelId="{870BFDC7-64C9-4065-BED1-E1EE1ADA182F}" type="parTrans" cxnId="{6318D2D3-80D8-4D64-ABDC-17DE1D1FEC55}">
+      <dgm:prSet/>
+      <dgm:spPr/>
+      <dgm:t>
+        <a:bodyPr/>
+        <a:lstStyle/>
+        <a:p>
+          <a:endParaRPr lang="en-US"/>
+        </a:p>
+      </dgm:t>
+    </dgm:pt>
+    <dgm:pt modelId="{BB6AA3B6-EDE2-4B34-8E81-27E99894C51B}" type="sibTrans" cxnId="{6318D2D3-80D8-4D64-ABDC-17DE1D1FEC55}">
+      <dgm:prSet/>
+      <dgm:spPr/>
+      <dgm:t>
+        <a:bodyPr/>
+        <a:lstStyle/>
+        <a:p>
+          <a:endParaRPr lang="en-US"/>
+        </a:p>
+      </dgm:t>
+    </dgm:pt>
+    <dgm:pt modelId="{DD9EA30D-C53A-4142-BDEC-6AFFF6A3B492}">
+      <dgm:prSet/>
+      <dgm:spPr/>
+      <dgm:t>
+        <a:bodyPr anchor="ctr"/>
+        <a:lstStyle/>
+        <a:p>
+          <a:pPr>
+            <a:lnSpc>
+              <a:spcPct val="100000"/>
+            </a:lnSpc>
+          </a:pPr>
+          <a:r>
+            <a:rPr lang="en-AE"/>
+            <a:t>Preferences</a:t>
+          </a:r>
+          <a:endParaRPr lang="en-US"/>
+        </a:p>
+      </dgm:t>
+    </dgm:pt>
+    <dgm:pt modelId="{87731EE9-638E-426E-A000-BB9DE68E0306}" type="parTrans" cxnId="{8B148D86-FE91-4862-8563-83193073B4EE}">
+      <dgm:prSet/>
+      <dgm:spPr/>
+      <dgm:t>
+        <a:bodyPr/>
+        <a:lstStyle/>
+        <a:p>
+          <a:endParaRPr lang="en-US"/>
+        </a:p>
+      </dgm:t>
+    </dgm:pt>
+    <dgm:pt modelId="{87E107F7-841C-4DB2-8A27-DC32B62F1149}" type="sibTrans" cxnId="{8B148D86-FE91-4862-8563-83193073B4EE}">
+      <dgm:prSet/>
+      <dgm:spPr/>
+      <dgm:t>
+        <a:bodyPr/>
+        <a:lstStyle/>
+        <a:p>
+          <a:endParaRPr lang="en-US"/>
+        </a:p>
+      </dgm:t>
+    </dgm:pt>
+    <dgm:pt modelId="{71A842D7-150B-4BEA-AA48-4988C00FF67D}">
+      <dgm:prSet/>
+      <dgm:spPr/>
+      <dgm:t>
+        <a:bodyPr anchor="ctr"/>
+        <a:lstStyle/>
+        <a:p>
+          <a:pPr>
+            <a:lnSpc>
+              <a:spcPct val="100000"/>
+            </a:lnSpc>
+          </a:pPr>
+          <a:r>
+            <a:rPr lang="en-AE" dirty="0"/>
+            <a:t>Branch Allocated</a:t>
+          </a:r>
+          <a:endParaRPr lang="en-US" dirty="0"/>
+        </a:p>
+      </dgm:t>
+    </dgm:pt>
+    <dgm:pt modelId="{D516D463-D7EE-4224-8691-77482DE6E891}" type="parTrans" cxnId="{133E1270-A044-4BAF-8AE0-4B7BAF14F930}">
+      <dgm:prSet/>
+      <dgm:spPr/>
+      <dgm:t>
+        <a:bodyPr/>
+        <a:lstStyle/>
+        <a:p>
+          <a:endParaRPr lang="en-US"/>
+        </a:p>
+      </dgm:t>
+    </dgm:pt>
+    <dgm:pt modelId="{3BD7CED4-4D31-4022-88F3-6E927326EF1D}" type="sibTrans" cxnId="{133E1270-A044-4BAF-8AE0-4B7BAF14F930}">
+      <dgm:prSet/>
+      <dgm:spPr/>
+      <dgm:t>
+        <a:bodyPr/>
+        <a:lstStyle/>
+        <a:p>
+          <a:endParaRPr lang="en-US"/>
+        </a:p>
+      </dgm:t>
+    </dgm:pt>
+    <dgm:pt modelId="{B75FE5A5-0584-40C5-80A1-468C768A8F72}">
+      <dgm:prSet/>
+      <dgm:spPr/>
+      <dgm:t>
+        <a:bodyPr/>
+        <a:lstStyle/>
+        <a:p>
+          <a:pPr>
+            <a:lnSpc>
+              <a:spcPct val="100000"/>
+            </a:lnSpc>
+            <a:defRPr b="1"/>
+          </a:pPr>
+          <a:r>
+            <a:rPr lang="en-GB" b="1"/>
+            <a:t>vEB Tree</a:t>
+          </a:r>
+          <a:endParaRPr lang="en-US"/>
+        </a:p>
+      </dgm:t>
+    </dgm:pt>
+    <dgm:pt modelId="{D6DDE528-A9F6-4E24-86A5-50F89B2B18BB}" type="parTrans" cxnId="{50BE4FBB-9FAD-4AEB-9A02-FEA867DD6C55}">
+      <dgm:prSet/>
+      <dgm:spPr/>
+      <dgm:t>
+        <a:bodyPr/>
+        <a:lstStyle/>
+        <a:p>
+          <a:endParaRPr lang="en-US"/>
+        </a:p>
+      </dgm:t>
+    </dgm:pt>
+    <dgm:pt modelId="{E863928A-87FC-467E-A56A-747BD832999A}" type="sibTrans" cxnId="{50BE4FBB-9FAD-4AEB-9A02-FEA867DD6C55}">
+      <dgm:prSet/>
+      <dgm:spPr/>
+      <dgm:t>
+        <a:bodyPr/>
+        <a:lstStyle/>
+        <a:p>
+          <a:endParaRPr lang="en-US"/>
+        </a:p>
+      </dgm:t>
+    </dgm:pt>
+    <dgm:pt modelId="{8306B3C3-B056-4F98-A99E-42D33A1A8674}">
+      <dgm:prSet/>
+      <dgm:spPr/>
+      <dgm:t>
+        <a:bodyPr anchor="ctr"/>
+        <a:lstStyle/>
+        <a:p>
+          <a:pPr>
+            <a:lnSpc>
+              <a:spcPct val="100000"/>
+            </a:lnSpc>
+          </a:pPr>
+          <a:r>
+            <a:rPr lang="en-AE" dirty="0"/>
+            <a:t>Universe size</a:t>
+          </a:r>
+          <a:endParaRPr lang="en-US" dirty="0"/>
+        </a:p>
+      </dgm:t>
+    </dgm:pt>
+    <dgm:pt modelId="{F9610BE3-7F5F-4B4E-B0FA-353BE90437A1}" type="parTrans" cxnId="{A78C7AF1-39E3-471F-8F3C-587217C22F48}">
+      <dgm:prSet/>
+      <dgm:spPr/>
+      <dgm:t>
+        <a:bodyPr/>
+        <a:lstStyle/>
+        <a:p>
+          <a:endParaRPr lang="en-US"/>
+        </a:p>
+      </dgm:t>
+    </dgm:pt>
+    <dgm:pt modelId="{40B016A2-131D-4C07-B910-C3E911632A53}" type="sibTrans" cxnId="{A78C7AF1-39E3-471F-8F3C-587217C22F48}">
+      <dgm:prSet/>
+      <dgm:spPr/>
+      <dgm:t>
+        <a:bodyPr/>
+        <a:lstStyle/>
+        <a:p>
+          <a:endParaRPr lang="en-US"/>
+        </a:p>
+      </dgm:t>
+    </dgm:pt>
+    <dgm:pt modelId="{D8870859-29CC-4538-9AB7-B204042BB1F6}">
+      <dgm:prSet/>
+      <dgm:spPr/>
+      <dgm:t>
+        <a:bodyPr anchor="ctr"/>
+        <a:lstStyle/>
+        <a:p>
+          <a:pPr>
+            <a:lnSpc>
+              <a:spcPct val="100000"/>
+            </a:lnSpc>
+          </a:pPr>
+          <a:r>
+            <a:rPr lang="en-AE"/>
+            <a:t>Min / Max</a:t>
+          </a:r>
+          <a:endParaRPr lang="en-US"/>
+        </a:p>
+      </dgm:t>
+    </dgm:pt>
+    <dgm:pt modelId="{F5AB1555-85CD-4BD4-A8AE-6ACA3D5B919F}" type="parTrans" cxnId="{0206FEE0-4DBE-4026-B178-5FC51EA2329C}">
+      <dgm:prSet/>
+      <dgm:spPr/>
+      <dgm:t>
+        <a:bodyPr/>
+        <a:lstStyle/>
+        <a:p>
+          <a:endParaRPr lang="en-US"/>
+        </a:p>
+      </dgm:t>
+    </dgm:pt>
+    <dgm:pt modelId="{091C5C52-B76F-4E75-9027-EF724EDB4979}" type="sibTrans" cxnId="{0206FEE0-4DBE-4026-B178-5FC51EA2329C}">
+      <dgm:prSet/>
+      <dgm:spPr/>
+      <dgm:t>
+        <a:bodyPr/>
+        <a:lstStyle/>
+        <a:p>
+          <a:endParaRPr lang="en-US"/>
+        </a:p>
+      </dgm:t>
+    </dgm:pt>
+    <dgm:pt modelId="{FAB6DD65-7123-4C26-86F2-EB9FEA7AAF0D}">
+      <dgm:prSet/>
+      <dgm:spPr/>
+      <dgm:t>
+        <a:bodyPr anchor="ctr"/>
+        <a:lstStyle/>
+        <a:p>
+          <a:pPr>
+            <a:lnSpc>
+              <a:spcPct val="100000"/>
+            </a:lnSpc>
+          </a:pPr>
+          <a:r>
+            <a:rPr lang="en-AE"/>
+            <a:t>Summary vector</a:t>
+          </a:r>
+          <a:endParaRPr lang="en-US"/>
+        </a:p>
+      </dgm:t>
+    </dgm:pt>
+    <dgm:pt modelId="{220AD021-0E5D-45B1-A983-AC407DCCC347}" type="parTrans" cxnId="{F8C71DBF-1358-4DE2-BF07-9621DCED1B1E}">
+      <dgm:prSet/>
+      <dgm:spPr/>
+      <dgm:t>
+        <a:bodyPr/>
+        <a:lstStyle/>
+        <a:p>
+          <a:endParaRPr lang="en-US"/>
+        </a:p>
+      </dgm:t>
+    </dgm:pt>
+    <dgm:pt modelId="{A0E19B17-1148-40D5-A1EF-D4E9759DF6D0}" type="sibTrans" cxnId="{F8C71DBF-1358-4DE2-BF07-9621DCED1B1E}">
+      <dgm:prSet/>
+      <dgm:spPr/>
+      <dgm:t>
+        <a:bodyPr/>
+        <a:lstStyle/>
+        <a:p>
+          <a:endParaRPr lang="en-US"/>
+        </a:p>
+      </dgm:t>
+    </dgm:pt>
+    <dgm:pt modelId="{B844BF7E-2DC8-4AE1-8335-AA32F3152FED}">
+      <dgm:prSet/>
+      <dgm:spPr/>
+      <dgm:t>
+        <a:bodyPr anchor="ctr"/>
+        <a:lstStyle/>
+        <a:p>
+          <a:pPr>
+            <a:lnSpc>
+              <a:spcPct val="100000"/>
+            </a:lnSpc>
+          </a:pPr>
+          <a:r>
+            <a:rPr lang="en-AE" dirty="0"/>
+            <a:t>Clusters</a:t>
+          </a:r>
+          <a:endParaRPr lang="en-US" dirty="0"/>
+        </a:p>
+      </dgm:t>
+    </dgm:pt>
+    <dgm:pt modelId="{67375EEF-64F2-457B-BAD6-AA4F973318E1}" type="parTrans" cxnId="{7292842A-A99A-4002-BC3B-5776B32E5479}">
+      <dgm:prSet/>
+      <dgm:spPr/>
+      <dgm:t>
+        <a:bodyPr/>
+        <a:lstStyle/>
+        <a:p>
+          <a:endParaRPr lang="en-US"/>
+        </a:p>
+      </dgm:t>
+    </dgm:pt>
+    <dgm:pt modelId="{D98F03D1-A680-418E-961F-3BCAF1A41EFB}" type="sibTrans" cxnId="{7292842A-A99A-4002-BC3B-5776B32E5479}">
+      <dgm:prSet/>
+      <dgm:spPr/>
+      <dgm:t>
+        <a:bodyPr/>
+        <a:lstStyle/>
+        <a:p>
+          <a:endParaRPr lang="en-US"/>
+        </a:p>
+      </dgm:t>
+    </dgm:pt>
+    <dgm:pt modelId="{8EF21380-9633-4B75-8EC9-5ECF9D131015}" type="pres">
+      <dgm:prSet presAssocID="{5E94667F-1DF8-4B26-AE42-DA81D9498250}" presName="root" presStyleCnt="0">
+        <dgm:presLayoutVars>
+          <dgm:dir/>
+          <dgm:resizeHandles val="exact"/>
+        </dgm:presLayoutVars>
+      </dgm:prSet>
+      <dgm:spPr/>
+    </dgm:pt>
+    <dgm:pt modelId="{D3F426C2-659A-4703-B2C5-93B27861DCB2}" type="pres">
+      <dgm:prSet presAssocID="{F57F36B7-3794-4D7B-9736-901B68A5FCA6}" presName="compNode" presStyleCnt="0"/>
+      <dgm:spPr/>
+    </dgm:pt>
+    <dgm:pt modelId="{224E4437-71D3-4EAF-BE7F-572680BB2BBF}" type="pres">
+      <dgm:prSet presAssocID="{F57F36B7-3794-4D7B-9736-901B68A5FCA6}" presName="iconRect" presStyleLbl="node1" presStyleIdx="0" presStyleCnt="3"/>
+      <dgm:spPr>
+        <a:blipFill>
+          <a:blip xmlns:r="http://schemas.openxmlformats.org/officeDocument/2006/relationships" r:embed="rId1">
+            <a:extLst>
+              <a:ext uri="{28A0092B-C50C-407E-A947-70E740481C1C}">
+                <a14:useLocalDpi xmlns:a14="http://schemas.microsoft.com/office/drawing/2010/main" val="0"/>
+              </a:ext>
+              <a:ext uri="{96DAC541-7B7A-43D3-8B79-37D633B846F1}">
+                <asvg:svgBlip xmlns:asvg="http://schemas.microsoft.com/office/drawing/2016/SVG/main" r:embed="rId2"/>
+              </a:ext>
+            </a:extLst>
+          </a:blip>
+          <a:stretch>
+            <a:fillRect/>
+          </a:stretch>
+        </a:blipFill>
+        <a:ln>
+          <a:noFill/>
+        </a:ln>
+      </dgm:spPr>
+      <dgm:extLst>
+        <a:ext uri="{E40237B7-FDA0-4F09-8148-C483321AD2D9}">
+          <dgm14:cNvPr xmlns:dgm14="http://schemas.microsoft.com/office/drawing/2010/diagram" id="0" name="" descr="Checkmark"/>
+        </a:ext>
+      </dgm:extLst>
+    </dgm:pt>
+    <dgm:pt modelId="{DBA72EAE-760E-450B-9931-9FB0CF146985}" type="pres">
+      <dgm:prSet presAssocID="{F57F36B7-3794-4D7B-9736-901B68A5FCA6}" presName="iconSpace" presStyleCnt="0"/>
+      <dgm:spPr/>
+    </dgm:pt>
+    <dgm:pt modelId="{35F28114-8F35-4933-8D70-AEAB567C548A}" type="pres">
+      <dgm:prSet presAssocID="{F57F36B7-3794-4D7B-9736-901B68A5FCA6}" presName="parTx" presStyleLbl="revTx" presStyleIdx="0" presStyleCnt="6">
+        <dgm:presLayoutVars>
+          <dgm:chMax val="0"/>
+          <dgm:chPref val="0"/>
+        </dgm:presLayoutVars>
+      </dgm:prSet>
+      <dgm:spPr/>
+    </dgm:pt>
+    <dgm:pt modelId="{123FE6FB-829D-4224-9844-6BCF95040E25}" type="pres">
+      <dgm:prSet presAssocID="{F57F36B7-3794-4D7B-9736-901B68A5FCA6}" presName="txSpace" presStyleCnt="0"/>
+      <dgm:spPr/>
+    </dgm:pt>
+    <dgm:pt modelId="{AFF3F046-9F73-46C6-8D5E-14321BC249AB}" type="pres">
+      <dgm:prSet presAssocID="{F57F36B7-3794-4D7B-9736-901B68A5FCA6}" presName="desTx" presStyleLbl="revTx" presStyleIdx="1" presStyleCnt="6">
+        <dgm:presLayoutVars/>
+      </dgm:prSet>
+      <dgm:spPr/>
+    </dgm:pt>
+    <dgm:pt modelId="{1C1252F3-DFE0-46A9-8BD9-536B213D56FE}" type="pres">
+      <dgm:prSet presAssocID="{BADE2C9A-50B3-4E53-9992-FA29D53B1876}" presName="sibTrans" presStyleCnt="0"/>
+      <dgm:spPr/>
+    </dgm:pt>
+    <dgm:pt modelId="{94E37771-FF38-4D0A-A066-5F9BF1CDA4A3}" type="pres">
+      <dgm:prSet presAssocID="{A907ACA0-459B-4075-BC0E-6B26025E8A56}" presName="compNode" presStyleCnt="0"/>
+      <dgm:spPr/>
+    </dgm:pt>
+    <dgm:pt modelId="{D714AB3B-6EFD-4707-BA37-B726192733AA}" type="pres">
+      <dgm:prSet presAssocID="{A907ACA0-459B-4075-BC0E-6B26025E8A56}" presName="iconRect" presStyleLbl="node1" presStyleIdx="1" presStyleCnt="3"/>
+      <dgm:spPr>
+        <a:blipFill>
+          <a:blip xmlns:r="http://schemas.openxmlformats.org/officeDocument/2006/relationships" r:embed="rId3">
+            <a:extLst>
+              <a:ext uri="{28A0092B-C50C-407E-A947-70E740481C1C}">
+                <a14:useLocalDpi xmlns:a14="http://schemas.microsoft.com/office/drawing/2010/main" val="0"/>
+              </a:ext>
+              <a:ext uri="{96DAC541-7B7A-43D3-8B79-37D633B846F1}">
+                <asvg:svgBlip xmlns:asvg="http://schemas.microsoft.com/office/drawing/2016/SVG/main" r:embed="rId4"/>
+              </a:ext>
+            </a:extLst>
+          </a:blip>
+          <a:stretch>
+            <a:fillRect/>
+          </a:stretch>
+        </a:blipFill>
+        <a:ln>
+          <a:noFill/>
+        </a:ln>
+      </dgm:spPr>
+      <dgm:extLst>
+        <a:ext uri="{E40237B7-FDA0-4F09-8148-C483321AD2D9}">
+          <dgm14:cNvPr xmlns:dgm14="http://schemas.microsoft.com/office/drawing/2010/diagram" id="0" name="" descr="User"/>
+        </a:ext>
+      </dgm:extLst>
+    </dgm:pt>
+    <dgm:pt modelId="{985E7C83-C718-4631-9D8D-3B3F5031A2AB}" type="pres">
+      <dgm:prSet presAssocID="{A907ACA0-459B-4075-BC0E-6B26025E8A56}" presName="iconSpace" presStyleCnt="0"/>
+      <dgm:spPr/>
+    </dgm:pt>
+    <dgm:pt modelId="{AB7ED828-018E-453D-A767-C580C902B843}" type="pres">
+      <dgm:prSet presAssocID="{A907ACA0-459B-4075-BC0E-6B26025E8A56}" presName="parTx" presStyleLbl="revTx" presStyleIdx="2" presStyleCnt="6">
+        <dgm:presLayoutVars>
+          <dgm:chMax val="0"/>
+          <dgm:chPref val="0"/>
+        </dgm:presLayoutVars>
+      </dgm:prSet>
+      <dgm:spPr/>
+    </dgm:pt>
+    <dgm:pt modelId="{B7C8A6FF-74E2-4BBC-83F6-4A97AB300553}" type="pres">
+      <dgm:prSet presAssocID="{A907ACA0-459B-4075-BC0E-6B26025E8A56}" presName="txSpace" presStyleCnt="0"/>
+      <dgm:spPr/>
+    </dgm:pt>
+    <dgm:pt modelId="{751494AA-0319-4B3C-ABCC-BFC7E4233445}" type="pres">
+      <dgm:prSet presAssocID="{A907ACA0-459B-4075-BC0E-6B26025E8A56}" presName="desTx" presStyleLbl="revTx" presStyleIdx="3" presStyleCnt="6">
+        <dgm:presLayoutVars/>
+      </dgm:prSet>
+      <dgm:spPr/>
+    </dgm:pt>
+    <dgm:pt modelId="{8276B7F5-FE10-491D-84DE-6855EF722CF3}" type="pres">
+      <dgm:prSet presAssocID="{E512DC13-955A-4049-A44C-E8ADBA710E13}" presName="sibTrans" presStyleCnt="0"/>
+      <dgm:spPr/>
+    </dgm:pt>
+    <dgm:pt modelId="{A4FC366A-AD60-4D77-A130-FA08328BF2F4}" type="pres">
+      <dgm:prSet presAssocID="{B75FE5A5-0584-40C5-80A1-468C768A8F72}" presName="compNode" presStyleCnt="0"/>
+      <dgm:spPr/>
+    </dgm:pt>
+    <dgm:pt modelId="{FEFE346E-3308-459F-B293-ACA17804B5DA}" type="pres">
+      <dgm:prSet presAssocID="{B75FE5A5-0584-40C5-80A1-468C768A8F72}" presName="iconRect" presStyleLbl="node1" presStyleIdx="2" presStyleCnt="3"/>
+      <dgm:spPr>
+        <a:blipFill>
+          <a:blip xmlns:r="http://schemas.openxmlformats.org/officeDocument/2006/relationships" r:embed="rId5">
+            <a:extLst>
+              <a:ext uri="{96DAC541-7B7A-43D3-8B79-37D633B846F1}">
+                <asvg:svgBlip xmlns:asvg="http://schemas.microsoft.com/office/drawing/2016/SVG/main" r:embed="rId6"/>
+              </a:ext>
+            </a:extLst>
+          </a:blip>
+          <a:srcRect/>
+          <a:stretch>
+            <a:fillRect/>
+          </a:stretch>
+        </a:blipFill>
+        <a:ln>
+          <a:noFill/>
+        </a:ln>
+      </dgm:spPr>
+      <dgm:extLst>
+        <a:ext uri="{E40237B7-FDA0-4F09-8148-C483321AD2D9}">
+          <dgm14:cNvPr xmlns:dgm14="http://schemas.microsoft.com/office/drawing/2010/diagram" id="0" name="" descr="Tree With Roots with solid fill"/>
+        </a:ext>
+      </dgm:extLst>
+    </dgm:pt>
+    <dgm:pt modelId="{3E9928FA-6E1F-4872-89BF-84BF7C5B5353}" type="pres">
+      <dgm:prSet presAssocID="{B75FE5A5-0584-40C5-80A1-468C768A8F72}" presName="iconSpace" presStyleCnt="0"/>
+      <dgm:spPr/>
+    </dgm:pt>
+    <dgm:pt modelId="{DB200157-C5F8-4F40-A1DD-77EFBEC2412C}" type="pres">
+      <dgm:prSet presAssocID="{B75FE5A5-0584-40C5-80A1-468C768A8F72}" presName="parTx" presStyleLbl="revTx" presStyleIdx="4" presStyleCnt="6">
+        <dgm:presLayoutVars>
+          <dgm:chMax val="0"/>
+          <dgm:chPref val="0"/>
+        </dgm:presLayoutVars>
+      </dgm:prSet>
+      <dgm:spPr/>
+    </dgm:pt>
+    <dgm:pt modelId="{925AE96F-08B2-491A-9B34-FBD75D204268}" type="pres">
+      <dgm:prSet presAssocID="{B75FE5A5-0584-40C5-80A1-468C768A8F72}" presName="txSpace" presStyleCnt="0"/>
+      <dgm:spPr/>
+    </dgm:pt>
+    <dgm:pt modelId="{C3B00729-8191-4273-A979-7563EA697D41}" type="pres">
+      <dgm:prSet presAssocID="{B75FE5A5-0584-40C5-80A1-468C768A8F72}" presName="desTx" presStyleLbl="revTx" presStyleIdx="5" presStyleCnt="6">
+        <dgm:presLayoutVars/>
+      </dgm:prSet>
+      <dgm:spPr/>
+    </dgm:pt>
+  </dgm:ptLst>
+  <dgm:cxnLst>
+    <dgm:cxn modelId="{6FBFD601-87E2-418E-87B6-2A1A888764CA}" type="presOf" srcId="{5E94667F-1DF8-4B26-AE42-DA81D9498250}" destId="{8EF21380-9633-4B75-8EC9-5ECF9D131015}" srcOrd="0" destOrd="0" presId="urn:microsoft.com/office/officeart/2018/5/layout/CenteredIconLabelDescriptionList"/>
+    <dgm:cxn modelId="{53BA3108-6F1A-447A-9335-8410A8C7E665}" srcId="{5E94667F-1DF8-4B26-AE42-DA81D9498250}" destId="{F57F36B7-3794-4D7B-9736-901B68A5FCA6}" srcOrd="0" destOrd="0" parTransId="{D62247BD-5620-4D79-BA90-1FC75E293C35}" sibTransId="{BADE2C9A-50B3-4E53-9992-FA29D53B1876}"/>
+    <dgm:cxn modelId="{3672440E-5F1F-4462-8957-4AB5369B71C9}" type="presOf" srcId="{D05343DB-4045-4E3C-A684-FC85071CB292}" destId="{751494AA-0319-4B3C-ABCC-BFC7E4233445}" srcOrd="0" destOrd="1" presId="urn:microsoft.com/office/officeart/2018/5/layout/CenteredIconLabelDescriptionList"/>
+    <dgm:cxn modelId="{172D8D10-C17F-483C-A8DA-7225E80F9D77}" type="presOf" srcId="{F8E5512D-D4D0-4EAF-A6BF-82997C40B7CB}" destId="{AFF3F046-9F73-46C6-8D5E-14321BC249AB}" srcOrd="0" destOrd="1" presId="urn:microsoft.com/office/officeart/2018/5/layout/CenteredIconLabelDescriptionList"/>
+    <dgm:cxn modelId="{7292842A-A99A-4002-BC3B-5776B32E5479}" srcId="{B75FE5A5-0584-40C5-80A1-468C768A8F72}" destId="{B844BF7E-2DC8-4AE1-8335-AA32F3152FED}" srcOrd="3" destOrd="0" parTransId="{67375EEF-64F2-457B-BAD6-AA4F973318E1}" sibTransId="{D98F03D1-A680-418E-961F-3BCAF1A41EFB}"/>
+    <dgm:cxn modelId="{76C6445B-6417-43C9-971E-4B3D829EECBE}" type="presOf" srcId="{FAB6DD65-7123-4C26-86F2-EB9FEA7AAF0D}" destId="{C3B00729-8191-4273-A979-7563EA697D41}" srcOrd="0" destOrd="2" presId="urn:microsoft.com/office/officeart/2018/5/layout/CenteredIconLabelDescriptionList"/>
+    <dgm:cxn modelId="{5AC59167-4BC7-44B7-8BBA-A23A29438C10}" type="presOf" srcId="{71A842D7-150B-4BEA-AA48-4988C00FF67D}" destId="{751494AA-0319-4B3C-ABCC-BFC7E4233445}" srcOrd="0" destOrd="3" presId="urn:microsoft.com/office/officeart/2018/5/layout/CenteredIconLabelDescriptionList"/>
+    <dgm:cxn modelId="{2520806D-CAE6-4CB7-88D9-3CD954499A36}" type="presOf" srcId="{A907ACA0-459B-4075-BC0E-6B26025E8A56}" destId="{AB7ED828-018E-453D-A767-C580C902B843}" srcOrd="0" destOrd="0" presId="urn:microsoft.com/office/officeart/2018/5/layout/CenteredIconLabelDescriptionList"/>
+    <dgm:cxn modelId="{8770614F-E4AD-4CC9-8D99-937D9294FDA5}" type="presOf" srcId="{413DD821-B018-42EE-85E6-C441B561A976}" destId="{AFF3F046-9F73-46C6-8D5E-14321BC249AB}" srcOrd="0" destOrd="0" presId="urn:microsoft.com/office/officeart/2018/5/layout/CenteredIconLabelDescriptionList"/>
+    <dgm:cxn modelId="{781D8F4F-6EFF-4F8C-8568-6E4C0E7ADB87}" srcId="{F57F36B7-3794-4D7B-9736-901B68A5FCA6}" destId="{413DD821-B018-42EE-85E6-C441B561A976}" srcOrd="0" destOrd="0" parTransId="{6092557E-49F2-494A-B02E-5A99F9FD6E18}" sibTransId="{E75C8683-6D2F-4CFA-8A5D-99257C319A43}"/>
+    <dgm:cxn modelId="{133E1270-A044-4BAF-8AE0-4B7BAF14F930}" srcId="{A907ACA0-459B-4075-BC0E-6B26025E8A56}" destId="{71A842D7-150B-4BEA-AA48-4988C00FF67D}" srcOrd="3" destOrd="0" parTransId="{D516D463-D7EE-4224-8691-77482DE6E891}" sibTransId="{3BD7CED4-4D31-4022-88F3-6E927326EF1D}"/>
+    <dgm:cxn modelId="{A5552D56-E568-4E55-8ED8-F30D4BEE744C}" srcId="{A907ACA0-459B-4075-BC0E-6B26025E8A56}" destId="{F54BEF6B-B1D4-422F-97EE-75F0F05AEBB9}" srcOrd="0" destOrd="0" parTransId="{19665290-B67C-42DD-BD02-119F66A8EB5B}" sibTransId="{53E0D9AD-BD8D-458F-987C-75BF4E683334}"/>
+    <dgm:cxn modelId="{6C734459-91FD-465A-BF56-E627E6CD291D}" type="presOf" srcId="{B844BF7E-2DC8-4AE1-8335-AA32F3152FED}" destId="{C3B00729-8191-4273-A979-7563EA697D41}" srcOrd="0" destOrd="3" presId="urn:microsoft.com/office/officeart/2018/5/layout/CenteredIconLabelDescriptionList"/>
+    <dgm:cxn modelId="{8B148D86-FE91-4862-8563-83193073B4EE}" srcId="{A907ACA0-459B-4075-BC0E-6B26025E8A56}" destId="{DD9EA30D-C53A-4142-BDEC-6AFFF6A3B492}" srcOrd="2" destOrd="0" parTransId="{87731EE9-638E-426E-A000-BB9DE68E0306}" sibTransId="{87E107F7-841C-4DB2-8A27-DC32B62F1149}"/>
+    <dgm:cxn modelId="{D53D0393-10B4-4654-BCC8-7FD9855C28FB}" srcId="{F57F36B7-3794-4D7B-9736-901B68A5FCA6}" destId="{24DC2909-59E8-465F-BC42-9A3444194FE4}" srcOrd="2" destOrd="0" parTransId="{4CE78A6B-B9A4-464B-852E-FD2ED26AD13B}" sibTransId="{10B0E719-A270-4770-81EE-E48611C503E3}"/>
+    <dgm:cxn modelId="{1EACC99A-669A-486F-8F76-A23394889DFB}" type="presOf" srcId="{D8870859-29CC-4538-9AB7-B204042BB1F6}" destId="{C3B00729-8191-4273-A979-7563EA697D41}" srcOrd="0" destOrd="1" presId="urn:microsoft.com/office/officeart/2018/5/layout/CenteredIconLabelDescriptionList"/>
+    <dgm:cxn modelId="{2DFE6AAC-AD9E-4FBF-8185-95D2A78237C8}" srcId="{F57F36B7-3794-4D7B-9736-901B68A5FCA6}" destId="{F8E5512D-D4D0-4EAF-A6BF-82997C40B7CB}" srcOrd="1" destOrd="0" parTransId="{3CCAA9A4-12A8-44B3-AC2A-AF854FDE8EC4}" sibTransId="{759BFA7B-637B-4A5E-9CBA-8935D5C80562}"/>
+    <dgm:cxn modelId="{1B6E86AC-955E-476E-B8F5-6164AC64A479}" type="presOf" srcId="{F54BEF6B-B1D4-422F-97EE-75F0F05AEBB9}" destId="{751494AA-0319-4B3C-ABCC-BFC7E4233445}" srcOrd="0" destOrd="0" presId="urn:microsoft.com/office/officeart/2018/5/layout/CenteredIconLabelDescriptionList"/>
+    <dgm:cxn modelId="{0E2AD9B4-B7E2-4B08-8CDB-886817B47490}" type="presOf" srcId="{B75FE5A5-0584-40C5-80A1-468C768A8F72}" destId="{DB200157-C5F8-4F40-A1DD-77EFBEC2412C}" srcOrd="0" destOrd="0" presId="urn:microsoft.com/office/officeart/2018/5/layout/CenteredIconLabelDescriptionList"/>
+    <dgm:cxn modelId="{8F9F9FB9-D3BC-4A46-9A3A-B64324C299E6}" type="presOf" srcId="{8306B3C3-B056-4F98-A99E-42D33A1A8674}" destId="{C3B00729-8191-4273-A979-7563EA697D41}" srcOrd="0" destOrd="0" presId="urn:microsoft.com/office/officeart/2018/5/layout/CenteredIconLabelDescriptionList"/>
+    <dgm:cxn modelId="{50BE4FBB-9FAD-4AEB-9A02-FEA867DD6C55}" srcId="{5E94667F-1DF8-4B26-AE42-DA81D9498250}" destId="{B75FE5A5-0584-40C5-80A1-468C768A8F72}" srcOrd="2" destOrd="0" parTransId="{D6DDE528-A9F6-4E24-86A5-50F89B2B18BB}" sibTransId="{E863928A-87FC-467E-A56A-747BD832999A}"/>
+    <dgm:cxn modelId="{F8C71DBF-1358-4DE2-BF07-9621DCED1B1E}" srcId="{B75FE5A5-0584-40C5-80A1-468C768A8F72}" destId="{FAB6DD65-7123-4C26-86F2-EB9FEA7AAF0D}" srcOrd="2" destOrd="0" parTransId="{220AD021-0E5D-45B1-A983-AC407DCCC347}" sibTransId="{A0E19B17-1148-40D5-A1EF-D4E9759DF6D0}"/>
+    <dgm:cxn modelId="{C7BCD1C9-61D5-4A1C-97F0-C4DA588E15EF}" type="presOf" srcId="{DD9EA30D-C53A-4142-BDEC-6AFFF6A3B492}" destId="{751494AA-0319-4B3C-ABCC-BFC7E4233445}" srcOrd="0" destOrd="2" presId="urn:microsoft.com/office/officeart/2018/5/layout/CenteredIconLabelDescriptionList"/>
+    <dgm:cxn modelId="{6318D2D3-80D8-4D64-ABDC-17DE1D1FEC55}" srcId="{A907ACA0-459B-4075-BC0E-6B26025E8A56}" destId="{D05343DB-4045-4E3C-A684-FC85071CB292}" srcOrd="1" destOrd="0" parTransId="{870BFDC7-64C9-4065-BED1-E1EE1ADA182F}" sibTransId="{BB6AA3B6-EDE2-4B34-8E81-27E99894C51B}"/>
+    <dgm:cxn modelId="{9CE31ED6-918B-464F-B9A7-7DF69E17C2EF}" type="presOf" srcId="{24DC2909-59E8-465F-BC42-9A3444194FE4}" destId="{AFF3F046-9F73-46C6-8D5E-14321BC249AB}" srcOrd="0" destOrd="2" presId="urn:microsoft.com/office/officeart/2018/5/layout/CenteredIconLabelDescriptionList"/>
+    <dgm:cxn modelId="{6B2554DA-ABEE-42BC-BE93-5694A782C2A8}" srcId="{5E94667F-1DF8-4B26-AE42-DA81D9498250}" destId="{A907ACA0-459B-4075-BC0E-6B26025E8A56}" srcOrd="1" destOrd="0" parTransId="{F5A8B51C-24D3-4203-A36D-74F1DD7FE7EF}" sibTransId="{E512DC13-955A-4049-A44C-E8ADBA710E13}"/>
+    <dgm:cxn modelId="{418E15E0-7404-4DB5-9E6B-9AD0810855E0}" type="presOf" srcId="{F57F36B7-3794-4D7B-9736-901B68A5FCA6}" destId="{35F28114-8F35-4933-8D70-AEAB567C548A}" srcOrd="0" destOrd="0" presId="urn:microsoft.com/office/officeart/2018/5/layout/CenteredIconLabelDescriptionList"/>
+    <dgm:cxn modelId="{0206FEE0-4DBE-4026-B178-5FC51EA2329C}" srcId="{B75FE5A5-0584-40C5-80A1-468C768A8F72}" destId="{D8870859-29CC-4538-9AB7-B204042BB1F6}" srcOrd="1" destOrd="0" parTransId="{F5AB1555-85CD-4BD4-A8AE-6ACA3D5B919F}" sibTransId="{091C5C52-B76F-4E75-9027-EF724EDB4979}"/>
+    <dgm:cxn modelId="{A78C7AF1-39E3-471F-8F3C-587217C22F48}" srcId="{B75FE5A5-0584-40C5-80A1-468C768A8F72}" destId="{8306B3C3-B056-4F98-A99E-42D33A1A8674}" srcOrd="0" destOrd="0" parTransId="{F9610BE3-7F5F-4B4E-B0FA-353BE90437A1}" sibTransId="{40B016A2-131D-4C07-B910-C3E911632A53}"/>
+    <dgm:cxn modelId="{7BA442AF-2AFA-4B0C-82E1-D171E25C5FE2}" type="presParOf" srcId="{8EF21380-9633-4B75-8EC9-5ECF9D131015}" destId="{D3F426C2-659A-4703-B2C5-93B27861DCB2}" srcOrd="0" destOrd="0" presId="urn:microsoft.com/office/officeart/2018/5/layout/CenteredIconLabelDescriptionList"/>
+    <dgm:cxn modelId="{BEBB4BC3-4B49-400A-BD38-28DB1205C8B5}" type="presParOf" srcId="{D3F426C2-659A-4703-B2C5-93B27861DCB2}" destId="{224E4437-71D3-4EAF-BE7F-572680BB2BBF}" srcOrd="0" destOrd="0" presId="urn:microsoft.com/office/officeart/2018/5/layout/CenteredIconLabelDescriptionList"/>
+    <dgm:cxn modelId="{FFE6F78F-D76B-433A-A6D6-3C3A90EDC532}" type="presParOf" srcId="{D3F426C2-659A-4703-B2C5-93B27861DCB2}" destId="{DBA72EAE-760E-450B-9931-9FB0CF146985}" srcOrd="1" destOrd="0" presId="urn:microsoft.com/office/officeart/2018/5/layout/CenteredIconLabelDescriptionList"/>
+    <dgm:cxn modelId="{81311548-D21B-4E6F-A9C1-A569FD3020DD}" type="presParOf" srcId="{D3F426C2-659A-4703-B2C5-93B27861DCB2}" destId="{35F28114-8F35-4933-8D70-AEAB567C548A}" srcOrd="2" destOrd="0" presId="urn:microsoft.com/office/officeart/2018/5/layout/CenteredIconLabelDescriptionList"/>
+    <dgm:cxn modelId="{51A82F0B-3B91-4A3F-932C-F4BA97686597}" type="presParOf" srcId="{D3F426C2-659A-4703-B2C5-93B27861DCB2}" destId="{123FE6FB-829D-4224-9844-6BCF95040E25}" srcOrd="3" destOrd="0" presId="urn:microsoft.com/office/officeart/2018/5/layout/CenteredIconLabelDescriptionList"/>
+    <dgm:cxn modelId="{A66C6880-4930-4A89-A3E0-52F2FFEBEFD0}" type="presParOf" srcId="{D3F426C2-659A-4703-B2C5-93B27861DCB2}" destId="{AFF3F046-9F73-46C6-8D5E-14321BC249AB}" srcOrd="4" destOrd="0" presId="urn:microsoft.com/office/officeart/2018/5/layout/CenteredIconLabelDescriptionList"/>
+    <dgm:cxn modelId="{E3DE6808-0241-413B-97F8-18D285E929FE}" type="presParOf" srcId="{8EF21380-9633-4B75-8EC9-5ECF9D131015}" destId="{1C1252F3-DFE0-46A9-8BD9-536B213D56FE}" srcOrd="1" destOrd="0" presId="urn:microsoft.com/office/officeart/2018/5/layout/CenteredIconLabelDescriptionList"/>
+    <dgm:cxn modelId="{11E9AC63-16E6-478A-ADD2-89964237C4AA}" type="presParOf" srcId="{8EF21380-9633-4B75-8EC9-5ECF9D131015}" destId="{94E37771-FF38-4D0A-A066-5F9BF1CDA4A3}" srcOrd="2" destOrd="0" presId="urn:microsoft.com/office/officeart/2018/5/layout/CenteredIconLabelDescriptionList"/>
+    <dgm:cxn modelId="{62AFC739-8528-4E48-ABE7-D2D635C2970D}" type="presParOf" srcId="{94E37771-FF38-4D0A-A066-5F9BF1CDA4A3}" destId="{D714AB3B-6EFD-4707-BA37-B726192733AA}" srcOrd="0" destOrd="0" presId="urn:microsoft.com/office/officeart/2018/5/layout/CenteredIconLabelDescriptionList"/>
+    <dgm:cxn modelId="{305F26EE-52BE-482A-8721-1FFA709FBF6A}" type="presParOf" srcId="{94E37771-FF38-4D0A-A066-5F9BF1CDA4A3}" destId="{985E7C83-C718-4631-9D8D-3B3F5031A2AB}" srcOrd="1" destOrd="0" presId="urn:microsoft.com/office/officeart/2018/5/layout/CenteredIconLabelDescriptionList"/>
+    <dgm:cxn modelId="{35108926-A6EA-4A4D-A628-866CBEE0C62E}" type="presParOf" srcId="{94E37771-FF38-4D0A-A066-5F9BF1CDA4A3}" destId="{AB7ED828-018E-453D-A767-C580C902B843}" srcOrd="2" destOrd="0" presId="urn:microsoft.com/office/officeart/2018/5/layout/CenteredIconLabelDescriptionList"/>
+    <dgm:cxn modelId="{7F13550F-1CCF-4C6E-810B-0C5F4818EB7A}" type="presParOf" srcId="{94E37771-FF38-4D0A-A066-5F9BF1CDA4A3}" destId="{B7C8A6FF-74E2-4BBC-83F6-4A97AB300553}" srcOrd="3" destOrd="0" presId="urn:microsoft.com/office/officeart/2018/5/layout/CenteredIconLabelDescriptionList"/>
+    <dgm:cxn modelId="{39B79C87-993C-48D0-8417-32BF34A5CB18}" type="presParOf" srcId="{94E37771-FF38-4D0A-A066-5F9BF1CDA4A3}" destId="{751494AA-0319-4B3C-ABCC-BFC7E4233445}" srcOrd="4" destOrd="0" presId="urn:microsoft.com/office/officeart/2018/5/layout/CenteredIconLabelDescriptionList"/>
+    <dgm:cxn modelId="{ECFA53B9-C82F-48D0-AC72-E2F040AD2585}" type="presParOf" srcId="{8EF21380-9633-4B75-8EC9-5ECF9D131015}" destId="{8276B7F5-FE10-491D-84DE-6855EF722CF3}" srcOrd="3" destOrd="0" presId="urn:microsoft.com/office/officeart/2018/5/layout/CenteredIconLabelDescriptionList"/>
+    <dgm:cxn modelId="{35D10FC4-4E71-4888-B765-7B378678BE57}" type="presParOf" srcId="{8EF21380-9633-4B75-8EC9-5ECF9D131015}" destId="{A4FC366A-AD60-4D77-A130-FA08328BF2F4}" srcOrd="4" destOrd="0" presId="urn:microsoft.com/office/officeart/2018/5/layout/CenteredIconLabelDescriptionList"/>
+    <dgm:cxn modelId="{977AC1EF-F6D6-4CC8-A02C-89467D65D982}" type="presParOf" srcId="{A4FC366A-AD60-4D77-A130-FA08328BF2F4}" destId="{FEFE346E-3308-459F-B293-ACA17804B5DA}" srcOrd="0" destOrd="0" presId="urn:microsoft.com/office/officeart/2018/5/layout/CenteredIconLabelDescriptionList"/>
+    <dgm:cxn modelId="{6F9FDC6A-E686-4F45-9D74-DFC0F44584B4}" type="presParOf" srcId="{A4FC366A-AD60-4D77-A130-FA08328BF2F4}" destId="{3E9928FA-6E1F-4872-89BF-84BF7C5B5353}" srcOrd="1" destOrd="0" presId="urn:microsoft.com/office/officeart/2018/5/layout/CenteredIconLabelDescriptionList"/>
+    <dgm:cxn modelId="{E35C6932-A2EE-42C2-96BF-287B9FCD591A}" type="presParOf" srcId="{A4FC366A-AD60-4D77-A130-FA08328BF2F4}" destId="{DB200157-C5F8-4F40-A1DD-77EFBEC2412C}" srcOrd="2" destOrd="0" presId="urn:microsoft.com/office/officeart/2018/5/layout/CenteredIconLabelDescriptionList"/>
+    <dgm:cxn modelId="{B7730453-39AB-4727-9885-A35630B92DB9}" type="presParOf" srcId="{A4FC366A-AD60-4D77-A130-FA08328BF2F4}" destId="{925AE96F-08B2-491A-9B34-FBD75D204268}" srcOrd="3" destOrd="0" presId="urn:microsoft.com/office/officeart/2018/5/layout/CenteredIconLabelDescriptionList"/>
+    <dgm:cxn modelId="{8FDB6A9C-D128-4CE9-945C-0317B2BDE58F}" type="presParOf" srcId="{A4FC366A-AD60-4D77-A130-FA08328BF2F4}" destId="{C3B00729-8191-4273-A979-7563EA697D41}" srcOrd="4" destOrd="0" presId="urn:microsoft.com/office/officeart/2018/5/layout/CenteredIconLabelDescriptionList"/>
+  </dgm:cxnLst>
+  <dgm:bg/>
+  <dgm:whole/>
+  <dgm:extLst>
+    <a:ext uri="http://schemas.microsoft.com/office/drawing/2008/diagram">
+      <dsp:dataModelExt xmlns:dsp="http://schemas.microsoft.com/office/drawing/2008/diagram" relId="rId6" minVer="http://schemas.openxmlformats.org/drawingml/2006/diagram"/>
+    </a:ext>
+  </dgm:extLst>
+</dgm:dataModel>
+</file>
+
 <file path=ppt/diagrams/drawing1.xml><?xml version="1.0" encoding="utf-8"?>
 <dsp:drawing xmlns:dgm="http://schemas.openxmlformats.org/drawingml/2006/diagram" xmlns:dsp="http://schemas.microsoft.com/office/drawing/2008/diagram" xmlns:a="http://schemas.openxmlformats.org/drawingml/2006/main">
   <dsp:spTree>
@@ -1485,7 +3119,7 @@
         </a:bodyPr>
         <a:lstStyle/>
         <a:p>
-          <a:pPr marL="0" lvl="0" indent="0" algn="ctr" defTabSz="889000">
+          <a:pPr marL="0" lvl="0" indent="0" algn="ctr" defTabSz="844550">
             <a:lnSpc>
               <a:spcPct val="90000"/>
             </a:lnSpc>
@@ -1498,7 +3132,7 @@
             <a:buNone/>
           </a:pPr>
           <a:r>
-            <a:rPr lang="en-US" sz="2000" kern="1200" dirty="0"/>
+            <a:rPr lang="en-US" sz="1900" kern="1200" dirty="0"/>
             <a:t>Read branches from “college.csv” and insert them in “Branches” structure.</a:t>
           </a:r>
         </a:p>
@@ -1634,7 +3268,7 @@
         </a:bodyPr>
         <a:lstStyle/>
         <a:p>
-          <a:pPr marL="0" lvl="0" indent="0" algn="ctr" defTabSz="889000">
+          <a:pPr marL="0" lvl="0" indent="0" algn="ctr" defTabSz="844550">
             <a:lnSpc>
               <a:spcPct val="90000"/>
             </a:lnSpc>
@@ -1647,15 +3281,15 @@
             <a:buNone/>
           </a:pPr>
           <a:r>
-            <a:rPr lang="en-US" sz="2000" kern="1200" dirty="0"/>
+            <a:rPr lang="en-US" sz="1900" kern="1200" dirty="0"/>
             <a:t>Insert the cutoffs of each branch and insert into a </a:t>
           </a:r>
           <a:r>
-            <a:rPr lang="en-US" sz="2000" kern="1200" dirty="0" err="1"/>
+            <a:rPr lang="en-US" sz="1900" kern="1200" dirty="0" err="1"/>
             <a:t>vEB</a:t>
           </a:r>
           <a:r>
-            <a:rPr lang="en-US" sz="2000" kern="1200" dirty="0"/>
+            <a:rPr lang="en-US" sz="1900" kern="1200" dirty="0"/>
             <a:t> tree.</a:t>
           </a:r>
         </a:p>
@@ -1798,7 +3432,7 @@
         </a:bodyPr>
         <a:lstStyle/>
         <a:p>
-          <a:pPr marL="0" lvl="0" indent="0" algn="ctr" defTabSz="889000">
+          <a:pPr marL="0" lvl="0" indent="0" algn="ctr" defTabSz="844550">
             <a:lnSpc>
               <a:spcPct val="90000"/>
             </a:lnSpc>
@@ -1811,7 +3445,7 @@
             <a:buNone/>
           </a:pPr>
           <a:r>
-            <a:rPr lang="en-US" sz="2000" kern="1200"/>
+            <a:rPr lang="en-US" sz="1900" kern="1200"/>
             <a:t>Read the Students data from “students.csv”</a:t>
           </a:r>
         </a:p>
@@ -1948,7 +3582,7 @@
         </a:bodyPr>
         <a:lstStyle/>
         <a:p>
-          <a:pPr marL="0" lvl="0" indent="0" algn="ctr" defTabSz="889000">
+          <a:pPr marL="0" lvl="0" indent="0" algn="ctr" defTabSz="844550">
             <a:lnSpc>
               <a:spcPct val="90000"/>
             </a:lnSpc>
@@ -1961,7 +3595,7 @@
             <a:buNone/>
           </a:pPr>
           <a:r>
-            <a:rPr lang="en-US" sz="2000" kern="1200" dirty="0"/>
+            <a:rPr lang="en-US" sz="1900" kern="1200" dirty="0"/>
             <a:t>Allocate branches to students.</a:t>
           </a:r>
         </a:p>
@@ -2098,7 +3732,7 @@
         </a:bodyPr>
         <a:lstStyle/>
         <a:p>
-          <a:pPr marL="0" lvl="0" indent="0" algn="ctr" defTabSz="889000">
+          <a:pPr marL="0" lvl="0" indent="0" algn="ctr" defTabSz="844550">
             <a:lnSpc>
               <a:spcPct val="90000"/>
             </a:lnSpc>
@@ -2111,7 +3745,7 @@
             <a:buNone/>
           </a:pPr>
           <a:r>
-            <a:rPr lang="en-US" sz="2000" kern="1200" dirty="0"/>
+            <a:rPr lang="en-US" sz="1900" kern="1200" dirty="0"/>
             <a:t>Create a new .csv file and write the students roll no., marks &amp; the allotted branch</a:t>
           </a:r>
         </a:p>
@@ -2166,7 +3800,7 @@
         </a:bodyPr>
         <a:lstStyle/>
         <a:p>
-          <a:pPr marL="0" lvl="0" indent="0" algn="ctr" defTabSz="889000">
+          <a:pPr marL="0" lvl="0" indent="0" algn="ctr" defTabSz="844550">
             <a:lnSpc>
               <a:spcPct val="90000"/>
             </a:lnSpc>
@@ -2179,7 +3813,7 @@
             <a:buNone/>
           </a:pPr>
           <a:r>
-            <a:rPr lang="en-US" sz="2000" kern="1200"/>
+            <a:rPr lang="en-US" sz="1900" kern="1200"/>
             <a:t>Free the memory of the vEB tree.</a:t>
           </a:r>
         </a:p>
@@ -2187,6 +3821,687 @@
       <dsp:txXfrm>
         <a:off x="7230575" y="2249974"/>
         <a:ext cx="2708695" cy="1625217"/>
+      </dsp:txXfrm>
+    </dsp:sp>
+  </dsp:spTree>
+</dsp:drawing>
+</file>
+
+<file path=ppt/diagrams/drawing2.xml><?xml version="1.0" encoding="utf-8"?>
+<dsp:drawing xmlns:dgm="http://schemas.openxmlformats.org/drawingml/2006/diagram" xmlns:dsp="http://schemas.microsoft.com/office/drawing/2008/diagram" xmlns:a="http://schemas.openxmlformats.org/drawingml/2006/main">
+  <dsp:spTree>
+    <dsp:nvGrpSpPr>
+      <dsp:cNvPr id="0" name=""/>
+      <dsp:cNvGrpSpPr/>
+    </dsp:nvGrpSpPr>
+    <dsp:grpSpPr/>
+    <dsp:sp modelId="{224E4437-71D3-4EAF-BE7F-572680BB2BBF}">
+      <dsp:nvSpPr>
+        <dsp:cNvPr id="0" name=""/>
+        <dsp:cNvSpPr/>
+      </dsp:nvSpPr>
+      <dsp:spPr>
+        <a:xfrm>
+          <a:off x="1021610" y="637454"/>
+          <a:ext cx="1097085" cy="1097085"/>
+        </a:xfrm>
+        <a:prstGeom prst="rect">
+          <a:avLst/>
+        </a:prstGeom>
+        <a:blipFill>
+          <a:blip xmlns:r="http://schemas.openxmlformats.org/officeDocument/2006/relationships" r:embed="rId1">
+            <a:extLst>
+              <a:ext uri="{28A0092B-C50C-407E-A947-70E740481C1C}">
+                <a14:useLocalDpi xmlns:a14="http://schemas.microsoft.com/office/drawing/2010/main" val="0"/>
+              </a:ext>
+              <a:ext uri="{96DAC541-7B7A-43D3-8B79-37D633B846F1}">
+                <asvg:svgBlip xmlns:asvg="http://schemas.microsoft.com/office/drawing/2016/SVG/main" r:embed="rId2"/>
+              </a:ext>
+            </a:extLst>
+          </a:blip>
+          <a:stretch>
+            <a:fillRect/>
+          </a:stretch>
+        </a:blipFill>
+        <a:ln w="12700" cap="flat" cmpd="sng" algn="ctr">
+          <a:noFill/>
+          <a:prstDash val="solid"/>
+          <a:miter lim="800000"/>
+        </a:ln>
+        <a:effectLst/>
+      </dsp:spPr>
+      <dsp:style>
+        <a:lnRef idx="2">
+          <a:scrgbClr r="0" g="0" b="0"/>
+        </a:lnRef>
+        <a:fillRef idx="1">
+          <a:scrgbClr r="0" g="0" b="0"/>
+        </a:fillRef>
+        <a:effectRef idx="0">
+          <a:scrgbClr r="0" g="0" b="0"/>
+        </a:effectRef>
+        <a:fontRef idx="minor">
+          <a:schemeClr val="lt1"/>
+        </a:fontRef>
+      </dsp:style>
+    </dsp:sp>
+    <dsp:sp modelId="{35F28114-8F35-4933-8D70-AEAB567C548A}">
+      <dsp:nvSpPr>
+        <dsp:cNvPr id="0" name=""/>
+        <dsp:cNvSpPr/>
+      </dsp:nvSpPr>
+      <dsp:spPr>
+        <a:xfrm>
+          <a:off x="2888" y="1874742"/>
+          <a:ext cx="3134531" cy="470179"/>
+        </a:xfrm>
+        <a:prstGeom prst="rect">
+          <a:avLst/>
+        </a:prstGeom>
+        <a:noFill/>
+        <a:ln>
+          <a:noFill/>
+        </a:ln>
+        <a:effectLst/>
+      </dsp:spPr>
+      <dsp:style>
+        <a:lnRef idx="0">
+          <a:scrgbClr r="0" g="0" b="0"/>
+        </a:lnRef>
+        <a:fillRef idx="0">
+          <a:scrgbClr r="0" g="0" b="0"/>
+        </a:fillRef>
+        <a:effectRef idx="0">
+          <a:scrgbClr r="0" g="0" b="0"/>
+        </a:effectRef>
+        <a:fontRef idx="minor"/>
+      </dsp:style>
+      <dsp:txBody>
+        <a:bodyPr spcFirstLastPara="0" vert="horz" wrap="square" lIns="0" tIns="0" rIns="0" bIns="0" numCol="1" spcCol="1270" anchor="t" anchorCtr="0">
+          <a:noAutofit/>
+        </a:bodyPr>
+        <a:lstStyle/>
+        <a:p>
+          <a:pPr marL="0" lvl="0" indent="0" algn="ctr" defTabSz="1200150">
+            <a:lnSpc>
+              <a:spcPct val="100000"/>
+            </a:lnSpc>
+            <a:spcBef>
+              <a:spcPct val="0"/>
+            </a:spcBef>
+            <a:spcAft>
+              <a:spcPct val="35000"/>
+            </a:spcAft>
+            <a:buNone/>
+            <a:defRPr b="1"/>
+          </a:pPr>
+          <a:r>
+            <a:rPr lang="en-US" sz="2700" b="1" kern="1200"/>
+            <a:t>Branch</a:t>
+          </a:r>
+          <a:endParaRPr lang="en-US" sz="2700" kern="1200"/>
+        </a:p>
+      </dsp:txBody>
+      <dsp:txXfrm>
+        <a:off x="2888" y="1874742"/>
+        <a:ext cx="3134531" cy="470179"/>
+      </dsp:txXfrm>
+    </dsp:sp>
+    <dsp:sp modelId="{AFF3F046-9F73-46C6-8D5E-14321BC249AB}">
+      <dsp:nvSpPr>
+        <dsp:cNvPr id="0" name=""/>
+        <dsp:cNvSpPr/>
+      </dsp:nvSpPr>
+      <dsp:spPr>
+        <a:xfrm>
+          <a:off x="2888" y="2410132"/>
+          <a:ext cx="3134531" cy="1487836"/>
+        </a:xfrm>
+        <a:prstGeom prst="rect">
+          <a:avLst/>
+        </a:prstGeom>
+        <a:noFill/>
+        <a:ln>
+          <a:noFill/>
+        </a:ln>
+        <a:effectLst/>
+      </dsp:spPr>
+      <dsp:style>
+        <a:lnRef idx="0">
+          <a:scrgbClr r="0" g="0" b="0"/>
+        </a:lnRef>
+        <a:fillRef idx="0">
+          <a:scrgbClr r="0" g="0" b="0"/>
+        </a:fillRef>
+        <a:effectRef idx="0">
+          <a:scrgbClr r="0" g="0" b="0"/>
+        </a:effectRef>
+        <a:fontRef idx="minor"/>
+      </dsp:style>
+      <dsp:txBody>
+        <a:bodyPr spcFirstLastPara="0" vert="horz" wrap="square" lIns="0" tIns="0" rIns="0" bIns="0" numCol="1" spcCol="1270" anchor="ctr" anchorCtr="0">
+          <a:noAutofit/>
+        </a:bodyPr>
+        <a:lstStyle/>
+        <a:p>
+          <a:pPr marL="0" lvl="0" indent="0" algn="ctr" defTabSz="755650">
+            <a:lnSpc>
+              <a:spcPct val="100000"/>
+            </a:lnSpc>
+            <a:spcBef>
+              <a:spcPct val="0"/>
+            </a:spcBef>
+            <a:spcAft>
+              <a:spcPct val="35000"/>
+            </a:spcAft>
+            <a:buFont typeface="+mj-lt"/>
+            <a:buNone/>
+          </a:pPr>
+          <a:r>
+            <a:rPr lang="en-US" sz="1700" kern="1200" dirty="0"/>
+            <a:t>Cutoff</a:t>
+          </a:r>
+        </a:p>
+        <a:p>
+          <a:pPr marL="0" lvl="0" indent="0" algn="ctr" defTabSz="755650">
+            <a:lnSpc>
+              <a:spcPct val="100000"/>
+            </a:lnSpc>
+            <a:spcBef>
+              <a:spcPct val="0"/>
+            </a:spcBef>
+            <a:spcAft>
+              <a:spcPct val="35000"/>
+            </a:spcAft>
+            <a:buFont typeface="+mj-lt"/>
+            <a:buNone/>
+          </a:pPr>
+          <a:r>
+            <a:rPr lang="en-US" sz="1700" kern="1200"/>
+            <a:t>Seats</a:t>
+          </a:r>
+        </a:p>
+        <a:p>
+          <a:pPr marL="0" lvl="0" indent="0" algn="ctr" defTabSz="755650">
+            <a:lnSpc>
+              <a:spcPct val="100000"/>
+            </a:lnSpc>
+            <a:spcBef>
+              <a:spcPct val="0"/>
+            </a:spcBef>
+            <a:spcAft>
+              <a:spcPct val="35000"/>
+            </a:spcAft>
+            <a:buFont typeface="+mj-lt"/>
+            <a:buNone/>
+          </a:pPr>
+          <a:r>
+            <a:rPr lang="en-US" sz="1700" kern="1200" dirty="0"/>
+            <a:t>Name</a:t>
+          </a:r>
+        </a:p>
+      </dsp:txBody>
+      <dsp:txXfrm>
+        <a:off x="2888" y="2410132"/>
+        <a:ext cx="3134531" cy="1487836"/>
+      </dsp:txXfrm>
+    </dsp:sp>
+    <dsp:sp modelId="{D714AB3B-6EFD-4707-BA37-B726192733AA}">
+      <dsp:nvSpPr>
+        <dsp:cNvPr id="0" name=""/>
+        <dsp:cNvSpPr/>
+      </dsp:nvSpPr>
+      <dsp:spPr>
+        <a:xfrm>
+          <a:off x="4704685" y="637454"/>
+          <a:ext cx="1097085" cy="1097085"/>
+        </a:xfrm>
+        <a:prstGeom prst="rect">
+          <a:avLst/>
+        </a:prstGeom>
+        <a:blipFill>
+          <a:blip xmlns:r="http://schemas.openxmlformats.org/officeDocument/2006/relationships" r:embed="rId3">
+            <a:extLst>
+              <a:ext uri="{28A0092B-C50C-407E-A947-70E740481C1C}">
+                <a14:useLocalDpi xmlns:a14="http://schemas.microsoft.com/office/drawing/2010/main" val="0"/>
+              </a:ext>
+              <a:ext uri="{96DAC541-7B7A-43D3-8B79-37D633B846F1}">
+                <asvg:svgBlip xmlns:asvg="http://schemas.microsoft.com/office/drawing/2016/SVG/main" r:embed="rId4"/>
+              </a:ext>
+            </a:extLst>
+          </a:blip>
+          <a:stretch>
+            <a:fillRect/>
+          </a:stretch>
+        </a:blipFill>
+        <a:ln w="12700" cap="flat" cmpd="sng" algn="ctr">
+          <a:noFill/>
+          <a:prstDash val="solid"/>
+          <a:miter lim="800000"/>
+        </a:ln>
+        <a:effectLst/>
+      </dsp:spPr>
+      <dsp:style>
+        <a:lnRef idx="2">
+          <a:scrgbClr r="0" g="0" b="0"/>
+        </a:lnRef>
+        <a:fillRef idx="1">
+          <a:scrgbClr r="0" g="0" b="0"/>
+        </a:fillRef>
+        <a:effectRef idx="0">
+          <a:scrgbClr r="0" g="0" b="0"/>
+        </a:effectRef>
+        <a:fontRef idx="minor">
+          <a:schemeClr val="lt1"/>
+        </a:fontRef>
+      </dsp:style>
+    </dsp:sp>
+    <dsp:sp modelId="{AB7ED828-018E-453D-A767-C580C902B843}">
+      <dsp:nvSpPr>
+        <dsp:cNvPr id="0" name=""/>
+        <dsp:cNvSpPr/>
+      </dsp:nvSpPr>
+      <dsp:spPr>
+        <a:xfrm>
+          <a:off x="3685962" y="1874742"/>
+          <a:ext cx="3134531" cy="470179"/>
+        </a:xfrm>
+        <a:prstGeom prst="rect">
+          <a:avLst/>
+        </a:prstGeom>
+        <a:noFill/>
+        <a:ln>
+          <a:noFill/>
+        </a:ln>
+        <a:effectLst/>
+      </dsp:spPr>
+      <dsp:style>
+        <a:lnRef idx="0">
+          <a:scrgbClr r="0" g="0" b="0"/>
+        </a:lnRef>
+        <a:fillRef idx="0">
+          <a:scrgbClr r="0" g="0" b="0"/>
+        </a:fillRef>
+        <a:effectRef idx="0">
+          <a:scrgbClr r="0" g="0" b="0"/>
+        </a:effectRef>
+        <a:fontRef idx="minor"/>
+      </dsp:style>
+      <dsp:txBody>
+        <a:bodyPr spcFirstLastPara="0" vert="horz" wrap="square" lIns="0" tIns="0" rIns="0" bIns="0" numCol="1" spcCol="1270" anchor="t" anchorCtr="0">
+          <a:noAutofit/>
+        </a:bodyPr>
+        <a:lstStyle/>
+        <a:p>
+          <a:pPr marL="0" lvl="0" indent="0" algn="ctr" defTabSz="1200150">
+            <a:lnSpc>
+              <a:spcPct val="100000"/>
+            </a:lnSpc>
+            <a:spcBef>
+              <a:spcPct val="0"/>
+            </a:spcBef>
+            <a:spcAft>
+              <a:spcPct val="35000"/>
+            </a:spcAft>
+            <a:buNone/>
+            <a:defRPr b="1"/>
+          </a:pPr>
+          <a:r>
+            <a:rPr lang="en-AE" sz="2700" b="1" kern="1200"/>
+            <a:t>Student</a:t>
+          </a:r>
+          <a:endParaRPr lang="en-US" sz="2700" kern="1200"/>
+        </a:p>
+      </dsp:txBody>
+      <dsp:txXfrm>
+        <a:off x="3685962" y="1874742"/>
+        <a:ext cx="3134531" cy="470179"/>
+      </dsp:txXfrm>
+    </dsp:sp>
+    <dsp:sp modelId="{751494AA-0319-4B3C-ABCC-BFC7E4233445}">
+      <dsp:nvSpPr>
+        <dsp:cNvPr id="0" name=""/>
+        <dsp:cNvSpPr/>
+      </dsp:nvSpPr>
+      <dsp:spPr>
+        <a:xfrm>
+          <a:off x="3685962" y="2410132"/>
+          <a:ext cx="3134531" cy="1487836"/>
+        </a:xfrm>
+        <a:prstGeom prst="rect">
+          <a:avLst/>
+        </a:prstGeom>
+        <a:noFill/>
+        <a:ln>
+          <a:noFill/>
+        </a:ln>
+        <a:effectLst/>
+      </dsp:spPr>
+      <dsp:style>
+        <a:lnRef idx="0">
+          <a:scrgbClr r="0" g="0" b="0"/>
+        </a:lnRef>
+        <a:fillRef idx="0">
+          <a:scrgbClr r="0" g="0" b="0"/>
+        </a:fillRef>
+        <a:effectRef idx="0">
+          <a:scrgbClr r="0" g="0" b="0"/>
+        </a:effectRef>
+        <a:fontRef idx="minor"/>
+      </dsp:style>
+      <dsp:txBody>
+        <a:bodyPr spcFirstLastPara="0" vert="horz" wrap="square" lIns="0" tIns="0" rIns="0" bIns="0" numCol="1" spcCol="1270" anchor="ctr" anchorCtr="0">
+          <a:noAutofit/>
+        </a:bodyPr>
+        <a:lstStyle/>
+        <a:p>
+          <a:pPr marL="0" lvl="0" indent="0" algn="ctr" defTabSz="755650">
+            <a:lnSpc>
+              <a:spcPct val="100000"/>
+            </a:lnSpc>
+            <a:spcBef>
+              <a:spcPct val="0"/>
+            </a:spcBef>
+            <a:spcAft>
+              <a:spcPct val="35000"/>
+            </a:spcAft>
+            <a:buNone/>
+          </a:pPr>
+          <a:r>
+            <a:rPr lang="en-AE" sz="1700" kern="1200" dirty="0"/>
+            <a:t>Roll</a:t>
+          </a:r>
+          <a:endParaRPr lang="en-US" sz="1700" kern="1200" dirty="0"/>
+        </a:p>
+        <a:p>
+          <a:pPr marL="0" lvl="0" indent="0" algn="ctr" defTabSz="755650">
+            <a:lnSpc>
+              <a:spcPct val="100000"/>
+            </a:lnSpc>
+            <a:spcBef>
+              <a:spcPct val="0"/>
+            </a:spcBef>
+            <a:spcAft>
+              <a:spcPct val="35000"/>
+            </a:spcAft>
+            <a:buNone/>
+          </a:pPr>
+          <a:r>
+            <a:rPr lang="en-AE" sz="1700" kern="1200" dirty="0"/>
+            <a:t>Marks</a:t>
+          </a:r>
+          <a:endParaRPr lang="en-US" sz="1700" kern="1200" dirty="0"/>
+        </a:p>
+        <a:p>
+          <a:pPr marL="0" lvl="0" indent="0" algn="ctr" defTabSz="755650">
+            <a:lnSpc>
+              <a:spcPct val="100000"/>
+            </a:lnSpc>
+            <a:spcBef>
+              <a:spcPct val="0"/>
+            </a:spcBef>
+            <a:spcAft>
+              <a:spcPct val="35000"/>
+            </a:spcAft>
+            <a:buNone/>
+          </a:pPr>
+          <a:r>
+            <a:rPr lang="en-AE" sz="1700" kern="1200"/>
+            <a:t>Preferences</a:t>
+          </a:r>
+          <a:endParaRPr lang="en-US" sz="1700" kern="1200"/>
+        </a:p>
+        <a:p>
+          <a:pPr marL="0" lvl="0" indent="0" algn="ctr" defTabSz="755650">
+            <a:lnSpc>
+              <a:spcPct val="100000"/>
+            </a:lnSpc>
+            <a:spcBef>
+              <a:spcPct val="0"/>
+            </a:spcBef>
+            <a:spcAft>
+              <a:spcPct val="35000"/>
+            </a:spcAft>
+            <a:buNone/>
+          </a:pPr>
+          <a:r>
+            <a:rPr lang="en-AE" sz="1700" kern="1200" dirty="0"/>
+            <a:t>Branch Allocated</a:t>
+          </a:r>
+          <a:endParaRPr lang="en-US" sz="1700" kern="1200" dirty="0"/>
+        </a:p>
+      </dsp:txBody>
+      <dsp:txXfrm>
+        <a:off x="3685962" y="2410132"/>
+        <a:ext cx="3134531" cy="1487836"/>
+      </dsp:txXfrm>
+    </dsp:sp>
+    <dsp:sp modelId="{FEFE346E-3308-459F-B293-ACA17804B5DA}">
+      <dsp:nvSpPr>
+        <dsp:cNvPr id="0" name=""/>
+        <dsp:cNvSpPr/>
+      </dsp:nvSpPr>
+      <dsp:spPr>
+        <a:xfrm>
+          <a:off x="8387759" y="637454"/>
+          <a:ext cx="1097085" cy="1097085"/>
+        </a:xfrm>
+        <a:prstGeom prst="rect">
+          <a:avLst/>
+        </a:prstGeom>
+        <a:blipFill>
+          <a:blip xmlns:r="http://schemas.openxmlformats.org/officeDocument/2006/relationships" r:embed="rId5">
+            <a:extLst>
+              <a:ext uri="{96DAC541-7B7A-43D3-8B79-37D633B846F1}">
+                <asvg:svgBlip xmlns:asvg="http://schemas.microsoft.com/office/drawing/2016/SVG/main" r:embed="rId6"/>
+              </a:ext>
+            </a:extLst>
+          </a:blip>
+          <a:srcRect/>
+          <a:stretch>
+            <a:fillRect/>
+          </a:stretch>
+        </a:blipFill>
+        <a:ln w="12700" cap="flat" cmpd="sng" algn="ctr">
+          <a:noFill/>
+          <a:prstDash val="solid"/>
+          <a:miter lim="800000"/>
+        </a:ln>
+        <a:effectLst/>
+      </dsp:spPr>
+      <dsp:style>
+        <a:lnRef idx="2">
+          <a:scrgbClr r="0" g="0" b="0"/>
+        </a:lnRef>
+        <a:fillRef idx="1">
+          <a:scrgbClr r="0" g="0" b="0"/>
+        </a:fillRef>
+        <a:effectRef idx="0">
+          <a:scrgbClr r="0" g="0" b="0"/>
+        </a:effectRef>
+        <a:fontRef idx="minor">
+          <a:schemeClr val="lt1"/>
+        </a:fontRef>
+      </dsp:style>
+    </dsp:sp>
+    <dsp:sp modelId="{DB200157-C5F8-4F40-A1DD-77EFBEC2412C}">
+      <dsp:nvSpPr>
+        <dsp:cNvPr id="0" name=""/>
+        <dsp:cNvSpPr/>
+      </dsp:nvSpPr>
+      <dsp:spPr>
+        <a:xfrm>
+          <a:off x="7369036" y="1874742"/>
+          <a:ext cx="3134531" cy="470179"/>
+        </a:xfrm>
+        <a:prstGeom prst="rect">
+          <a:avLst/>
+        </a:prstGeom>
+        <a:noFill/>
+        <a:ln>
+          <a:noFill/>
+        </a:ln>
+        <a:effectLst/>
+      </dsp:spPr>
+      <dsp:style>
+        <a:lnRef idx="0">
+          <a:scrgbClr r="0" g="0" b="0"/>
+        </a:lnRef>
+        <a:fillRef idx="0">
+          <a:scrgbClr r="0" g="0" b="0"/>
+        </a:fillRef>
+        <a:effectRef idx="0">
+          <a:scrgbClr r="0" g="0" b="0"/>
+        </a:effectRef>
+        <a:fontRef idx="minor"/>
+      </dsp:style>
+      <dsp:txBody>
+        <a:bodyPr spcFirstLastPara="0" vert="horz" wrap="square" lIns="0" tIns="0" rIns="0" bIns="0" numCol="1" spcCol="1270" anchor="t" anchorCtr="0">
+          <a:noAutofit/>
+        </a:bodyPr>
+        <a:lstStyle/>
+        <a:p>
+          <a:pPr marL="0" lvl="0" indent="0" algn="ctr" defTabSz="1200150">
+            <a:lnSpc>
+              <a:spcPct val="100000"/>
+            </a:lnSpc>
+            <a:spcBef>
+              <a:spcPct val="0"/>
+            </a:spcBef>
+            <a:spcAft>
+              <a:spcPct val="35000"/>
+            </a:spcAft>
+            <a:buNone/>
+            <a:defRPr b="1"/>
+          </a:pPr>
+          <a:r>
+            <a:rPr lang="en-GB" sz="2700" b="1" kern="1200"/>
+            <a:t>vEB Tree</a:t>
+          </a:r>
+          <a:endParaRPr lang="en-US" sz="2700" kern="1200"/>
+        </a:p>
+      </dsp:txBody>
+      <dsp:txXfrm>
+        <a:off x="7369036" y="1874742"/>
+        <a:ext cx="3134531" cy="470179"/>
+      </dsp:txXfrm>
+    </dsp:sp>
+    <dsp:sp modelId="{C3B00729-8191-4273-A979-7563EA697D41}">
+      <dsp:nvSpPr>
+        <dsp:cNvPr id="0" name=""/>
+        <dsp:cNvSpPr/>
+      </dsp:nvSpPr>
+      <dsp:spPr>
+        <a:xfrm>
+          <a:off x="7369036" y="2410132"/>
+          <a:ext cx="3134531" cy="1487836"/>
+        </a:xfrm>
+        <a:prstGeom prst="rect">
+          <a:avLst/>
+        </a:prstGeom>
+        <a:noFill/>
+        <a:ln>
+          <a:noFill/>
+        </a:ln>
+        <a:effectLst/>
+      </dsp:spPr>
+      <dsp:style>
+        <a:lnRef idx="0">
+          <a:scrgbClr r="0" g="0" b="0"/>
+        </a:lnRef>
+        <a:fillRef idx="0">
+          <a:scrgbClr r="0" g="0" b="0"/>
+        </a:fillRef>
+        <a:effectRef idx="0">
+          <a:scrgbClr r="0" g="0" b="0"/>
+        </a:effectRef>
+        <a:fontRef idx="minor"/>
+      </dsp:style>
+      <dsp:txBody>
+        <a:bodyPr spcFirstLastPara="0" vert="horz" wrap="square" lIns="0" tIns="0" rIns="0" bIns="0" numCol="1" spcCol="1270" anchor="ctr" anchorCtr="0">
+          <a:noAutofit/>
+        </a:bodyPr>
+        <a:lstStyle/>
+        <a:p>
+          <a:pPr marL="0" lvl="0" indent="0" algn="ctr" defTabSz="755650">
+            <a:lnSpc>
+              <a:spcPct val="100000"/>
+            </a:lnSpc>
+            <a:spcBef>
+              <a:spcPct val="0"/>
+            </a:spcBef>
+            <a:spcAft>
+              <a:spcPct val="35000"/>
+            </a:spcAft>
+            <a:buNone/>
+          </a:pPr>
+          <a:r>
+            <a:rPr lang="en-AE" sz="1700" kern="1200" dirty="0"/>
+            <a:t>Universe size</a:t>
+          </a:r>
+          <a:endParaRPr lang="en-US" sz="1700" kern="1200" dirty="0"/>
+        </a:p>
+        <a:p>
+          <a:pPr marL="0" lvl="0" indent="0" algn="ctr" defTabSz="755650">
+            <a:lnSpc>
+              <a:spcPct val="100000"/>
+            </a:lnSpc>
+            <a:spcBef>
+              <a:spcPct val="0"/>
+            </a:spcBef>
+            <a:spcAft>
+              <a:spcPct val="35000"/>
+            </a:spcAft>
+            <a:buNone/>
+          </a:pPr>
+          <a:r>
+            <a:rPr lang="en-AE" sz="1700" kern="1200"/>
+            <a:t>Min / Max</a:t>
+          </a:r>
+          <a:endParaRPr lang="en-US" sz="1700" kern="1200"/>
+        </a:p>
+        <a:p>
+          <a:pPr marL="0" lvl="0" indent="0" algn="ctr" defTabSz="755650">
+            <a:lnSpc>
+              <a:spcPct val="100000"/>
+            </a:lnSpc>
+            <a:spcBef>
+              <a:spcPct val="0"/>
+            </a:spcBef>
+            <a:spcAft>
+              <a:spcPct val="35000"/>
+            </a:spcAft>
+            <a:buNone/>
+          </a:pPr>
+          <a:r>
+            <a:rPr lang="en-AE" sz="1700" kern="1200"/>
+            <a:t>Summary vector</a:t>
+          </a:r>
+          <a:endParaRPr lang="en-US" sz="1700" kern="1200"/>
+        </a:p>
+        <a:p>
+          <a:pPr marL="0" lvl="0" indent="0" algn="ctr" defTabSz="755650">
+            <a:lnSpc>
+              <a:spcPct val="100000"/>
+            </a:lnSpc>
+            <a:spcBef>
+              <a:spcPct val="0"/>
+            </a:spcBef>
+            <a:spcAft>
+              <a:spcPct val="35000"/>
+            </a:spcAft>
+            <a:buNone/>
+          </a:pPr>
+          <a:r>
+            <a:rPr lang="en-AE" sz="1700" kern="1200" dirty="0"/>
+            <a:t>Clusters</a:t>
+          </a:r>
+          <a:endParaRPr lang="en-US" sz="1700" kern="1200" dirty="0"/>
+        </a:p>
+      </dsp:txBody>
+      <dsp:txXfrm>
+        <a:off x="7369036" y="2410132"/>
+        <a:ext cx="3134531" cy="1487836"/>
       </dsp:txXfrm>
     </dsp:sp>
   </dsp:spTree>
@@ -2385,7 +4700,1242 @@
 </dgm:layoutDef>
 </file>
 
+<file path=ppt/diagrams/layout2.xml><?xml version="1.0" encoding="utf-8"?>
+<dgm:layoutDef xmlns:dgm="http://schemas.openxmlformats.org/drawingml/2006/diagram" xmlns:a="http://schemas.openxmlformats.org/drawingml/2006/main" uniqueId="urn:microsoft.com/office/officeart/2018/5/layout/CenteredIconLabelDescriptionList">
+  <dgm:title val="Centered Icon Label Description List"/>
+  <dgm:desc val="Use to show non-sequential or grouped chunks of information. The placeholder holds an icon or small picture, and corresponding text boxes show Level 1 and Level 2 text respectively. Works well for minimal Level 1 text accompanied by lengthier Level two text."/>
+  <dgm:catLst>
+    <dgm:cat type="icon" pri="500"/>
+  </dgm:catLst>
+  <dgm:sampData useDef="1">
+    <dgm:dataModel>
+      <dgm:ptLst/>
+      <dgm:bg/>
+      <dgm:whole/>
+    </dgm:dataModel>
+  </dgm:sampData>
+  <dgm:styleData useDef="1">
+    <dgm:dataModel>
+      <dgm:ptLst/>
+      <dgm:bg/>
+      <dgm:whole/>
+    </dgm:dataModel>
+  </dgm:styleData>
+  <dgm:clrData useDef="1">
+    <dgm:dataModel>
+      <dgm:ptLst/>
+      <dgm:bg/>
+      <dgm:whole/>
+    </dgm:dataModel>
+  </dgm:clrData>
+  <dgm:layoutNode name="root">
+    <dgm:varLst>
+      <dgm:dir/>
+      <dgm:resizeHandles val="exact"/>
+    </dgm:varLst>
+    <dgm:choose name="Name0">
+      <dgm:if name="Name1" axis="self" func="var" arg="dir" op="equ" val="norm">
+        <dgm:alg type="lin"/>
+      </dgm:if>
+      <dgm:else name="Name2">
+        <dgm:alg type="lin">
+          <dgm:param type="linDir" val="fromR"/>
+        </dgm:alg>
+      </dgm:else>
+    </dgm:choose>
+    <dgm:shape xmlns:r="http://schemas.openxmlformats.org/officeDocument/2006/relationships" r:blip="">
+      <dgm:adjLst/>
+    </dgm:shape>
+    <dgm:presOf/>
+    <dgm:constrLst>
+      <dgm:constr type="h" for="ch" forName="compNode" refType="h" fact="0.45"/>
+      <dgm:constr type="w" for="ch" forName="compNode" val="120"/>
+      <dgm:constr type="w" for="ch" forName="sibTrans" refType="w" refFor="ch" refForName="compNode" fact="0.175"/>
+      <dgm:constr type="primFontSz" for="des" forName="parTx" val="36"/>
+      <dgm:constr type="primFontSz" for="des" forName="desTx" refType="primFontSz" refFor="des" refForName="parTx" op="lte" fact="0.75"/>
+      <dgm:constr type="h" for="des" forName="compNode" op="equ"/>
+      <dgm:constr type="h" for="des" forName="iconRect" op="equ"/>
+      <dgm:constr type="w" for="des" forName="iconRect" op="equ"/>
+      <dgm:constr type="h" for="des" forName="iconSpace" op="equ"/>
+      <dgm:constr type="h" for="des" forName="parTx" op="equ"/>
+      <dgm:constr type="h" for="des" forName="txSpace" op="equ"/>
+      <dgm:constr type="h" for="des" forName="desTx" op="equ"/>
+    </dgm:constrLst>
+    <dgm:ruleLst>
+      <dgm:rule type="w" for="ch" forName="compNode" val="0" fact="NaN" max="NaN"/>
+    </dgm:ruleLst>
+    <dgm:forEach name="Name3" axis="ch" ptType="node">
+      <dgm:layoutNode name="compNode">
+        <dgm:alg type="composite"/>
+        <dgm:shape xmlns:r="http://schemas.openxmlformats.org/officeDocument/2006/relationships" r:blip="">
+          <dgm:adjLst/>
+        </dgm:shape>
+        <dgm:presOf axis="self"/>
+        <dgm:constrLst>
+          <dgm:constr type="w" for="ch" forName="iconRect" refType="w" fact="0.35"/>
+          <dgm:constr type="h" for="ch" forName="iconRect" refType="w" refFor="ch" refForName="iconRect"/>
+          <dgm:constr type="ctrX" for="ch" forName="iconRect" refType="w" fact="0.5"/>
+          <dgm:constr type="t" for="ch" forName="iconRect"/>
+          <dgm:constr type="w" for="ch" forName="iconSpace" refType="w"/>
+          <dgm:constr type="h" for="ch" forName="iconSpace" refType="h" fact="0.043"/>
+          <dgm:constr type="l" for="ch" forName="iconSpace"/>
+          <dgm:constr type="t" for="ch" forName="iconSpace" refType="b" refFor="ch" refForName="iconRect"/>
+          <dgm:constr type="w" for="ch" forName="parTx" refType="w"/>
+          <dgm:constr type="h" for="ch" forName="parTx" refType="w" fact="0.15"/>
+          <dgm:constr type="l" for="ch" forName="parTx"/>
+          <dgm:constr type="t" for="ch" forName="parTx" refType="b" refFor="ch" refForName="iconSpace"/>
+          <dgm:constr type="h" for="ch" forName="txSpace" refType="h" fact="0.02"/>
+          <dgm:constr type="w" for="ch" forName="txSpace" refType="w"/>
+          <dgm:constr type="l" for="ch" forName="txSpace"/>
+          <dgm:constr type="t" for="ch" forName="txSpace" refType="b" refFor="ch" refForName="parTx"/>
+          <dgm:constr type="w" for="ch" forName="desTx" refType="w"/>
+          <dgm:constr type="l" for="ch" forName="desTx"/>
+          <dgm:constr type="t" for="ch" forName="desTx" refType="b" refFor="ch" refForName="txSpace"/>
+        </dgm:constrLst>
+        <dgm:ruleLst>
+          <dgm:rule type="h" val="INF" fact="NaN" max="NaN"/>
+        </dgm:ruleLst>
+        <dgm:layoutNode name="iconRect" styleLbl="node1">
+          <dgm:alg type="sp"/>
+          <dgm:shape xmlns:r="http://schemas.openxmlformats.org/officeDocument/2006/relationships" type="rect" r:blip="" blipPhldr="1">
+            <dgm:adjLst/>
+          </dgm:shape>
+          <dgm:presOf/>
+          <dgm:constrLst/>
+          <dgm:ruleLst/>
+        </dgm:layoutNode>
+        <dgm:layoutNode name="iconSpace">
+          <dgm:alg type="sp"/>
+          <dgm:shape xmlns:r="http://schemas.openxmlformats.org/officeDocument/2006/relationships" r:blip="">
+            <dgm:adjLst/>
+          </dgm:shape>
+          <dgm:presOf/>
+          <dgm:constrLst/>
+          <dgm:ruleLst/>
+        </dgm:layoutNode>
+        <dgm:layoutNode name="parTx" styleLbl="revTx">
+          <dgm:varLst>
+            <dgm:chMax val="0"/>
+            <dgm:chPref val="0"/>
+          </dgm:varLst>
+          <dgm:alg type="tx">
+            <dgm:param type="txAnchorVert" val="t"/>
+          </dgm:alg>
+          <dgm:shape xmlns:r="http://schemas.openxmlformats.org/officeDocument/2006/relationships" type="rect" r:blip="">
+            <dgm:adjLst/>
+          </dgm:shape>
+          <dgm:presOf axis="self" ptType="node"/>
+          <dgm:constrLst>
+            <dgm:constr type="lMarg"/>
+            <dgm:constr type="rMarg"/>
+            <dgm:constr type="tMarg"/>
+            <dgm:constr type="bMarg"/>
+          </dgm:constrLst>
+          <dgm:ruleLst>
+            <dgm:rule type="primFontSz" val="14" fact="NaN" max="NaN"/>
+            <dgm:rule type="h" val="INF" fact="NaN" max="NaN"/>
+          </dgm:ruleLst>
+        </dgm:layoutNode>
+        <dgm:layoutNode name="txSpace">
+          <dgm:alg type="sp"/>
+          <dgm:shape xmlns:r="http://schemas.openxmlformats.org/officeDocument/2006/relationships" r:blip="">
+            <dgm:adjLst/>
+          </dgm:shape>
+          <dgm:presOf/>
+          <dgm:constrLst/>
+          <dgm:ruleLst/>
+        </dgm:layoutNode>
+        <dgm:layoutNode name="desTx" styleLbl="revTx">
+          <dgm:varLst/>
+          <dgm:alg type="tx">
+            <dgm:param type="stBulletLvl" val="0"/>
+            <dgm:param type="txAnchorVert" val="t"/>
+          </dgm:alg>
+          <dgm:shape xmlns:r="http://schemas.openxmlformats.org/officeDocument/2006/relationships" type="rect" r:blip="">
+            <dgm:adjLst/>
+          </dgm:shape>
+          <dgm:presOf axis="des" ptType="node"/>
+          <dgm:constrLst>
+            <dgm:constr type="secFontSz" refType="primFontSz"/>
+            <dgm:constr type="lMarg"/>
+            <dgm:constr type="rMarg"/>
+            <dgm:constr type="tMarg"/>
+            <dgm:constr type="bMarg"/>
+          </dgm:constrLst>
+          <dgm:ruleLst>
+            <dgm:rule type="primFontSz" val="NaN" fact="NaN" max="17"/>
+            <dgm:rule type="h" val="INF" fact="NaN" max="NaN"/>
+          </dgm:ruleLst>
+        </dgm:layoutNode>
+      </dgm:layoutNode>
+      <dgm:forEach name="Name4" axis="followSib" ptType="sibTrans" cnt="1">
+        <dgm:layoutNode name="sibTrans">
+          <dgm:alg type="sp"/>
+          <dgm:shape xmlns:r="http://schemas.openxmlformats.org/officeDocument/2006/relationships" r:blip="">
+            <dgm:adjLst/>
+          </dgm:shape>
+          <dgm:presOf axis="self"/>
+          <dgm:constrLst/>
+          <dgm:ruleLst/>
+        </dgm:layoutNode>
+      </dgm:forEach>
+    </dgm:forEach>
+  </dgm:layoutNode>
+  <dgm:extLst>
+    <a:ext uri="{68A01E43-0DF5-4B5B-8FA6-DAF915123BFB}">
+      <dgm1612:lstStyle xmlns:dgm1612="http://schemas.microsoft.com/office/drawing/2016/12/diagram">
+        <a:lvl1pPr>
+          <a:lnSpc>
+            <a:spcPct val="100000"/>
+          </a:lnSpc>
+          <a:defRPr b="1"/>
+        </a:lvl1pPr>
+        <a:lvl2pPr>
+          <a:lnSpc>
+            <a:spcPct val="100000"/>
+          </a:lnSpc>
+        </a:lvl2pPr>
+      </dgm1612:lstStyle>
+    </a:ext>
+  </dgm:extLst>
+</dgm:layoutDef>
+</file>
+
 <file path=ppt/diagrams/quickStyle1.xml><?xml version="1.0" encoding="utf-8"?>
+<dgm:styleDef xmlns:dgm="http://schemas.openxmlformats.org/drawingml/2006/diagram" xmlns:a="http://schemas.openxmlformats.org/drawingml/2006/main" uniqueId="urn:microsoft.com/office/officeart/2005/8/quickstyle/simple1">
+  <dgm:title val=""/>
+  <dgm:desc val=""/>
+  <dgm:catLst>
+    <dgm:cat type="simple" pri="10100"/>
+  </dgm:catLst>
+  <dgm:scene3d>
+    <a:camera prst="orthographicFront"/>
+    <a:lightRig rig="threePt" dir="t"/>
+  </dgm:scene3d>
+  <dgm:styleLbl name="node0">
+    <dgm:scene3d>
+      <a:camera prst="orthographicFront"/>
+      <a:lightRig rig="threePt" dir="t"/>
+    </dgm:scene3d>
+    <dgm:sp3d/>
+    <dgm:txPr/>
+    <dgm:style>
+      <a:lnRef idx="2">
+        <a:scrgbClr r="0" g="0" b="0"/>
+      </a:lnRef>
+      <a:fillRef idx="1">
+        <a:scrgbClr r="0" g="0" b="0"/>
+      </a:fillRef>
+      <a:effectRef idx="0">
+        <a:scrgbClr r="0" g="0" b="0"/>
+      </a:effectRef>
+      <a:fontRef idx="minor">
+        <a:schemeClr val="lt1"/>
+      </a:fontRef>
+    </dgm:style>
+  </dgm:styleLbl>
+  <dgm:styleLbl name="lnNode1">
+    <dgm:scene3d>
+      <a:camera prst="orthographicFront"/>
+      <a:lightRig rig="threePt" dir="t"/>
+    </dgm:scene3d>
+    <dgm:sp3d/>
+    <dgm:txPr/>
+    <dgm:style>
+      <a:lnRef idx="2">
+        <a:scrgbClr r="0" g="0" b="0"/>
+      </a:lnRef>
+      <a:fillRef idx="1">
+        <a:scrgbClr r="0" g="0" b="0"/>
+      </a:fillRef>
+      <a:effectRef idx="0">
+        <a:scrgbClr r="0" g="0" b="0"/>
+      </a:effectRef>
+      <a:fontRef idx="minor">
+        <a:schemeClr val="lt1"/>
+      </a:fontRef>
+    </dgm:style>
+  </dgm:styleLbl>
+  <dgm:styleLbl name="vennNode1">
+    <dgm:scene3d>
+      <a:camera prst="orthographicFront"/>
+      <a:lightRig rig="threePt" dir="t"/>
+    </dgm:scene3d>
+    <dgm:sp3d/>
+    <dgm:txPr/>
+    <dgm:style>
+      <a:lnRef idx="2">
+        <a:scrgbClr r="0" g="0" b="0"/>
+      </a:lnRef>
+      <a:fillRef idx="1">
+        <a:scrgbClr r="0" g="0" b="0"/>
+      </a:fillRef>
+      <a:effectRef idx="0">
+        <a:scrgbClr r="0" g="0" b="0"/>
+      </a:effectRef>
+      <a:fontRef idx="minor">
+        <a:schemeClr val="tx1"/>
+      </a:fontRef>
+    </dgm:style>
+  </dgm:styleLbl>
+  <dgm:styleLbl name="alignNode1">
+    <dgm:scene3d>
+      <a:camera prst="orthographicFront"/>
+      <a:lightRig rig="threePt" dir="t"/>
+    </dgm:scene3d>
+    <dgm:sp3d/>
+    <dgm:txPr/>
+    <dgm:style>
+      <a:lnRef idx="2">
+        <a:scrgbClr r="0" g="0" b="0"/>
+      </a:lnRef>
+      <a:fillRef idx="1">
+        <a:scrgbClr r="0" g="0" b="0"/>
+      </a:fillRef>
+      <a:effectRef idx="0">
+        <a:scrgbClr r="0" g="0" b="0"/>
+      </a:effectRef>
+      <a:fontRef idx="minor">
+        <a:schemeClr val="lt1"/>
+      </a:fontRef>
+    </dgm:style>
+  </dgm:styleLbl>
+  <dgm:styleLbl name="node1">
+    <dgm:scene3d>
+      <a:camera prst="orthographicFront"/>
+      <a:lightRig rig="threePt" dir="t"/>
+    </dgm:scene3d>
+    <dgm:sp3d/>
+    <dgm:txPr/>
+    <dgm:style>
+      <a:lnRef idx="2">
+        <a:scrgbClr r="0" g="0" b="0"/>
+      </a:lnRef>
+      <a:fillRef idx="1">
+        <a:scrgbClr r="0" g="0" b="0"/>
+      </a:fillRef>
+      <a:effectRef idx="0">
+        <a:scrgbClr r="0" g="0" b="0"/>
+      </a:effectRef>
+      <a:fontRef idx="minor">
+        <a:schemeClr val="lt1"/>
+      </a:fontRef>
+    </dgm:style>
+  </dgm:styleLbl>
+  <dgm:styleLbl name="node2">
+    <dgm:scene3d>
+      <a:camera prst="orthographicFront"/>
+      <a:lightRig rig="threePt" dir="t"/>
+    </dgm:scene3d>
+    <dgm:sp3d/>
+    <dgm:txPr/>
+    <dgm:style>
+      <a:lnRef idx="2">
+        <a:scrgbClr r="0" g="0" b="0"/>
+      </a:lnRef>
+      <a:fillRef idx="1">
+        <a:scrgbClr r="0" g="0" b="0"/>
+      </a:fillRef>
+      <a:effectRef idx="0">
+        <a:scrgbClr r="0" g="0" b="0"/>
+      </a:effectRef>
+      <a:fontRef idx="minor">
+        <a:schemeClr val="lt1"/>
+      </a:fontRef>
+    </dgm:style>
+  </dgm:styleLbl>
+  <dgm:styleLbl name="node3">
+    <dgm:scene3d>
+      <a:camera prst="orthographicFront"/>
+      <a:lightRig rig="threePt" dir="t"/>
+    </dgm:scene3d>
+    <dgm:sp3d/>
+    <dgm:txPr/>
+    <dgm:style>
+      <a:lnRef idx="2">
+        <a:scrgbClr r="0" g="0" b="0"/>
+      </a:lnRef>
+      <a:fillRef idx="1">
+        <a:scrgbClr r="0" g="0" b="0"/>
+      </a:fillRef>
+      <a:effectRef idx="0">
+        <a:scrgbClr r="0" g="0" b="0"/>
+      </a:effectRef>
+      <a:fontRef idx="minor">
+        <a:schemeClr val="lt1"/>
+      </a:fontRef>
+    </dgm:style>
+  </dgm:styleLbl>
+  <dgm:styleLbl name="node4">
+    <dgm:scene3d>
+      <a:camera prst="orthographicFront"/>
+      <a:lightRig rig="threePt" dir="t"/>
+    </dgm:scene3d>
+    <dgm:sp3d/>
+    <dgm:txPr/>
+    <dgm:style>
+      <a:lnRef idx="2">
+        <a:scrgbClr r="0" g="0" b="0"/>
+      </a:lnRef>
+      <a:fillRef idx="1">
+        <a:scrgbClr r="0" g="0" b="0"/>
+      </a:fillRef>
+      <a:effectRef idx="0">
+        <a:scrgbClr r="0" g="0" b="0"/>
+      </a:effectRef>
+      <a:fontRef idx="minor">
+        <a:schemeClr val="lt1"/>
+      </a:fontRef>
+    </dgm:style>
+  </dgm:styleLbl>
+  <dgm:styleLbl name="fgImgPlace1">
+    <dgm:scene3d>
+      <a:camera prst="orthographicFront"/>
+      <a:lightRig rig="threePt" dir="t"/>
+    </dgm:scene3d>
+    <dgm:sp3d/>
+    <dgm:txPr/>
+    <dgm:style>
+      <a:lnRef idx="2">
+        <a:scrgbClr r="0" g="0" b="0"/>
+      </a:lnRef>
+      <a:fillRef idx="1">
+        <a:scrgbClr r="0" g="0" b="0"/>
+      </a:fillRef>
+      <a:effectRef idx="0">
+        <a:scrgbClr r="0" g="0" b="0"/>
+      </a:effectRef>
+      <a:fontRef idx="minor"/>
+    </dgm:style>
+  </dgm:styleLbl>
+  <dgm:styleLbl name="alignImgPlace1">
+    <dgm:scene3d>
+      <a:camera prst="orthographicFront"/>
+      <a:lightRig rig="threePt" dir="t"/>
+    </dgm:scene3d>
+    <dgm:sp3d/>
+    <dgm:txPr/>
+    <dgm:style>
+      <a:lnRef idx="2">
+        <a:scrgbClr r="0" g="0" b="0"/>
+      </a:lnRef>
+      <a:fillRef idx="1">
+        <a:scrgbClr r="0" g="0" b="0"/>
+      </a:fillRef>
+      <a:effectRef idx="0">
+        <a:scrgbClr r="0" g="0" b="0"/>
+      </a:effectRef>
+      <a:fontRef idx="minor"/>
+    </dgm:style>
+  </dgm:styleLbl>
+  <dgm:styleLbl name="bgImgPlace1">
+    <dgm:scene3d>
+      <a:camera prst="orthographicFront"/>
+      <a:lightRig rig="threePt" dir="t"/>
+    </dgm:scene3d>
+    <dgm:sp3d/>
+    <dgm:txPr/>
+    <dgm:style>
+      <a:lnRef idx="2">
+        <a:scrgbClr r="0" g="0" b="0"/>
+      </a:lnRef>
+      <a:fillRef idx="1">
+        <a:scrgbClr r="0" g="0" b="0"/>
+      </a:fillRef>
+      <a:effectRef idx="0">
+        <a:scrgbClr r="0" g="0" b="0"/>
+      </a:effectRef>
+      <a:fontRef idx="minor"/>
+    </dgm:style>
+  </dgm:styleLbl>
+  <dgm:styleLbl name="sibTrans2D1">
+    <dgm:scene3d>
+      <a:camera prst="orthographicFront"/>
+      <a:lightRig rig="threePt" dir="t"/>
+    </dgm:scene3d>
+    <dgm:sp3d/>
+    <dgm:txPr/>
+    <dgm:style>
+      <a:lnRef idx="0">
+        <a:scrgbClr r="0" g="0" b="0"/>
+      </a:lnRef>
+      <a:fillRef idx="1">
+        <a:scrgbClr r="0" g="0" b="0"/>
+      </a:fillRef>
+      <a:effectRef idx="0">
+        <a:scrgbClr r="0" g="0" b="0"/>
+      </a:effectRef>
+      <a:fontRef idx="minor">
+        <a:schemeClr val="lt1"/>
+      </a:fontRef>
+    </dgm:style>
+  </dgm:styleLbl>
+  <dgm:styleLbl name="fgSibTrans2D1">
+    <dgm:scene3d>
+      <a:camera prst="orthographicFront"/>
+      <a:lightRig rig="threePt" dir="t"/>
+    </dgm:scene3d>
+    <dgm:sp3d/>
+    <dgm:txPr/>
+    <dgm:style>
+      <a:lnRef idx="0">
+        <a:scrgbClr r="0" g="0" b="0"/>
+      </a:lnRef>
+      <a:fillRef idx="1">
+        <a:scrgbClr r="0" g="0" b="0"/>
+      </a:fillRef>
+      <a:effectRef idx="0">
+        <a:scrgbClr r="0" g="0" b="0"/>
+      </a:effectRef>
+      <a:fontRef idx="minor">
+        <a:schemeClr val="lt1"/>
+      </a:fontRef>
+    </dgm:style>
+  </dgm:styleLbl>
+  <dgm:styleLbl name="bgSibTrans2D1">
+    <dgm:scene3d>
+      <a:camera prst="orthographicFront"/>
+      <a:lightRig rig="threePt" dir="t"/>
+    </dgm:scene3d>
+    <dgm:sp3d/>
+    <dgm:txPr/>
+    <dgm:style>
+      <a:lnRef idx="0">
+        <a:scrgbClr r="0" g="0" b="0"/>
+      </a:lnRef>
+      <a:fillRef idx="1">
+        <a:scrgbClr r="0" g="0" b="0"/>
+      </a:fillRef>
+      <a:effectRef idx="0">
+        <a:scrgbClr r="0" g="0" b="0"/>
+      </a:effectRef>
+      <a:fontRef idx="minor">
+        <a:schemeClr val="lt1"/>
+      </a:fontRef>
+    </dgm:style>
+  </dgm:styleLbl>
+  <dgm:styleLbl name="sibTrans1D1">
+    <dgm:scene3d>
+      <a:camera prst="orthographicFront"/>
+      <a:lightRig rig="threePt" dir="t"/>
+    </dgm:scene3d>
+    <dgm:sp3d/>
+    <dgm:txPr/>
+    <dgm:style>
+      <a:lnRef idx="1">
+        <a:scrgbClr r="0" g="0" b="0"/>
+      </a:lnRef>
+      <a:fillRef idx="0">
+        <a:scrgbClr r="0" g="0" b="0"/>
+      </a:fillRef>
+      <a:effectRef idx="0">
+        <a:scrgbClr r="0" g="0" b="0"/>
+      </a:effectRef>
+      <a:fontRef idx="minor"/>
+    </dgm:style>
+  </dgm:styleLbl>
+  <dgm:styleLbl name="callout">
+    <dgm:scene3d>
+      <a:camera prst="orthographicFront"/>
+      <a:lightRig rig="threePt" dir="t"/>
+    </dgm:scene3d>
+    <dgm:sp3d/>
+    <dgm:txPr/>
+    <dgm:style>
+      <a:lnRef idx="2">
+        <a:scrgbClr r="0" g="0" b="0"/>
+      </a:lnRef>
+      <a:fillRef idx="1">
+        <a:scrgbClr r="0" g="0" b="0"/>
+      </a:fillRef>
+      <a:effectRef idx="0">
+        <a:scrgbClr r="0" g="0" b="0"/>
+      </a:effectRef>
+      <a:fontRef idx="minor"/>
+    </dgm:style>
+  </dgm:styleLbl>
+  <dgm:styleLbl name="asst0">
+    <dgm:scene3d>
+      <a:camera prst="orthographicFront"/>
+      <a:lightRig rig="threePt" dir="t"/>
+    </dgm:scene3d>
+    <dgm:sp3d/>
+    <dgm:txPr/>
+    <dgm:style>
+      <a:lnRef idx="2">
+        <a:scrgbClr r="0" g="0" b="0"/>
+      </a:lnRef>
+      <a:fillRef idx="1">
+        <a:scrgbClr r="0" g="0" b="0"/>
+      </a:fillRef>
+      <a:effectRef idx="0">
+        <a:scrgbClr r="0" g="0" b="0"/>
+      </a:effectRef>
+      <a:fontRef idx="minor">
+        <a:schemeClr val="lt1"/>
+      </a:fontRef>
+    </dgm:style>
+  </dgm:styleLbl>
+  <dgm:styleLbl name="asst1">
+    <dgm:scene3d>
+      <a:camera prst="orthographicFront"/>
+      <a:lightRig rig="threePt" dir="t"/>
+    </dgm:scene3d>
+    <dgm:sp3d/>
+    <dgm:txPr/>
+    <dgm:style>
+      <a:lnRef idx="2">
+        <a:scrgbClr r="0" g="0" b="0"/>
+      </a:lnRef>
+      <a:fillRef idx="1">
+        <a:scrgbClr r="0" g="0" b="0"/>
+      </a:fillRef>
+      <a:effectRef idx="0">
+        <a:scrgbClr r="0" g="0" b="0"/>
+      </a:effectRef>
+      <a:fontRef idx="minor">
+        <a:schemeClr val="lt1"/>
+      </a:fontRef>
+    </dgm:style>
+  </dgm:styleLbl>
+  <dgm:styleLbl name="asst2">
+    <dgm:scene3d>
+      <a:camera prst="orthographicFront"/>
+      <a:lightRig rig="threePt" dir="t"/>
+    </dgm:scene3d>
+    <dgm:sp3d/>
+    <dgm:txPr/>
+    <dgm:style>
+      <a:lnRef idx="2">
+        <a:scrgbClr r="0" g="0" b="0"/>
+      </a:lnRef>
+      <a:fillRef idx="1">
+        <a:scrgbClr r="0" g="0" b="0"/>
+      </a:fillRef>
+      <a:effectRef idx="0">
+        <a:scrgbClr r="0" g="0" b="0"/>
+      </a:effectRef>
+      <a:fontRef idx="minor">
+        <a:schemeClr val="lt1"/>
+      </a:fontRef>
+    </dgm:style>
+  </dgm:styleLbl>
+  <dgm:styleLbl name="asst3">
+    <dgm:scene3d>
+      <a:camera prst="orthographicFront"/>
+      <a:lightRig rig="threePt" dir="t"/>
+    </dgm:scene3d>
+    <dgm:sp3d/>
+    <dgm:txPr/>
+    <dgm:style>
+      <a:lnRef idx="2">
+        <a:scrgbClr r="0" g="0" b="0"/>
+      </a:lnRef>
+      <a:fillRef idx="1">
+        <a:scrgbClr r="0" g="0" b="0"/>
+      </a:fillRef>
+      <a:effectRef idx="0">
+        <a:scrgbClr r="0" g="0" b="0"/>
+      </a:effectRef>
+      <a:fontRef idx="minor">
+        <a:schemeClr val="lt1"/>
+      </a:fontRef>
+    </dgm:style>
+  </dgm:styleLbl>
+  <dgm:styleLbl name="asst4">
+    <dgm:scene3d>
+      <a:camera prst="orthographicFront"/>
+      <a:lightRig rig="threePt" dir="t"/>
+    </dgm:scene3d>
+    <dgm:sp3d/>
+    <dgm:txPr/>
+    <dgm:style>
+      <a:lnRef idx="2">
+        <a:scrgbClr r="0" g="0" b="0"/>
+      </a:lnRef>
+      <a:fillRef idx="1">
+        <a:scrgbClr r="0" g="0" b="0"/>
+      </a:fillRef>
+      <a:effectRef idx="0">
+        <a:scrgbClr r="0" g="0" b="0"/>
+      </a:effectRef>
+      <a:fontRef idx="minor">
+        <a:schemeClr val="lt1"/>
+      </a:fontRef>
+    </dgm:style>
+  </dgm:styleLbl>
+  <dgm:styleLbl name="parChTrans2D1">
+    <dgm:scene3d>
+      <a:camera prst="orthographicFront"/>
+      <a:lightRig rig="threePt" dir="t"/>
+    </dgm:scene3d>
+    <dgm:sp3d/>
+    <dgm:txPr/>
+    <dgm:style>
+      <a:lnRef idx="2">
+        <a:scrgbClr r="0" g="0" b="0"/>
+      </a:lnRef>
+      <a:fillRef idx="1">
+        <a:scrgbClr r="0" g="0" b="0"/>
+      </a:fillRef>
+      <a:effectRef idx="0">
+        <a:scrgbClr r="0" g="0" b="0"/>
+      </a:effectRef>
+      <a:fontRef idx="minor">
+        <a:schemeClr val="lt1"/>
+      </a:fontRef>
+    </dgm:style>
+  </dgm:styleLbl>
+  <dgm:styleLbl name="parChTrans2D2">
+    <dgm:scene3d>
+      <a:camera prst="orthographicFront"/>
+      <a:lightRig rig="threePt" dir="t"/>
+    </dgm:scene3d>
+    <dgm:sp3d/>
+    <dgm:txPr/>
+    <dgm:style>
+      <a:lnRef idx="2">
+        <a:scrgbClr r="0" g="0" b="0"/>
+      </a:lnRef>
+      <a:fillRef idx="1">
+        <a:scrgbClr r="0" g="0" b="0"/>
+      </a:fillRef>
+      <a:effectRef idx="0">
+        <a:scrgbClr r="0" g="0" b="0"/>
+      </a:effectRef>
+      <a:fontRef idx="minor">
+        <a:schemeClr val="lt1"/>
+      </a:fontRef>
+    </dgm:style>
+  </dgm:styleLbl>
+  <dgm:styleLbl name="parChTrans2D3">
+    <dgm:scene3d>
+      <a:camera prst="orthographicFront"/>
+      <a:lightRig rig="threePt" dir="t"/>
+    </dgm:scene3d>
+    <dgm:sp3d/>
+    <dgm:txPr/>
+    <dgm:style>
+      <a:lnRef idx="2">
+        <a:scrgbClr r="0" g="0" b="0"/>
+      </a:lnRef>
+      <a:fillRef idx="1">
+        <a:scrgbClr r="0" g="0" b="0"/>
+      </a:fillRef>
+      <a:effectRef idx="0">
+        <a:scrgbClr r="0" g="0" b="0"/>
+      </a:effectRef>
+      <a:fontRef idx="minor">
+        <a:schemeClr val="lt1"/>
+      </a:fontRef>
+    </dgm:style>
+  </dgm:styleLbl>
+  <dgm:styleLbl name="parChTrans2D4">
+    <dgm:scene3d>
+      <a:camera prst="orthographicFront"/>
+      <a:lightRig rig="threePt" dir="t"/>
+    </dgm:scene3d>
+    <dgm:sp3d/>
+    <dgm:txPr/>
+    <dgm:style>
+      <a:lnRef idx="2">
+        <a:scrgbClr r="0" g="0" b="0"/>
+      </a:lnRef>
+      <a:fillRef idx="1">
+        <a:scrgbClr r="0" g="0" b="0"/>
+      </a:fillRef>
+      <a:effectRef idx="0">
+        <a:scrgbClr r="0" g="0" b="0"/>
+      </a:effectRef>
+      <a:fontRef idx="minor">
+        <a:schemeClr val="lt1"/>
+      </a:fontRef>
+    </dgm:style>
+  </dgm:styleLbl>
+  <dgm:styleLbl name="parChTrans1D1">
+    <dgm:scene3d>
+      <a:camera prst="orthographicFront"/>
+      <a:lightRig rig="threePt" dir="t"/>
+    </dgm:scene3d>
+    <dgm:sp3d/>
+    <dgm:txPr/>
+    <dgm:style>
+      <a:lnRef idx="2">
+        <a:scrgbClr r="0" g="0" b="0"/>
+      </a:lnRef>
+      <a:fillRef idx="0">
+        <a:scrgbClr r="0" g="0" b="0"/>
+      </a:fillRef>
+      <a:effectRef idx="0">
+        <a:scrgbClr r="0" g="0" b="0"/>
+      </a:effectRef>
+      <a:fontRef idx="minor"/>
+    </dgm:style>
+  </dgm:styleLbl>
+  <dgm:styleLbl name="parChTrans1D2">
+    <dgm:scene3d>
+      <a:camera prst="orthographicFront"/>
+      <a:lightRig rig="threePt" dir="t"/>
+    </dgm:scene3d>
+    <dgm:sp3d/>
+    <dgm:txPr/>
+    <dgm:style>
+      <a:lnRef idx="2">
+        <a:scrgbClr r="0" g="0" b="0"/>
+      </a:lnRef>
+      <a:fillRef idx="0">
+        <a:scrgbClr r="0" g="0" b="0"/>
+      </a:fillRef>
+      <a:effectRef idx="0">
+        <a:scrgbClr r="0" g="0" b="0"/>
+      </a:effectRef>
+      <a:fontRef idx="minor"/>
+    </dgm:style>
+  </dgm:styleLbl>
+  <dgm:styleLbl name="parChTrans1D3">
+    <dgm:scene3d>
+      <a:camera prst="orthographicFront"/>
+      <a:lightRig rig="threePt" dir="t"/>
+    </dgm:scene3d>
+    <dgm:sp3d/>
+    <dgm:txPr/>
+    <dgm:style>
+      <a:lnRef idx="2">
+        <a:scrgbClr r="0" g="0" b="0"/>
+      </a:lnRef>
+      <a:fillRef idx="0">
+        <a:scrgbClr r="0" g="0" b="0"/>
+      </a:fillRef>
+      <a:effectRef idx="0">
+        <a:scrgbClr r="0" g="0" b="0"/>
+      </a:effectRef>
+      <a:fontRef idx="minor"/>
+    </dgm:style>
+  </dgm:styleLbl>
+  <dgm:styleLbl name="parChTrans1D4">
+    <dgm:scene3d>
+      <a:camera prst="orthographicFront"/>
+      <a:lightRig rig="threePt" dir="t"/>
+    </dgm:scene3d>
+    <dgm:sp3d/>
+    <dgm:txPr/>
+    <dgm:style>
+      <a:lnRef idx="2">
+        <a:scrgbClr r="0" g="0" b="0"/>
+      </a:lnRef>
+      <a:fillRef idx="0">
+        <a:scrgbClr r="0" g="0" b="0"/>
+      </a:fillRef>
+      <a:effectRef idx="0">
+        <a:scrgbClr r="0" g="0" b="0"/>
+      </a:effectRef>
+      <a:fontRef idx="minor"/>
+    </dgm:style>
+  </dgm:styleLbl>
+  <dgm:styleLbl name="fgAcc1">
+    <dgm:scene3d>
+      <a:camera prst="orthographicFront"/>
+      <a:lightRig rig="threePt" dir="t"/>
+    </dgm:scene3d>
+    <dgm:sp3d/>
+    <dgm:txPr/>
+    <dgm:style>
+      <a:lnRef idx="2">
+        <a:scrgbClr r="0" g="0" b="0"/>
+      </a:lnRef>
+      <a:fillRef idx="1">
+        <a:scrgbClr r="0" g="0" b="0"/>
+      </a:fillRef>
+      <a:effectRef idx="0">
+        <a:scrgbClr r="0" g="0" b="0"/>
+      </a:effectRef>
+      <a:fontRef idx="minor"/>
+    </dgm:style>
+  </dgm:styleLbl>
+  <dgm:styleLbl name="conFgAcc1">
+    <dgm:scene3d>
+      <a:camera prst="orthographicFront"/>
+      <a:lightRig rig="threePt" dir="t"/>
+    </dgm:scene3d>
+    <dgm:sp3d/>
+    <dgm:txPr/>
+    <dgm:style>
+      <a:lnRef idx="2">
+        <a:scrgbClr r="0" g="0" b="0"/>
+      </a:lnRef>
+      <a:fillRef idx="1">
+        <a:scrgbClr r="0" g="0" b="0"/>
+      </a:fillRef>
+      <a:effectRef idx="0">
+        <a:scrgbClr r="0" g="0" b="0"/>
+      </a:effectRef>
+      <a:fontRef idx="minor"/>
+    </dgm:style>
+  </dgm:styleLbl>
+  <dgm:styleLbl name="alignAcc1">
+    <dgm:scene3d>
+      <a:camera prst="orthographicFront"/>
+      <a:lightRig rig="threePt" dir="t"/>
+    </dgm:scene3d>
+    <dgm:sp3d/>
+    <dgm:txPr/>
+    <dgm:style>
+      <a:lnRef idx="2">
+        <a:scrgbClr r="0" g="0" b="0"/>
+      </a:lnRef>
+      <a:fillRef idx="1">
+        <a:scrgbClr r="0" g="0" b="0"/>
+      </a:fillRef>
+      <a:effectRef idx="0">
+        <a:scrgbClr r="0" g="0" b="0"/>
+      </a:effectRef>
+      <a:fontRef idx="minor"/>
+    </dgm:style>
+  </dgm:styleLbl>
+  <dgm:styleLbl name="trAlignAcc1">
+    <dgm:scene3d>
+      <a:camera prst="orthographicFront"/>
+      <a:lightRig rig="threePt" dir="t"/>
+    </dgm:scene3d>
+    <dgm:sp3d/>
+    <dgm:txPr/>
+    <dgm:style>
+      <a:lnRef idx="1">
+        <a:scrgbClr r="0" g="0" b="0"/>
+      </a:lnRef>
+      <a:fillRef idx="1">
+        <a:scrgbClr r="0" g="0" b="0"/>
+      </a:fillRef>
+      <a:effectRef idx="0">
+        <a:scrgbClr r="0" g="0" b="0"/>
+      </a:effectRef>
+      <a:fontRef idx="minor"/>
+    </dgm:style>
+  </dgm:styleLbl>
+  <dgm:styleLbl name="bgAcc1">
+    <dgm:scene3d>
+      <a:camera prst="orthographicFront"/>
+      <a:lightRig rig="threePt" dir="t"/>
+    </dgm:scene3d>
+    <dgm:sp3d/>
+    <dgm:txPr/>
+    <dgm:style>
+      <a:lnRef idx="2">
+        <a:scrgbClr r="0" g="0" b="0"/>
+      </a:lnRef>
+      <a:fillRef idx="1">
+        <a:scrgbClr r="0" g="0" b="0"/>
+      </a:fillRef>
+      <a:effectRef idx="0">
+        <a:scrgbClr r="0" g="0" b="0"/>
+      </a:effectRef>
+      <a:fontRef idx="minor"/>
+    </dgm:style>
+  </dgm:styleLbl>
+  <dgm:styleLbl name="solidFgAcc1">
+    <dgm:scene3d>
+      <a:camera prst="orthographicFront"/>
+      <a:lightRig rig="threePt" dir="t"/>
+    </dgm:scene3d>
+    <dgm:sp3d/>
+    <dgm:txPr/>
+    <dgm:style>
+      <a:lnRef idx="2">
+        <a:scrgbClr r="0" g="0" b="0"/>
+      </a:lnRef>
+      <a:fillRef idx="1">
+        <a:scrgbClr r="0" g="0" b="0"/>
+      </a:fillRef>
+      <a:effectRef idx="0">
+        <a:scrgbClr r="0" g="0" b="0"/>
+      </a:effectRef>
+      <a:fontRef idx="minor"/>
+    </dgm:style>
+  </dgm:styleLbl>
+  <dgm:styleLbl name="solidAlignAcc1">
+    <dgm:scene3d>
+      <a:camera prst="orthographicFront"/>
+      <a:lightRig rig="threePt" dir="t"/>
+    </dgm:scene3d>
+    <dgm:sp3d/>
+    <dgm:txPr/>
+    <dgm:style>
+      <a:lnRef idx="2">
+        <a:scrgbClr r="0" g="0" b="0"/>
+      </a:lnRef>
+      <a:fillRef idx="1">
+        <a:scrgbClr r="0" g="0" b="0"/>
+      </a:fillRef>
+      <a:effectRef idx="0">
+        <a:scrgbClr r="0" g="0" b="0"/>
+      </a:effectRef>
+      <a:fontRef idx="minor"/>
+    </dgm:style>
+  </dgm:styleLbl>
+  <dgm:styleLbl name="solidBgAcc1">
+    <dgm:scene3d>
+      <a:camera prst="orthographicFront"/>
+      <a:lightRig rig="threePt" dir="t"/>
+    </dgm:scene3d>
+    <dgm:sp3d/>
+    <dgm:txPr/>
+    <dgm:style>
+      <a:lnRef idx="2">
+        <a:scrgbClr r="0" g="0" b="0"/>
+      </a:lnRef>
+      <a:fillRef idx="1">
+        <a:scrgbClr r="0" g="0" b="0"/>
+      </a:fillRef>
+      <a:effectRef idx="0">
+        <a:scrgbClr r="0" g="0" b="0"/>
+      </a:effectRef>
+      <a:fontRef idx="minor"/>
+    </dgm:style>
+  </dgm:styleLbl>
+  <dgm:styleLbl name="fgAccFollowNode1">
+    <dgm:scene3d>
+      <a:camera prst="orthographicFront"/>
+      <a:lightRig rig="threePt" dir="t"/>
+    </dgm:scene3d>
+    <dgm:sp3d/>
+    <dgm:txPr/>
+    <dgm:style>
+      <a:lnRef idx="2">
+        <a:scrgbClr r="0" g="0" b="0"/>
+      </a:lnRef>
+      <a:fillRef idx="1">
+        <a:scrgbClr r="0" g="0" b="0"/>
+      </a:fillRef>
+      <a:effectRef idx="0">
+        <a:scrgbClr r="0" g="0" b="0"/>
+      </a:effectRef>
+      <a:fontRef idx="minor"/>
+    </dgm:style>
+  </dgm:styleLbl>
+  <dgm:styleLbl name="alignAccFollowNode1">
+    <dgm:scene3d>
+      <a:camera prst="orthographicFront"/>
+      <a:lightRig rig="threePt" dir="t"/>
+    </dgm:scene3d>
+    <dgm:sp3d/>
+    <dgm:txPr/>
+    <dgm:style>
+      <a:lnRef idx="2">
+        <a:scrgbClr r="0" g="0" b="0"/>
+      </a:lnRef>
+      <a:fillRef idx="1">
+        <a:scrgbClr r="0" g="0" b="0"/>
+      </a:fillRef>
+      <a:effectRef idx="0">
+        <a:scrgbClr r="0" g="0" b="0"/>
+      </a:effectRef>
+      <a:fontRef idx="minor"/>
+    </dgm:style>
+  </dgm:styleLbl>
+  <dgm:styleLbl name="bgAccFollowNode1">
+    <dgm:scene3d>
+      <a:camera prst="orthographicFront"/>
+      <a:lightRig rig="threePt" dir="t"/>
+    </dgm:scene3d>
+    <dgm:sp3d/>
+    <dgm:txPr/>
+    <dgm:style>
+      <a:lnRef idx="2">
+        <a:scrgbClr r="0" g="0" b="0"/>
+      </a:lnRef>
+      <a:fillRef idx="1">
+        <a:scrgbClr r="0" g="0" b="0"/>
+      </a:fillRef>
+      <a:effectRef idx="0">
+        <a:scrgbClr r="0" g="0" b="0"/>
+      </a:effectRef>
+      <a:fontRef idx="minor"/>
+    </dgm:style>
+  </dgm:styleLbl>
+  <dgm:styleLbl name="fgAcc0">
+    <dgm:scene3d>
+      <a:camera prst="orthographicFront"/>
+      <a:lightRig rig="threePt" dir="t"/>
+    </dgm:scene3d>
+    <dgm:sp3d/>
+    <dgm:txPr/>
+    <dgm:style>
+      <a:lnRef idx="2">
+        <a:scrgbClr r="0" g="0" b="0"/>
+      </a:lnRef>
+      <a:fillRef idx="1">
+        <a:scrgbClr r="0" g="0" b="0"/>
+      </a:fillRef>
+      <a:effectRef idx="0">
+        <a:scrgbClr r="0" g="0" b="0"/>
+      </a:effectRef>
+      <a:fontRef idx="minor"/>
+    </dgm:style>
+  </dgm:styleLbl>
+  <dgm:styleLbl name="fgAcc2">
+    <dgm:scene3d>
+      <a:camera prst="orthographicFront"/>
+      <a:lightRig rig="threePt" dir="t"/>
+    </dgm:scene3d>
+    <dgm:sp3d/>
+    <dgm:txPr/>
+    <dgm:style>
+      <a:lnRef idx="2">
+        <a:scrgbClr r="0" g="0" b="0"/>
+      </a:lnRef>
+      <a:fillRef idx="1">
+        <a:scrgbClr r="0" g="0" b="0"/>
+      </a:fillRef>
+      <a:effectRef idx="0">
+        <a:scrgbClr r="0" g="0" b="0"/>
+      </a:effectRef>
+      <a:fontRef idx="minor"/>
+    </dgm:style>
+  </dgm:styleLbl>
+  <dgm:styleLbl name="fgAcc3">
+    <dgm:scene3d>
+      <a:camera prst="orthographicFront"/>
+      <a:lightRig rig="threePt" dir="t"/>
+    </dgm:scene3d>
+    <dgm:sp3d/>
+    <dgm:txPr/>
+    <dgm:style>
+      <a:lnRef idx="2">
+        <a:scrgbClr r="0" g="0" b="0"/>
+      </a:lnRef>
+      <a:fillRef idx="1">
+        <a:scrgbClr r="0" g="0" b="0"/>
+      </a:fillRef>
+      <a:effectRef idx="0">
+        <a:scrgbClr r="0" g="0" b="0"/>
+      </a:effectRef>
+      <a:fontRef idx="minor"/>
+    </dgm:style>
+  </dgm:styleLbl>
+  <dgm:styleLbl name="fgAcc4">
+    <dgm:scene3d>
+      <a:camera prst="orthographicFront"/>
+      <a:lightRig rig="threePt" dir="t"/>
+    </dgm:scene3d>
+    <dgm:sp3d/>
+    <dgm:txPr/>
+    <dgm:style>
+      <a:lnRef idx="2">
+        <a:scrgbClr r="0" g="0" b="0"/>
+      </a:lnRef>
+      <a:fillRef idx="1">
+        <a:scrgbClr r="0" g="0" b="0"/>
+      </a:fillRef>
+      <a:effectRef idx="0">
+        <a:scrgbClr r="0" g="0" b="0"/>
+      </a:effectRef>
+      <a:fontRef idx="minor"/>
+    </dgm:style>
+  </dgm:styleLbl>
+  <dgm:styleLbl name="bgShp">
+    <dgm:scene3d>
+      <a:camera prst="orthographicFront"/>
+      <a:lightRig rig="threePt" dir="t"/>
+    </dgm:scene3d>
+    <dgm:sp3d/>
+    <dgm:txPr/>
+    <dgm:style>
+      <a:lnRef idx="0">
+        <a:scrgbClr r="0" g="0" b="0"/>
+      </a:lnRef>
+      <a:fillRef idx="1">
+        <a:scrgbClr r="0" g="0" b="0"/>
+      </a:fillRef>
+      <a:effectRef idx="0">
+        <a:scrgbClr r="0" g="0" b="0"/>
+      </a:effectRef>
+      <a:fontRef idx="minor"/>
+    </dgm:style>
+  </dgm:styleLbl>
+  <dgm:styleLbl name="dkBgShp">
+    <dgm:scene3d>
+      <a:camera prst="orthographicFront"/>
+      <a:lightRig rig="threePt" dir="t"/>
+    </dgm:scene3d>
+    <dgm:sp3d/>
+    <dgm:txPr/>
+    <dgm:style>
+      <a:lnRef idx="0">
+        <a:scrgbClr r="0" g="0" b="0"/>
+      </a:lnRef>
+      <a:fillRef idx="1">
+        <a:scrgbClr r="0" g="0" b="0"/>
+      </a:fillRef>
+      <a:effectRef idx="0">
+        <a:scrgbClr r="0" g="0" b="0"/>
+      </a:effectRef>
+      <a:fontRef idx="minor"/>
+    </dgm:style>
+  </dgm:styleLbl>
+  <dgm:styleLbl name="trBgShp">
+    <dgm:scene3d>
+      <a:camera prst="orthographicFront"/>
+      <a:lightRig rig="threePt" dir="t"/>
+    </dgm:scene3d>
+    <dgm:sp3d/>
+    <dgm:txPr/>
+    <dgm:style>
+      <a:lnRef idx="0">
+        <a:scrgbClr r="0" g="0" b="0"/>
+      </a:lnRef>
+      <a:fillRef idx="1">
+        <a:scrgbClr r="0" g="0" b="0"/>
+      </a:fillRef>
+      <a:effectRef idx="0">
+        <a:scrgbClr r="0" g="0" b="0"/>
+      </a:effectRef>
+      <a:fontRef idx="minor"/>
+    </dgm:style>
+  </dgm:styleLbl>
+  <dgm:styleLbl name="fgShp">
+    <dgm:scene3d>
+      <a:camera prst="orthographicFront"/>
+      <a:lightRig rig="threePt" dir="t"/>
+    </dgm:scene3d>
+    <dgm:sp3d/>
+    <dgm:txPr/>
+    <dgm:style>
+      <a:lnRef idx="2">
+        <a:scrgbClr r="0" g="0" b="0"/>
+      </a:lnRef>
+      <a:fillRef idx="1">
+        <a:scrgbClr r="0" g="0" b="0"/>
+      </a:fillRef>
+      <a:effectRef idx="0">
+        <a:scrgbClr r="0" g="0" b="0"/>
+      </a:effectRef>
+      <a:fontRef idx="minor"/>
+    </dgm:style>
+  </dgm:styleLbl>
+  <dgm:styleLbl name="revTx">
+    <dgm:scene3d>
+      <a:camera prst="orthographicFront"/>
+      <a:lightRig rig="threePt" dir="t"/>
+    </dgm:scene3d>
+    <dgm:sp3d/>
+    <dgm:txPr/>
+    <dgm:style>
+      <a:lnRef idx="0">
+        <a:scrgbClr r="0" g="0" b="0"/>
+      </a:lnRef>
+      <a:fillRef idx="0">
+        <a:scrgbClr r="0" g="0" b="0"/>
+      </a:fillRef>
+      <a:effectRef idx="0">
+        <a:scrgbClr r="0" g="0" b="0"/>
+      </a:effectRef>
+      <a:fontRef idx="minor"/>
+    </dgm:style>
+  </dgm:styleLbl>
+</dgm:styleDef>
+</file>
+
+<file path=ppt/diagrams/quickStyle2.xml><?xml version="1.0" encoding="utf-8"?>
 <dgm:styleDef xmlns:dgm="http://schemas.openxmlformats.org/drawingml/2006/diagram" xmlns:a="http://schemas.openxmlformats.org/drawingml/2006/main" uniqueId="urn:microsoft.com/office/officeart/2005/8/quickstyle/simple1">
   <dgm:title val=""/>
   <dgm:desc val=""/>
@@ -3501,7 +7051,7 @@
           <a:p>
             <a:fld id="{51C92658-8D31-4EA7-81C9-A71B4A02E44B}" type="datetimeFigureOut">
               <a:rPr lang="en-AE" smtClean="0"/>
-              <a:t>15/04/2024</a:t>
+              <a:t>16/04/2024</a:t>
             </a:fld>
             <a:endParaRPr lang="en-AE"/>
           </a:p>
@@ -4164,7 +7714,7 @@
           <a:p>
             <a:fld id="{2395C5C9-164C-46B3-A87E-7660D39D3106}" type="datetime2">
               <a:rPr lang="en-US" smtClean="0"/>
-              <a:t>Monday, April 15, 2024</a:t>
+              <a:t>Tuesday, April 16, 2024</a:t>
             </a:fld>
             <a:endParaRPr lang="en-US" dirty="0"/>
           </a:p>
@@ -4339,7 +7889,7 @@
           <a:p>
             <a:fld id="{5B75179A-1E2B-41AB-B400-4F1B4022FAEE}" type="datetime2">
               <a:rPr lang="en-US" smtClean="0"/>
-              <a:t>Monday, April 15, 2024</a:t>
+              <a:t>Tuesday, April 16, 2024</a:t>
             </a:fld>
             <a:endParaRPr lang="en-US"/>
           </a:p>
@@ -4522,7 +8072,7 @@
           <a:p>
             <a:fld id="{05681D0F-6595-4F14-8EF3-954CD87C797B}" type="datetime2">
               <a:rPr lang="en-US" smtClean="0"/>
-              <a:t>Monday, April 15, 2024</a:t>
+              <a:t>Tuesday, April 16, 2024</a:t>
             </a:fld>
             <a:endParaRPr lang="en-US"/>
           </a:p>
@@ -4695,7 +8245,7 @@
           <a:p>
             <a:fld id="{4DDCFF8A-AAF8-4A12-8A91-9CA0EAF6CBB9}" type="datetime2">
               <a:rPr lang="en-US" smtClean="0"/>
-              <a:t>Monday, April 15, 2024</a:t>
+              <a:t>Tuesday, April 16, 2024</a:t>
             </a:fld>
             <a:endParaRPr lang="en-US" dirty="0"/>
           </a:p>
@@ -4946,7 +8496,7 @@
           <a:p>
             <a:fld id="{ABCC25C3-021A-4B0B-8F70-0C181FE1CF45}" type="datetime2">
               <a:rPr lang="en-US" smtClean="0"/>
-              <a:t>Monday, April 15, 2024</a:t>
+              <a:t>Tuesday, April 16, 2024</a:t>
             </a:fld>
             <a:endParaRPr lang="en-US"/>
           </a:p>
@@ -5183,7 +8733,7 @@
           <a:p>
             <a:fld id="{0C23D88D-8CEC-4ED9-A53B-5596187D9A16}" type="datetime2">
               <a:rPr lang="en-US" smtClean="0"/>
-              <a:t>Monday, April 15, 2024</a:t>
+              <a:t>Tuesday, April 16, 2024</a:t>
             </a:fld>
             <a:endParaRPr lang="en-US"/>
           </a:p>
@@ -5553,7 +9103,7 @@
           <a:p>
             <a:fld id="{D2CCD382-DFDA-4722-A27A-59C21AD112F2}" type="datetime2">
               <a:rPr lang="en-US" smtClean="0"/>
-              <a:t>Monday, April 15, 2024</a:t>
+              <a:t>Tuesday, April 16, 2024</a:t>
             </a:fld>
             <a:endParaRPr lang="en-US"/>
           </a:p>
@@ -5674,7 +9224,7 @@
           <a:p>
             <a:fld id="{22F2A30D-1C09-413F-AAB1-38F366000715}" type="datetime2">
               <a:rPr lang="en-US" smtClean="0"/>
-              <a:t>Monday, April 15, 2024</a:t>
+              <a:t>Tuesday, April 16, 2024</a:t>
             </a:fld>
             <a:endParaRPr lang="en-US"/>
           </a:p>
@@ -5772,7 +9322,7 @@
           <a:p>
             <a:fld id="{6DB82B9C-D65E-4F64-95C3-B10F3B00F0D9}" type="datetime2">
               <a:rPr lang="en-US" smtClean="0"/>
-              <a:t>Monday, April 15, 2024</a:t>
+              <a:t>Tuesday, April 16, 2024</a:t>
             </a:fld>
             <a:endParaRPr lang="en-US"/>
           </a:p>
@@ -6052,7 +9602,7 @@
           <a:p>
             <a:fld id="{B7F5FDCC-6AAC-4A08-B9E0-3793AB5E64C3}" type="datetime2">
               <a:rPr lang="en-US" smtClean="0"/>
-              <a:t>Monday, April 15, 2024</a:t>
+              <a:t>Tuesday, April 16, 2024</a:t>
             </a:fld>
             <a:endParaRPr lang="en-US"/>
           </a:p>
@@ -6312,7 +9862,7 @@
           <a:p>
             <a:fld id="{349FE94D-439C-40F1-900E-BC07940E3988}" type="datetime2">
               <a:rPr lang="en-US" smtClean="0"/>
-              <a:t>Monday, April 15, 2024</a:t>
+              <a:t>Tuesday, April 16, 2024</a:t>
             </a:fld>
             <a:endParaRPr lang="en-US"/>
           </a:p>
@@ -6531,7 +10081,7 @@
           <a:p>
             <a:fld id="{8DEA2CF1-0EB2-4673-802D-3371233E4A77}" type="datetime2">
               <a:rPr lang="en-US" smtClean="0"/>
-              <a:t>Monday, April 15, 2024</a:t>
+              <a:t>Tuesday, April 16, 2024</a:t>
             </a:fld>
             <a:endParaRPr lang="en-US" dirty="0"/>
           </a:p>
@@ -10374,8 +13924,8 @@
         </p:nvSpPr>
         <p:spPr>
           <a:xfrm>
-            <a:off x="8342357" y="1638300"/>
-            <a:ext cx="3330531" cy="3581400"/>
+            <a:off x="7639665" y="1638300"/>
+            <a:ext cx="4033223" cy="3581400"/>
           </a:xfrm>
         </p:spPr>
         <p:txBody>
@@ -10391,7 +13941,18 @@
                   <a:schemeClr val="tx2"/>
                 </a:solidFill>
               </a:rPr>
-              <a:t>Presented by Paras Dhole and Aryan Patil</a:t>
+              <a:t>Presented by </a:t>
+            </a:r>
+          </a:p>
+          <a:p>
+            <a:pPr algn="l"/>
+            <a:r>
+              <a:rPr lang="en-US" dirty="0">
+                <a:solidFill>
+                  <a:schemeClr val="tx2"/>
+                </a:solidFill>
+              </a:rPr>
+              <a:t>Paras Dhole and Aryan Patil</a:t>
             </a:r>
             <a:endParaRPr lang="en-AE" dirty="0">
               <a:solidFill>
@@ -18786,7 +22347,7 @@
         </p:spPr>
         <p:txBody>
           <a:bodyPr>
-            <a:normAutofit/>
+            <a:normAutofit fontScale="90000"/>
           </a:bodyPr>
           <a:lstStyle/>
           <a:p>
@@ -19876,10 +23437,10 @@
       </p:grpSpPr>
       <p:sp useBgFill="1">
         <p:nvSpPr>
-          <p:cNvPr id="16" name="Rectangle 15">
+          <p:cNvPr id="30" name="Rectangle 29">
             <a:extLst>
               <a:ext uri="{FF2B5EF4-FFF2-40B4-BE49-F238E27FC236}">
-                <a16:creationId xmlns:a16="http://schemas.microsoft.com/office/drawing/2014/main" id="{100EDD19-6802-4EC3-95CE-CFFAB042CFD6}"/>
+                <a16:creationId xmlns:a16="http://schemas.microsoft.com/office/drawing/2014/main" id="{7301F447-EEF7-48F5-AF73-7566EE7F64AD}"/>
               </a:ext>
               <a:ext uri="{C183D7F6-B498-43B3-948B-1728B52AA6E4}">
                 <adec:decorative xmlns:adec="http://schemas.microsoft.com/office/drawing/2017/decorative" val="1"/>
@@ -19900,7 +23461,7 @@
         <p:spPr>
           <a:xfrm>
             <a:off x="0" y="0"/>
-            <a:ext cx="12188952" cy="6858000"/>
+            <a:ext cx="12192000" cy="6858000"/>
           </a:xfrm>
           <a:prstGeom prst="rect">
             <a:avLst/>
@@ -19952,30 +23513,30 @@
         </p:nvSpPr>
         <p:spPr>
           <a:xfrm>
-            <a:off x="838200" y="365125"/>
-            <a:ext cx="10515600" cy="1325563"/>
+            <a:off x="841248" y="334644"/>
+            <a:ext cx="10509504" cy="1076914"/>
           </a:xfrm>
         </p:spPr>
         <p:txBody>
-          <a:bodyPr>
+          <a:bodyPr anchor="ctr">
             <a:normAutofit/>
           </a:bodyPr>
           <a:lstStyle/>
           <a:p>
             <a:r>
-              <a:rPr lang="en-US" sz="5400"/>
+              <a:rPr lang="en-US" sz="4000"/>
               <a:t>Structures used </a:t>
             </a:r>
-            <a:endParaRPr lang="en-AE" sz="5400"/>
+            <a:endParaRPr lang="en-AE" sz="4000"/>
           </a:p>
         </p:txBody>
       </p:sp>
       <p:sp>
         <p:nvSpPr>
-          <p:cNvPr id="18" name="sketch line">
+          <p:cNvPr id="31" name="Rectangle 30">
             <a:extLst>
               <a:ext uri="{FF2B5EF4-FFF2-40B4-BE49-F238E27FC236}">
-                <a16:creationId xmlns:a16="http://schemas.microsoft.com/office/drawing/2014/main" id="{DB17E863-922E-4C26-BD64-E8FD41D28661}"/>
+                <a16:creationId xmlns:a16="http://schemas.microsoft.com/office/drawing/2014/main" id="{F7117410-A2A4-4085-9ADC-46744551DBDE}"/>
               </a:ext>
               <a:ext uri="{C183D7F6-B498-43B3-948B-1728B52AA6E4}">
                 <adec:decorative xmlns:adec="http://schemas.microsoft.com/office/drawing/2017/decorative" val="1"/>
@@ -19995,592 +23556,17 @@
         </p:nvSpPr>
         <p:spPr>
           <a:xfrm>
-            <a:off x="669036" y="1677373"/>
-            <a:ext cx="10853928" cy="18288"/>
+            <a:off x="842772" y="0"/>
+            <a:ext cx="10506456" cy="191386"/>
           </a:xfrm>
-          <a:custGeom>
+          <a:prstGeom prst="rect">
             <a:avLst/>
-            <a:gdLst>
-              <a:gd name="connsiteX0" fmla="*/ 0 w 10853928"/>
-              <a:gd name="connsiteY0" fmla="*/ 0 h 18288"/>
-              <a:gd name="connsiteX1" fmla="*/ 461292 w 10853928"/>
-              <a:gd name="connsiteY1" fmla="*/ 0 h 18288"/>
-              <a:gd name="connsiteX2" fmla="*/ 1139662 w 10853928"/>
-              <a:gd name="connsiteY2" fmla="*/ 0 h 18288"/>
-              <a:gd name="connsiteX3" fmla="*/ 1926572 w 10853928"/>
-              <a:gd name="connsiteY3" fmla="*/ 0 h 18288"/>
-              <a:gd name="connsiteX4" fmla="*/ 2279325 w 10853928"/>
-              <a:gd name="connsiteY4" fmla="*/ 0 h 18288"/>
-              <a:gd name="connsiteX5" fmla="*/ 2632078 w 10853928"/>
-              <a:gd name="connsiteY5" fmla="*/ 0 h 18288"/>
-              <a:gd name="connsiteX6" fmla="*/ 3527527 w 10853928"/>
-              <a:gd name="connsiteY6" fmla="*/ 0 h 18288"/>
-              <a:gd name="connsiteX7" fmla="*/ 4205897 w 10853928"/>
-              <a:gd name="connsiteY7" fmla="*/ 0 h 18288"/>
-              <a:gd name="connsiteX8" fmla="*/ 4558650 w 10853928"/>
-              <a:gd name="connsiteY8" fmla="*/ 0 h 18288"/>
-              <a:gd name="connsiteX9" fmla="*/ 5237020 w 10853928"/>
-              <a:gd name="connsiteY9" fmla="*/ 0 h 18288"/>
-              <a:gd name="connsiteX10" fmla="*/ 6132469 w 10853928"/>
-              <a:gd name="connsiteY10" fmla="*/ 0 h 18288"/>
-              <a:gd name="connsiteX11" fmla="*/ 6702301 w 10853928"/>
-              <a:gd name="connsiteY11" fmla="*/ 0 h 18288"/>
-              <a:gd name="connsiteX12" fmla="*/ 7272132 w 10853928"/>
-              <a:gd name="connsiteY12" fmla="*/ 0 h 18288"/>
-              <a:gd name="connsiteX13" fmla="*/ 7950502 w 10853928"/>
-              <a:gd name="connsiteY13" fmla="*/ 0 h 18288"/>
-              <a:gd name="connsiteX14" fmla="*/ 8737412 w 10853928"/>
-              <a:gd name="connsiteY14" fmla="*/ 0 h 18288"/>
-              <a:gd name="connsiteX15" fmla="*/ 9524322 w 10853928"/>
-              <a:gd name="connsiteY15" fmla="*/ 0 h 18288"/>
-              <a:gd name="connsiteX16" fmla="*/ 10853928 w 10853928"/>
-              <a:gd name="connsiteY16" fmla="*/ 0 h 18288"/>
-              <a:gd name="connsiteX17" fmla="*/ 10853928 w 10853928"/>
-              <a:gd name="connsiteY17" fmla="*/ 18288 h 18288"/>
-              <a:gd name="connsiteX18" fmla="*/ 10392636 w 10853928"/>
-              <a:gd name="connsiteY18" fmla="*/ 18288 h 18288"/>
-              <a:gd name="connsiteX19" fmla="*/ 9497187 w 10853928"/>
-              <a:gd name="connsiteY19" fmla="*/ 18288 h 18288"/>
-              <a:gd name="connsiteX20" fmla="*/ 8818817 w 10853928"/>
-              <a:gd name="connsiteY20" fmla="*/ 18288 h 18288"/>
-              <a:gd name="connsiteX21" fmla="*/ 8466064 w 10853928"/>
-              <a:gd name="connsiteY21" fmla="*/ 18288 h 18288"/>
-              <a:gd name="connsiteX22" fmla="*/ 7787693 w 10853928"/>
-              <a:gd name="connsiteY22" fmla="*/ 18288 h 18288"/>
-              <a:gd name="connsiteX23" fmla="*/ 7217862 w 10853928"/>
-              <a:gd name="connsiteY23" fmla="*/ 18288 h 18288"/>
-              <a:gd name="connsiteX24" fmla="*/ 6648031 w 10853928"/>
-              <a:gd name="connsiteY24" fmla="*/ 18288 h 18288"/>
-              <a:gd name="connsiteX25" fmla="*/ 6078200 w 10853928"/>
-              <a:gd name="connsiteY25" fmla="*/ 18288 h 18288"/>
-              <a:gd name="connsiteX26" fmla="*/ 5508368 w 10853928"/>
-              <a:gd name="connsiteY26" fmla="*/ 18288 h 18288"/>
-              <a:gd name="connsiteX27" fmla="*/ 4721459 w 10853928"/>
-              <a:gd name="connsiteY27" fmla="*/ 18288 h 18288"/>
-              <a:gd name="connsiteX28" fmla="*/ 4043088 w 10853928"/>
-              <a:gd name="connsiteY28" fmla="*/ 18288 h 18288"/>
-              <a:gd name="connsiteX29" fmla="*/ 3690336 w 10853928"/>
-              <a:gd name="connsiteY29" fmla="*/ 18288 h 18288"/>
-              <a:gd name="connsiteX30" fmla="*/ 3120504 w 10853928"/>
-              <a:gd name="connsiteY30" fmla="*/ 18288 h 18288"/>
-              <a:gd name="connsiteX31" fmla="*/ 2333595 w 10853928"/>
-              <a:gd name="connsiteY31" fmla="*/ 18288 h 18288"/>
-              <a:gd name="connsiteX32" fmla="*/ 1872303 w 10853928"/>
-              <a:gd name="connsiteY32" fmla="*/ 18288 h 18288"/>
-              <a:gd name="connsiteX33" fmla="*/ 976854 w 10853928"/>
-              <a:gd name="connsiteY33" fmla="*/ 18288 h 18288"/>
-              <a:gd name="connsiteX34" fmla="*/ 0 w 10853928"/>
-              <a:gd name="connsiteY34" fmla="*/ 18288 h 18288"/>
-              <a:gd name="connsiteX35" fmla="*/ 0 w 10853928"/>
-              <a:gd name="connsiteY35" fmla="*/ 0 h 18288"/>
-            </a:gdLst>
-            <a:ahLst/>
-            <a:cxnLst>
-              <a:cxn ang="0">
-                <a:pos x="connsiteX0" y="connsiteY0"/>
-              </a:cxn>
-              <a:cxn ang="0">
-                <a:pos x="connsiteX1" y="connsiteY1"/>
-              </a:cxn>
-              <a:cxn ang="0">
-                <a:pos x="connsiteX2" y="connsiteY2"/>
-              </a:cxn>
-              <a:cxn ang="0">
-                <a:pos x="connsiteX3" y="connsiteY3"/>
-              </a:cxn>
-              <a:cxn ang="0">
-                <a:pos x="connsiteX4" y="connsiteY4"/>
-              </a:cxn>
-              <a:cxn ang="0">
-                <a:pos x="connsiteX5" y="connsiteY5"/>
-              </a:cxn>
-              <a:cxn ang="0">
-                <a:pos x="connsiteX6" y="connsiteY6"/>
-              </a:cxn>
-              <a:cxn ang="0">
-                <a:pos x="connsiteX7" y="connsiteY7"/>
-              </a:cxn>
-              <a:cxn ang="0">
-                <a:pos x="connsiteX8" y="connsiteY8"/>
-              </a:cxn>
-              <a:cxn ang="0">
-                <a:pos x="connsiteX9" y="connsiteY9"/>
-              </a:cxn>
-              <a:cxn ang="0">
-                <a:pos x="connsiteX10" y="connsiteY10"/>
-              </a:cxn>
-              <a:cxn ang="0">
-                <a:pos x="connsiteX11" y="connsiteY11"/>
-              </a:cxn>
-              <a:cxn ang="0">
-                <a:pos x="connsiteX12" y="connsiteY12"/>
-              </a:cxn>
-              <a:cxn ang="0">
-                <a:pos x="connsiteX13" y="connsiteY13"/>
-              </a:cxn>
-              <a:cxn ang="0">
-                <a:pos x="connsiteX14" y="connsiteY14"/>
-              </a:cxn>
-              <a:cxn ang="0">
-                <a:pos x="connsiteX15" y="connsiteY15"/>
-              </a:cxn>
-              <a:cxn ang="0">
-                <a:pos x="connsiteX16" y="connsiteY16"/>
-              </a:cxn>
-              <a:cxn ang="0">
-                <a:pos x="connsiteX17" y="connsiteY17"/>
-              </a:cxn>
-              <a:cxn ang="0">
-                <a:pos x="connsiteX18" y="connsiteY18"/>
-              </a:cxn>
-              <a:cxn ang="0">
-                <a:pos x="connsiteX19" y="connsiteY19"/>
-              </a:cxn>
-              <a:cxn ang="0">
-                <a:pos x="connsiteX20" y="connsiteY20"/>
-              </a:cxn>
-              <a:cxn ang="0">
-                <a:pos x="connsiteX21" y="connsiteY21"/>
-              </a:cxn>
-              <a:cxn ang="0">
-                <a:pos x="connsiteX22" y="connsiteY22"/>
-              </a:cxn>
-              <a:cxn ang="0">
-                <a:pos x="connsiteX23" y="connsiteY23"/>
-              </a:cxn>
-              <a:cxn ang="0">
-                <a:pos x="connsiteX24" y="connsiteY24"/>
-              </a:cxn>
-              <a:cxn ang="0">
-                <a:pos x="connsiteX25" y="connsiteY25"/>
-              </a:cxn>
-              <a:cxn ang="0">
-                <a:pos x="connsiteX26" y="connsiteY26"/>
-              </a:cxn>
-              <a:cxn ang="0">
-                <a:pos x="connsiteX27" y="connsiteY27"/>
-              </a:cxn>
-              <a:cxn ang="0">
-                <a:pos x="connsiteX28" y="connsiteY28"/>
-              </a:cxn>
-              <a:cxn ang="0">
-                <a:pos x="connsiteX29" y="connsiteY29"/>
-              </a:cxn>
-              <a:cxn ang="0">
-                <a:pos x="connsiteX30" y="connsiteY30"/>
-              </a:cxn>
-              <a:cxn ang="0">
-                <a:pos x="connsiteX31" y="connsiteY31"/>
-              </a:cxn>
-              <a:cxn ang="0">
-                <a:pos x="connsiteX32" y="connsiteY32"/>
-              </a:cxn>
-              <a:cxn ang="0">
-                <a:pos x="connsiteX33" y="connsiteY33"/>
-              </a:cxn>
-              <a:cxn ang="0">
-                <a:pos x="connsiteX34" y="connsiteY34"/>
-              </a:cxn>
-              <a:cxn ang="0">
-                <a:pos x="connsiteX35" y="connsiteY35"/>
-              </a:cxn>
-            </a:cxnLst>
-            <a:rect l="l" t="t" r="r" b="b"/>
-            <a:pathLst>
-              <a:path w="10853928" h="18288" fill="none" extrusionOk="0">
-                <a:moveTo>
-                  <a:pt x="0" y="0"/>
-                </a:moveTo>
-                <a:cubicBezTo>
-                  <a:pt x="146993" y="-19076"/>
-                  <a:pt x="347684" y="-4790"/>
-                  <a:pt x="461292" y="0"/>
-                </a:cubicBezTo>
-                <a:cubicBezTo>
-                  <a:pt x="574900" y="4790"/>
-                  <a:pt x="808367" y="19821"/>
-                  <a:pt x="1139662" y="0"/>
-                </a:cubicBezTo>
-                <a:cubicBezTo>
-                  <a:pt x="1470957" y="-19821"/>
-                  <a:pt x="1627405" y="5721"/>
-                  <a:pt x="1926572" y="0"/>
-                </a:cubicBezTo>
-                <a:cubicBezTo>
-                  <a:pt x="2225739" y="-5721"/>
-                  <a:pt x="2137730" y="-3235"/>
-                  <a:pt x="2279325" y="0"/>
-                </a:cubicBezTo>
-                <a:cubicBezTo>
-                  <a:pt x="2420920" y="3235"/>
-                  <a:pt x="2456518" y="9685"/>
-                  <a:pt x="2632078" y="0"/>
-                </a:cubicBezTo>
-                <a:cubicBezTo>
-                  <a:pt x="2807638" y="-9685"/>
-                  <a:pt x="3211516" y="-43007"/>
-                  <a:pt x="3527527" y="0"/>
-                </a:cubicBezTo>
-                <a:cubicBezTo>
-                  <a:pt x="3843538" y="43007"/>
-                  <a:pt x="4058833" y="22042"/>
-                  <a:pt x="4205897" y="0"/>
-                </a:cubicBezTo>
-                <a:cubicBezTo>
-                  <a:pt x="4352961" y="-22042"/>
-                  <a:pt x="4474805" y="-11846"/>
-                  <a:pt x="4558650" y="0"/>
-                </a:cubicBezTo>
-                <a:cubicBezTo>
-                  <a:pt x="4642495" y="11846"/>
-                  <a:pt x="5041928" y="-6069"/>
-                  <a:pt x="5237020" y="0"/>
-                </a:cubicBezTo>
-                <a:cubicBezTo>
-                  <a:pt x="5432112" y="6069"/>
-                  <a:pt x="5943266" y="-17479"/>
-                  <a:pt x="6132469" y="0"/>
-                </a:cubicBezTo>
-                <a:cubicBezTo>
-                  <a:pt x="6321672" y="17479"/>
-                  <a:pt x="6483872" y="26234"/>
-                  <a:pt x="6702301" y="0"/>
-                </a:cubicBezTo>
-                <a:cubicBezTo>
-                  <a:pt x="6920730" y="-26234"/>
-                  <a:pt x="6991194" y="-15156"/>
-                  <a:pt x="7272132" y="0"/>
-                </a:cubicBezTo>
-                <a:cubicBezTo>
-                  <a:pt x="7553070" y="15156"/>
-                  <a:pt x="7684444" y="-32961"/>
-                  <a:pt x="7950502" y="0"/>
-                </a:cubicBezTo>
-                <a:cubicBezTo>
-                  <a:pt x="8216560" y="32961"/>
-                  <a:pt x="8493290" y="-10491"/>
-                  <a:pt x="8737412" y="0"/>
-                </a:cubicBezTo>
-                <a:cubicBezTo>
-                  <a:pt x="8981534" y="10491"/>
-                  <a:pt x="9191586" y="-13899"/>
-                  <a:pt x="9524322" y="0"/>
-                </a:cubicBezTo>
-                <a:cubicBezTo>
-                  <a:pt x="9857058" y="13899"/>
-                  <a:pt x="10297509" y="7485"/>
-                  <a:pt x="10853928" y="0"/>
-                </a:cubicBezTo>
-                <a:cubicBezTo>
-                  <a:pt x="10854574" y="4451"/>
-                  <a:pt x="10854418" y="9226"/>
-                  <a:pt x="10853928" y="18288"/>
-                </a:cubicBezTo>
-                <a:cubicBezTo>
-                  <a:pt x="10691638" y="28522"/>
-                  <a:pt x="10574319" y="29578"/>
-                  <a:pt x="10392636" y="18288"/>
-                </a:cubicBezTo>
-                <a:cubicBezTo>
-                  <a:pt x="10210953" y="6998"/>
-                  <a:pt x="9836277" y="-16742"/>
-                  <a:pt x="9497187" y="18288"/>
-                </a:cubicBezTo>
-                <a:cubicBezTo>
-                  <a:pt x="9158097" y="53318"/>
-                  <a:pt x="9119479" y="30714"/>
-                  <a:pt x="8818817" y="18288"/>
-                </a:cubicBezTo>
-                <a:cubicBezTo>
-                  <a:pt x="8518155" y="5863"/>
-                  <a:pt x="8640037" y="6483"/>
-                  <a:pt x="8466064" y="18288"/>
-                </a:cubicBezTo>
-                <a:cubicBezTo>
-                  <a:pt x="8292091" y="30093"/>
-                  <a:pt x="7997656" y="18914"/>
-                  <a:pt x="7787693" y="18288"/>
-                </a:cubicBezTo>
-                <a:cubicBezTo>
-                  <a:pt x="7577730" y="17662"/>
-                  <a:pt x="7412468" y="21416"/>
-                  <a:pt x="7217862" y="18288"/>
-                </a:cubicBezTo>
-                <a:cubicBezTo>
-                  <a:pt x="7023256" y="15160"/>
-                  <a:pt x="6898018" y="14824"/>
-                  <a:pt x="6648031" y="18288"/>
-                </a:cubicBezTo>
-                <a:cubicBezTo>
-                  <a:pt x="6398044" y="21752"/>
-                  <a:pt x="6254402" y="38625"/>
-                  <a:pt x="6078200" y="18288"/>
-                </a:cubicBezTo>
-                <a:cubicBezTo>
-                  <a:pt x="5901998" y="-2049"/>
-                  <a:pt x="5622886" y="3213"/>
-                  <a:pt x="5508368" y="18288"/>
-                </a:cubicBezTo>
-                <a:cubicBezTo>
-                  <a:pt x="5393850" y="33363"/>
-                  <a:pt x="5036260" y="26830"/>
-                  <a:pt x="4721459" y="18288"/>
-                </a:cubicBezTo>
-                <a:cubicBezTo>
-                  <a:pt x="4406658" y="9746"/>
-                  <a:pt x="4239221" y="41551"/>
-                  <a:pt x="4043088" y="18288"/>
-                </a:cubicBezTo>
-                <a:cubicBezTo>
-                  <a:pt x="3846955" y="-4975"/>
-                  <a:pt x="3818802" y="34658"/>
-                  <a:pt x="3690336" y="18288"/>
-                </a:cubicBezTo>
-                <a:cubicBezTo>
-                  <a:pt x="3561870" y="1918"/>
-                  <a:pt x="3265491" y="42194"/>
-                  <a:pt x="3120504" y="18288"/>
-                </a:cubicBezTo>
-                <a:cubicBezTo>
-                  <a:pt x="2975517" y="-5618"/>
-                  <a:pt x="2720254" y="36673"/>
-                  <a:pt x="2333595" y="18288"/>
-                </a:cubicBezTo>
-                <a:cubicBezTo>
-                  <a:pt x="1946936" y="-97"/>
-                  <a:pt x="2097241" y="5776"/>
-                  <a:pt x="1872303" y="18288"/>
-                </a:cubicBezTo>
-                <a:cubicBezTo>
-                  <a:pt x="1647365" y="30800"/>
-                  <a:pt x="1282708" y="45380"/>
-                  <a:pt x="976854" y="18288"/>
-                </a:cubicBezTo>
-                <a:cubicBezTo>
-                  <a:pt x="671000" y="-8804"/>
-                  <a:pt x="408401" y="-12775"/>
-                  <a:pt x="0" y="18288"/>
-                </a:cubicBezTo>
-                <a:cubicBezTo>
-                  <a:pt x="-213" y="9468"/>
-                  <a:pt x="187" y="4459"/>
-                  <a:pt x="0" y="0"/>
-                </a:cubicBezTo>
-                <a:close/>
-              </a:path>
-              <a:path w="10853928" h="18288" stroke="0" extrusionOk="0">
-                <a:moveTo>
-                  <a:pt x="0" y="0"/>
-                </a:moveTo>
-                <a:cubicBezTo>
-                  <a:pt x="267322" y="15284"/>
-                  <a:pt x="415388" y="-21048"/>
-                  <a:pt x="569831" y="0"/>
-                </a:cubicBezTo>
-                <a:cubicBezTo>
-                  <a:pt x="724274" y="21048"/>
-                  <a:pt x="769333" y="-2353"/>
-                  <a:pt x="922584" y="0"/>
-                </a:cubicBezTo>
-                <a:cubicBezTo>
-                  <a:pt x="1075835" y="2353"/>
-                  <a:pt x="1399490" y="-145"/>
-                  <a:pt x="1818033" y="0"/>
-                </a:cubicBezTo>
-                <a:cubicBezTo>
-                  <a:pt x="2236576" y="145"/>
-                  <a:pt x="2145330" y="5482"/>
-                  <a:pt x="2387864" y="0"/>
-                </a:cubicBezTo>
-                <a:cubicBezTo>
-                  <a:pt x="2630398" y="-5482"/>
-                  <a:pt x="2793207" y="18487"/>
-                  <a:pt x="2957695" y="0"/>
-                </a:cubicBezTo>
-                <a:cubicBezTo>
-                  <a:pt x="3122183" y="-18487"/>
-                  <a:pt x="3579141" y="19003"/>
-                  <a:pt x="3853144" y="0"/>
-                </a:cubicBezTo>
-                <a:cubicBezTo>
-                  <a:pt x="4127147" y="-19003"/>
-                  <a:pt x="4209857" y="12211"/>
-                  <a:pt x="4314436" y="0"/>
-                </a:cubicBezTo>
-                <a:cubicBezTo>
-                  <a:pt x="4419015" y="-12211"/>
-                  <a:pt x="4762459" y="-17220"/>
-                  <a:pt x="5209885" y="0"/>
-                </a:cubicBezTo>
-                <a:cubicBezTo>
-                  <a:pt x="5657311" y="17220"/>
-                  <a:pt x="5692663" y="-3290"/>
-                  <a:pt x="6105335" y="0"/>
-                </a:cubicBezTo>
-                <a:cubicBezTo>
-                  <a:pt x="6518007" y="3290"/>
-                  <a:pt x="6455516" y="-5124"/>
-                  <a:pt x="6783705" y="0"/>
-                </a:cubicBezTo>
-                <a:cubicBezTo>
-                  <a:pt x="7111894" y="5124"/>
-                  <a:pt x="7441941" y="-17829"/>
-                  <a:pt x="7679154" y="0"/>
-                </a:cubicBezTo>
-                <a:cubicBezTo>
-                  <a:pt x="7916367" y="17829"/>
-                  <a:pt x="8102967" y="-24363"/>
-                  <a:pt x="8248985" y="0"/>
-                </a:cubicBezTo>
-                <a:cubicBezTo>
-                  <a:pt x="8395003" y="24363"/>
-                  <a:pt x="8552393" y="25505"/>
-                  <a:pt x="8818817" y="0"/>
-                </a:cubicBezTo>
-                <a:cubicBezTo>
-                  <a:pt x="9085241" y="-25505"/>
-                  <a:pt x="9411308" y="38000"/>
-                  <a:pt x="9605726" y="0"/>
-                </a:cubicBezTo>
-                <a:cubicBezTo>
-                  <a:pt x="9800144" y="-38000"/>
-                  <a:pt x="10006468" y="-25741"/>
-                  <a:pt x="10175558" y="0"/>
-                </a:cubicBezTo>
-                <a:cubicBezTo>
-                  <a:pt x="10344648" y="25741"/>
-                  <a:pt x="10696282" y="695"/>
-                  <a:pt x="10853928" y="0"/>
-                </a:cubicBezTo>
-                <a:cubicBezTo>
-                  <a:pt x="10853521" y="8690"/>
-                  <a:pt x="10853774" y="14141"/>
-                  <a:pt x="10853928" y="18288"/>
-                </a:cubicBezTo>
-                <a:cubicBezTo>
-                  <a:pt x="10608124" y="24255"/>
-                  <a:pt x="10343415" y="22307"/>
-                  <a:pt x="10067018" y="18288"/>
-                </a:cubicBezTo>
-                <a:cubicBezTo>
-                  <a:pt x="9790621" y="14270"/>
-                  <a:pt x="9843266" y="3564"/>
-                  <a:pt x="9714266" y="18288"/>
-                </a:cubicBezTo>
-                <a:cubicBezTo>
-                  <a:pt x="9585266" y="33012"/>
-                  <a:pt x="9379484" y="1875"/>
-                  <a:pt x="9252974" y="18288"/>
-                </a:cubicBezTo>
-                <a:cubicBezTo>
-                  <a:pt x="9126464" y="34701"/>
-                  <a:pt x="8580678" y="-4904"/>
-                  <a:pt x="8357525" y="18288"/>
-                </a:cubicBezTo>
-                <a:cubicBezTo>
-                  <a:pt x="8134372" y="41480"/>
-                  <a:pt x="7903199" y="26458"/>
-                  <a:pt x="7679154" y="18288"/>
-                </a:cubicBezTo>
-                <a:cubicBezTo>
-                  <a:pt x="7455109" y="10118"/>
-                  <a:pt x="7435944" y="27109"/>
-                  <a:pt x="7217862" y="18288"/>
-                </a:cubicBezTo>
-                <a:cubicBezTo>
-                  <a:pt x="6999780" y="9467"/>
-                  <a:pt x="6680409" y="18985"/>
-                  <a:pt x="6539492" y="18288"/>
-                </a:cubicBezTo>
-                <a:cubicBezTo>
-                  <a:pt x="6398575" y="17592"/>
-                  <a:pt x="6312077" y="33018"/>
-                  <a:pt x="6186739" y="18288"/>
-                </a:cubicBezTo>
-                <a:cubicBezTo>
-                  <a:pt x="6061401" y="3558"/>
-                  <a:pt x="5947033" y="12075"/>
-                  <a:pt x="5833986" y="18288"/>
-                </a:cubicBezTo>
-                <a:cubicBezTo>
-                  <a:pt x="5720939" y="24501"/>
-                  <a:pt x="5482226" y="8586"/>
-                  <a:pt x="5155616" y="18288"/>
-                </a:cubicBezTo>
-                <a:cubicBezTo>
-                  <a:pt x="4829006" y="27991"/>
-                  <a:pt x="4841274" y="29316"/>
-                  <a:pt x="4694324" y="18288"/>
-                </a:cubicBezTo>
-                <a:cubicBezTo>
-                  <a:pt x="4547374" y="7260"/>
-                  <a:pt x="4077675" y="7013"/>
-                  <a:pt x="3907414" y="18288"/>
-                </a:cubicBezTo>
-                <a:cubicBezTo>
-                  <a:pt x="3737153" y="29564"/>
-                  <a:pt x="3538393" y="21630"/>
-                  <a:pt x="3446122" y="18288"/>
-                </a:cubicBezTo>
-                <a:cubicBezTo>
-                  <a:pt x="3353851" y="14946"/>
-                  <a:pt x="2990320" y="-8091"/>
-                  <a:pt x="2659212" y="18288"/>
-                </a:cubicBezTo>
-                <a:cubicBezTo>
-                  <a:pt x="2328104" y="44667"/>
-                  <a:pt x="2427653" y="9607"/>
-                  <a:pt x="2306460" y="18288"/>
-                </a:cubicBezTo>
-                <a:cubicBezTo>
-                  <a:pt x="2185267" y="26969"/>
-                  <a:pt x="1719763" y="3717"/>
-                  <a:pt x="1519550" y="18288"/>
-                </a:cubicBezTo>
-                <a:cubicBezTo>
-                  <a:pt x="1319337" y="32860"/>
-                  <a:pt x="1167371" y="17040"/>
-                  <a:pt x="1058258" y="18288"/>
-                </a:cubicBezTo>
-                <a:cubicBezTo>
-                  <a:pt x="949145" y="19536"/>
-                  <a:pt x="780234" y="31447"/>
-                  <a:pt x="705505" y="18288"/>
-                </a:cubicBezTo>
-                <a:cubicBezTo>
-                  <a:pt x="630776" y="5129"/>
-                  <a:pt x="215796" y="30056"/>
-                  <a:pt x="0" y="18288"/>
-                </a:cubicBezTo>
-                <a:cubicBezTo>
-                  <a:pt x="-53" y="11301"/>
-                  <a:pt x="-649" y="7756"/>
-                  <a:pt x="0" y="0"/>
-                </a:cubicBezTo>
-                <a:close/>
-              </a:path>
-            </a:pathLst>
-          </a:custGeom>
+          </a:prstGeom>
           <a:solidFill>
             <a:schemeClr val="accent2"/>
           </a:solidFill>
-          <a:ln w="41275" cap="rnd">
-            <a:solidFill>
-              <a:schemeClr val="accent2"/>
-            </a:solidFill>
-            <a:round/>
-            <a:extLst>
-              <a:ext uri="{C807C97D-BFC1-408E-A445-0C87EB9F89A2}">
-                <ask:lineSketchStyleProps xmlns:ask="http://schemas.microsoft.com/office/drawing/2018/sketchyshapes" sd="1219033472">
-                  <a:prstGeom prst="rect">
-                    <a:avLst/>
-                  </a:prstGeom>
-                  <ask:type>
-                    <ask:lineSketchFreehand/>
-                  </ask:type>
-                </ask:lineSketchStyleProps>
-              </a:ext>
-            </a:extLst>
+          <a:ln>
+            <a:noFill/>
           </a:ln>
         </p:spPr>
         <p:style>
@@ -20604,141 +23590,139 @@
           <a:lstStyle/>
           <a:p>
             <a:pPr algn="ctr"/>
-            <a:endParaRPr lang="en-US"/>
+            <a:endParaRPr lang="en-US">
+              <a:solidFill>
+                <a:prstClr val="white"/>
+              </a:solidFill>
+              <a:latin typeface="Calibri" panose="020F0502020204030204"/>
+            </a:endParaRPr>
           </a:p>
         </p:txBody>
       </p:sp>
       <p:sp>
         <p:nvSpPr>
-          <p:cNvPr id="11" name="Content Placeholder 10">
+          <p:cNvPr id="32" name="Rectangle 31">
             <a:extLst>
               <a:ext uri="{FF2B5EF4-FFF2-40B4-BE49-F238E27FC236}">
-                <a16:creationId xmlns:a16="http://schemas.microsoft.com/office/drawing/2014/main" id="{A71FBD61-5949-FE74-8BB0-63805A728F16}"/>
+                <a16:creationId xmlns:a16="http://schemas.microsoft.com/office/drawing/2014/main" id="{99F74EB5-E547-4FB4-95F5-BCC788F3C4A0}"/>
+              </a:ext>
+              <a:ext uri="{C183D7F6-B498-43B3-948B-1728B52AA6E4}">
+                <adec:decorative xmlns:adec="http://schemas.microsoft.com/office/drawing/2017/decorative" val="1"/>
               </a:ext>
             </a:extLst>
           </p:cNvPr>
           <p:cNvSpPr>
-            <a:spLocks noGrp="1"/>
+            <a:spLocks noGrp="1" noRot="1" noChangeAspect="1" noMove="1" noResize="1" noEditPoints="1" noAdjustHandles="1" noChangeArrowheads="1" noChangeShapeType="1" noTextEdit="1"/>
           </p:cNvSpPr>
           <p:nvPr>
-            <p:ph idx="1"/>
+            <p:extLst>
+              <p:ext uri="{386F3935-93C4-4BCD-93E2-E3B085C9AB24}">
+                <p16:designElem xmlns:p16="http://schemas.microsoft.com/office/powerpoint/2015/main" val="1"/>
+              </p:ext>
+            </p:extLst>
           </p:nvPr>
         </p:nvSpPr>
         <p:spPr>
           <a:xfrm>
-            <a:off x="838200" y="1929384"/>
-            <a:ext cx="10515600" cy="4453128"/>
+            <a:off x="841248" y="1512994"/>
+            <a:ext cx="10506456" cy="18288"/>
           </a:xfrm>
+          <a:prstGeom prst="rect">
+            <a:avLst/>
+          </a:prstGeom>
+          <a:solidFill>
+            <a:srgbClr val="D5D5D5"/>
+          </a:solidFill>
+          <a:ln w="3175">
+            <a:noFill/>
+          </a:ln>
+          <a:effectLst/>
         </p:spPr>
+        <p:style>
+          <a:lnRef idx="2">
+            <a:schemeClr val="accent1">
+              <a:shade val="50000"/>
+            </a:schemeClr>
+          </a:lnRef>
+          <a:fillRef idx="1">
+            <a:schemeClr val="accent1"/>
+          </a:fillRef>
+          <a:effectRef idx="0">
+            <a:schemeClr val="accent1"/>
+          </a:effectRef>
+          <a:fontRef idx="minor">
+            <a:schemeClr val="lt1"/>
+          </a:fontRef>
+        </p:style>
         <p:txBody>
-          <a:bodyPr>
-            <a:normAutofit fontScale="92500" lnSpcReduction="10000"/>
-          </a:bodyPr>
+          <a:bodyPr rtlCol="0" anchor="ctr"/>
           <a:lstStyle/>
           <a:p>
-            <a:r>
-              <a:rPr lang="en-US" sz="2000" b="1" dirty="0"/>
-              <a:t>Branch</a:t>
-            </a:r>
-          </a:p>
-          <a:p>
-            <a:pPr lvl="1"/>
-            <a:r>
-              <a:rPr lang="en-US" sz="2000" dirty="0"/>
-              <a:t>Cutoff</a:t>
-            </a:r>
-          </a:p>
-          <a:p>
-            <a:pPr lvl="1"/>
-            <a:r>
-              <a:rPr lang="en-US" sz="2000" dirty="0"/>
-              <a:t>Seats</a:t>
-            </a:r>
-          </a:p>
-          <a:p>
-            <a:pPr lvl="1"/>
-            <a:r>
-              <a:rPr lang="en-US" sz="2000" dirty="0"/>
-              <a:t>Name</a:t>
-            </a:r>
-            <a:endParaRPr lang="en-AE" sz="2000" dirty="0"/>
-          </a:p>
-          <a:p>
-            <a:r>
-              <a:rPr lang="en-AE" sz="2000" b="1" dirty="0"/>
-              <a:t>Student</a:t>
-            </a:r>
-          </a:p>
-          <a:p>
-            <a:pPr lvl="1"/>
-            <a:r>
-              <a:rPr lang="en-AE" sz="2000" dirty="0"/>
-              <a:t>Roll</a:t>
-            </a:r>
-          </a:p>
-          <a:p>
-            <a:pPr lvl="1"/>
-            <a:r>
-              <a:rPr lang="en-AE" sz="2000" dirty="0"/>
-              <a:t>Marks</a:t>
-            </a:r>
-          </a:p>
-          <a:p>
-            <a:pPr lvl="1"/>
-            <a:r>
-              <a:rPr lang="en-AE" sz="2000" dirty="0"/>
-              <a:t>Preferences</a:t>
-            </a:r>
-          </a:p>
-          <a:p>
-            <a:pPr lvl="1"/>
-            <a:r>
-              <a:rPr lang="en-AE" sz="2000" dirty="0"/>
-              <a:t>Branch Allocated</a:t>
-            </a:r>
-          </a:p>
-          <a:p>
-            <a:r>
-              <a:rPr lang="en-GB" sz="2000" b="1" dirty="0" err="1"/>
-              <a:t>vEB</a:t>
-            </a:r>
-            <a:r>
-              <a:rPr lang="en-GB" sz="2000" b="1" dirty="0"/>
-              <a:t> Tree</a:t>
-            </a:r>
-            <a:endParaRPr lang="en-AE" sz="2000" b="1" dirty="0"/>
-          </a:p>
-          <a:p>
-            <a:pPr lvl="1"/>
-            <a:r>
-              <a:rPr lang="en-AE" sz="2000" dirty="0"/>
-              <a:t>Universe size</a:t>
-            </a:r>
-          </a:p>
-          <a:p>
-            <a:pPr lvl="1"/>
-            <a:r>
-              <a:rPr lang="en-AE" sz="2000" dirty="0"/>
-              <a:t>Min / Max</a:t>
-            </a:r>
-          </a:p>
-          <a:p>
-            <a:pPr lvl="1"/>
-            <a:r>
-              <a:rPr lang="en-AE" sz="2000" dirty="0"/>
-              <a:t>Summary vector</a:t>
-            </a:r>
-          </a:p>
-          <a:p>
-            <a:pPr lvl="1"/>
-            <a:r>
-              <a:rPr lang="en-AE" sz="2000" dirty="0"/>
-              <a:t>Clusters</a:t>
-            </a:r>
-            <a:endParaRPr lang="en-US" sz="2000" dirty="0"/>
+            <a:pPr marL="0" marR="0" lvl="0" indent="0" algn="ctr" defTabSz="914400" rtl="0" eaLnBrk="1" fontAlgn="auto" latinLnBrk="0" hangingPunct="1">
+              <a:lnSpc>
+                <a:spcPct val="100000"/>
+              </a:lnSpc>
+              <a:spcBef>
+                <a:spcPts val="0"/>
+              </a:spcBef>
+              <a:spcAft>
+                <a:spcPts val="0"/>
+              </a:spcAft>
+              <a:buClrTx/>
+              <a:buSzTx/>
+              <a:buFontTx/>
+              <a:buNone/>
+              <a:tabLst/>
+              <a:defRPr/>
+            </a:pPr>
+            <a:endParaRPr kumimoji="0" lang="en-US" sz="1800" b="0" i="0" u="none" strike="noStrike" kern="1200" cap="none" spc="0" normalizeH="0" baseline="0" noProof="0">
+              <a:ln>
+                <a:noFill/>
+              </a:ln>
+              <a:solidFill>
+                <a:prstClr val="white"/>
+              </a:solidFill>
+              <a:effectLst/>
+              <a:uLnTx/>
+              <a:uFillTx/>
+              <a:latin typeface="Calibri" panose="020F0502020204030204"/>
+              <a:ea typeface="+mn-ea"/>
+              <a:cs typeface="+mn-cs"/>
+            </a:endParaRPr>
           </a:p>
         </p:txBody>
       </p:sp>
+      <p:graphicFrame>
+        <p:nvGraphicFramePr>
+          <p:cNvPr id="33" name="Content Placeholder 10">
+            <a:extLst>
+              <a:ext uri="{FF2B5EF4-FFF2-40B4-BE49-F238E27FC236}">
+                <a16:creationId xmlns:a16="http://schemas.microsoft.com/office/drawing/2014/main" id="{217986D2-BE7A-DD04-3436-11848B7FFC4E}"/>
+              </a:ext>
+            </a:extLst>
+          </p:cNvPr>
+          <p:cNvGraphicFramePr>
+            <a:graphicFrameLocks noGrp="1"/>
+          </p:cNvGraphicFramePr>
+          <p:nvPr>
+            <p:ph idx="1"/>
+            <p:extLst>
+              <p:ext uri="{D42A27DB-BD31-4B8C-83A1-F6EECF244321}">
+                <p14:modId xmlns:p14="http://schemas.microsoft.com/office/powerpoint/2010/main" val="460917902"/>
+              </p:ext>
+            </p:extLst>
+          </p:nvPr>
+        </p:nvGraphicFramePr>
+        <p:xfrm>
+          <a:off x="838200" y="1737360"/>
+          <a:ext cx="10506456" cy="4535424"/>
+        </p:xfrm>
+        <a:graphic>
+          <a:graphicData uri="http://schemas.openxmlformats.org/drawingml/2006/diagram">
+            <dgm:relIds xmlns:dgm="http://schemas.openxmlformats.org/drawingml/2006/diagram" xmlns:r="http://schemas.openxmlformats.org/officeDocument/2006/relationships" r:dm="rId2" r:lo="rId3" r:qs="rId4" r:cs="rId5"/>
+          </a:graphicData>
+        </a:graphic>
+      </p:graphicFrame>
     </p:spTree>
     <p:extLst>
       <p:ext uri="{BB962C8B-B14F-4D97-AF65-F5344CB8AC3E}">
@@ -20853,7 +23837,7 @@
         </p:spPr>
         <p:txBody>
           <a:bodyPr>
-            <a:normAutofit/>
+            <a:normAutofit fontScale="90000"/>
           </a:bodyPr>
           <a:lstStyle/>
           <a:p>
@@ -21656,7 +24640,9 @@
           </a:xfrm>
         </p:spPr>
         <p:txBody>
-          <a:bodyPr/>
+          <a:bodyPr>
+            <a:normAutofit fontScale="92500"/>
+          </a:bodyPr>
           <a:lstStyle/>
           <a:p>
             <a:pPr marL="457200" indent="-457200">
@@ -21777,9 +24763,9 @@
         <p:grpSpPr>
           <a:xfrm>
             <a:off x="5650772" y="3589962"/>
-            <a:ext cx="4966284" cy="967933"/>
+            <a:ext cx="4966284" cy="937155"/>
             <a:chOff x="3546795" y="3894050"/>
-            <a:chExt cx="4966284" cy="967933"/>
+            <a:chExt cx="4966284" cy="937155"/>
           </a:xfrm>
         </p:grpSpPr>
         <p:grpSp>
@@ -22953,9 +25939,9 @@
           <p:grpSpPr>
             <a:xfrm>
               <a:off x="3665028" y="4458987"/>
-              <a:ext cx="4729820" cy="402996"/>
+              <a:ext cx="4729820" cy="372218"/>
               <a:chOff x="3665028" y="4458987"/>
-              <a:chExt cx="4729820" cy="402996"/>
+              <a:chExt cx="4729820" cy="372218"/>
             </a:xfrm>
           </p:grpSpPr>
           <p:sp>
@@ -22973,7 +25959,7 @@
             <p:spPr>
               <a:xfrm>
                 <a:off x="3665028" y="4458987"/>
-                <a:ext cx="1005107" cy="369332"/>
+                <a:ext cx="1005107" cy="338554"/>
               </a:xfrm>
               <a:prstGeom prst="rect">
                 <a:avLst/>
@@ -22987,10 +25973,10 @@
               <a:lstStyle/>
               <a:p>
                 <a:r>
-                  <a:rPr lang="en-US" dirty="0"/>
+                  <a:rPr lang="en-US" sz="1600" dirty="0"/>
                   <a:t>Cluster 1</a:t>
                 </a:r>
-                <a:endParaRPr lang="en-AE" dirty="0"/>
+                <a:endParaRPr lang="en-AE" sz="1600" dirty="0"/>
               </a:p>
             </p:txBody>
           </p:sp>
@@ -23009,7 +25995,7 @@
             <p:spPr>
               <a:xfrm>
                 <a:off x="4906599" y="4467699"/>
-                <a:ext cx="1005107" cy="369332"/>
+                <a:ext cx="1005107" cy="338554"/>
               </a:xfrm>
               <a:prstGeom prst="rect">
                 <a:avLst/>
@@ -23023,10 +26009,10 @@
               <a:lstStyle/>
               <a:p>
                 <a:r>
-                  <a:rPr lang="en-US" dirty="0"/>
+                  <a:rPr lang="en-US" sz="1600" dirty="0"/>
                   <a:t>Cluster 2</a:t>
                 </a:r>
-                <a:endParaRPr lang="en-AE" dirty="0"/>
+                <a:endParaRPr lang="en-AE" sz="1600" dirty="0"/>
               </a:p>
             </p:txBody>
           </p:sp>
@@ -23045,7 +26031,7 @@
             <p:spPr>
               <a:xfrm>
                 <a:off x="6148170" y="4476411"/>
-                <a:ext cx="1005107" cy="369332"/>
+                <a:ext cx="1005107" cy="338554"/>
               </a:xfrm>
               <a:prstGeom prst="rect">
                 <a:avLst/>
@@ -23059,10 +26045,10 @@
               <a:lstStyle/>
               <a:p>
                 <a:r>
-                  <a:rPr lang="en-US" dirty="0"/>
+                  <a:rPr lang="en-US" sz="1600" dirty="0"/>
                   <a:t>Cluster 3</a:t>
                 </a:r>
-                <a:endParaRPr lang="en-AE" dirty="0"/>
+                <a:endParaRPr lang="en-AE" sz="1600" dirty="0"/>
               </a:p>
             </p:txBody>
           </p:sp>
@@ -23081,7 +26067,7 @@
             <p:spPr>
               <a:xfrm>
                 <a:off x="7389741" y="4492651"/>
-                <a:ext cx="1005107" cy="369332"/>
+                <a:ext cx="1005107" cy="338554"/>
               </a:xfrm>
               <a:prstGeom prst="rect">
                 <a:avLst/>
@@ -23095,10 +26081,10 @@
               <a:lstStyle/>
               <a:p>
                 <a:r>
-                  <a:rPr lang="en-US" dirty="0"/>
+                  <a:rPr lang="en-US" sz="1600" dirty="0"/>
                   <a:t>Cluster 4</a:t>
                 </a:r>
-                <a:endParaRPr lang="en-AE" dirty="0"/>
+                <a:endParaRPr lang="en-AE" sz="1600" dirty="0"/>
               </a:p>
             </p:txBody>
           </p:sp>
@@ -23696,7 +26682,7 @@
         <p:spPr>
           <a:xfrm>
             <a:off x="5594714" y="1700444"/>
-            <a:ext cx="501286" cy="261610"/>
+            <a:ext cx="574998" cy="261610"/>
           </a:xfrm>
           <a:prstGeom prst="rect">
             <a:avLst/>
@@ -23859,9 +26845,9 @@
         <p:grpSpPr>
           <a:xfrm>
             <a:off x="5650772" y="3589962"/>
-            <a:ext cx="4966284" cy="967933"/>
+            <a:ext cx="4966284" cy="937155"/>
             <a:chOff x="3546795" y="3894050"/>
-            <a:chExt cx="4966284" cy="967933"/>
+            <a:chExt cx="4966284" cy="937155"/>
           </a:xfrm>
         </p:grpSpPr>
         <p:grpSp>
@@ -25035,9 +28021,9 @@
           <p:grpSpPr>
             <a:xfrm>
               <a:off x="3665028" y="4458987"/>
-              <a:ext cx="4729820" cy="402996"/>
+              <a:ext cx="4729820" cy="372218"/>
               <a:chOff x="3665028" y="4458987"/>
-              <a:chExt cx="4729820" cy="402996"/>
+              <a:chExt cx="4729820" cy="372218"/>
             </a:xfrm>
           </p:grpSpPr>
           <p:sp>
@@ -25055,7 +28041,7 @@
             <p:spPr>
               <a:xfrm>
                 <a:off x="3665028" y="4458987"/>
-                <a:ext cx="1005107" cy="369332"/>
+                <a:ext cx="1005107" cy="338554"/>
               </a:xfrm>
               <a:prstGeom prst="rect">
                 <a:avLst/>
@@ -25069,10 +28055,10 @@
               <a:lstStyle/>
               <a:p>
                 <a:r>
-                  <a:rPr lang="en-US" dirty="0"/>
+                  <a:rPr lang="en-US" sz="1600" dirty="0"/>
                   <a:t>Cluster 1</a:t>
                 </a:r>
-                <a:endParaRPr lang="en-AE" dirty="0"/>
+                <a:endParaRPr lang="en-AE" sz="1600" dirty="0"/>
               </a:p>
             </p:txBody>
           </p:sp>
@@ -25091,7 +28077,7 @@
             <p:spPr>
               <a:xfrm>
                 <a:off x="4906599" y="4467699"/>
-                <a:ext cx="1005107" cy="369332"/>
+                <a:ext cx="1005107" cy="338554"/>
               </a:xfrm>
               <a:prstGeom prst="rect">
                 <a:avLst/>
@@ -25105,10 +28091,10 @@
               <a:lstStyle/>
               <a:p>
                 <a:r>
-                  <a:rPr lang="en-US" dirty="0"/>
+                  <a:rPr lang="en-US" sz="1600" dirty="0"/>
                   <a:t>Cluster 2</a:t>
                 </a:r>
-                <a:endParaRPr lang="en-AE" dirty="0"/>
+                <a:endParaRPr lang="en-AE" sz="1600" dirty="0"/>
               </a:p>
             </p:txBody>
           </p:sp>
@@ -25127,7 +28113,7 @@
             <p:spPr>
               <a:xfrm>
                 <a:off x="6148170" y="4476411"/>
-                <a:ext cx="1005107" cy="369332"/>
+                <a:ext cx="1005107" cy="338554"/>
               </a:xfrm>
               <a:prstGeom prst="rect">
                 <a:avLst/>
@@ -25141,10 +28127,10 @@
               <a:lstStyle/>
               <a:p>
                 <a:r>
-                  <a:rPr lang="en-US" dirty="0"/>
+                  <a:rPr lang="en-US" sz="1600" dirty="0"/>
                   <a:t>Cluster 3</a:t>
                 </a:r>
-                <a:endParaRPr lang="en-AE" dirty="0"/>
+                <a:endParaRPr lang="en-AE" sz="1600" dirty="0"/>
               </a:p>
             </p:txBody>
           </p:sp>
@@ -25163,7 +28149,7 @@
             <p:spPr>
               <a:xfrm>
                 <a:off x="7389741" y="4492651"/>
-                <a:ext cx="1005107" cy="369332"/>
+                <a:ext cx="1005107" cy="338554"/>
               </a:xfrm>
               <a:prstGeom prst="rect">
                 <a:avLst/>
@@ -25177,10 +28163,10 @@
               <a:lstStyle/>
               <a:p>
                 <a:r>
-                  <a:rPr lang="en-US" dirty="0"/>
+                  <a:rPr lang="en-US" sz="1600" dirty="0"/>
                   <a:t>Cluster 4</a:t>
                 </a:r>
-                <a:endParaRPr lang="en-AE" dirty="0"/>
+                <a:endParaRPr lang="en-AE" sz="1600" dirty="0"/>
               </a:p>
             </p:txBody>
           </p:sp>
@@ -25778,7 +28764,7 @@
         <p:spPr>
           <a:xfrm>
             <a:off x="5594714" y="1700444"/>
-            <a:ext cx="501286" cy="261610"/>
+            <a:ext cx="574998" cy="261610"/>
           </a:xfrm>
           <a:prstGeom prst="rect">
             <a:avLst/>
@@ -43736,18 +46722,55 @@
         <a:srgbClr val="B26B02"/>
       </a:folHlink>
     </a:clrScheme>
-    <a:fontScheme name="Office 2013 - 2022 Theme">
+    <a:fontScheme name="Century Gothic-Palatino Linotype">
       <a:majorFont>
-        <a:latin typeface="Calibri Light" panose="020F0302020204030204"/>
+        <a:latin typeface="Century Gothic" panose="020B0502020202020204"/>
         <a:ea typeface=""/>
         <a:cs typeface=""/>
-        <a:font script="Jpan" typeface="游ゴシック Light"/>
+        <a:font script="Jpan" typeface="HGｺﾞｼｯｸM"/>
+        <a:font script="Hang" typeface="HY중고딕"/>
+        <a:font script="Hans" typeface="幼圆"/>
+        <a:font script="Hant" typeface="微軟正黑體"/>
+        <a:font script="Arab" typeface="Tahoma"/>
+        <a:font script="Hebr" typeface="Gisha"/>
+        <a:font script="Thai" typeface="DilleniaUPC"/>
+        <a:font script="Ethi" typeface="Nyala"/>
+        <a:font script="Beng" typeface="Vrinda"/>
+        <a:font script="Gujr" typeface="Shruti"/>
+        <a:font script="Khmr" typeface="DaunPenh"/>
+        <a:font script="Knda" typeface="Tunga"/>
+        <a:font script="Guru" typeface="Raavi"/>
+        <a:font script="Cans" typeface="Euphemia"/>
+        <a:font script="Cher" typeface="Plantagenet Cherokee"/>
+        <a:font script="Yiii" typeface="Microsoft Yi Baiti"/>
+        <a:font script="Tibt" typeface="Microsoft Himalaya"/>
+        <a:font script="Thaa" typeface="MV Boli"/>
+        <a:font script="Deva" typeface="Mangal"/>
+        <a:font script="Telu" typeface="Gautami"/>
+        <a:font script="Taml" typeface="Latha"/>
+        <a:font script="Syrc" typeface="Estrangelo Edessa"/>
+        <a:font script="Orya" typeface="Kalinga"/>
+        <a:font script="Mlym" typeface="Kartika"/>
+        <a:font script="Laoo" typeface="DokChampa"/>
+        <a:font script="Sinh" typeface="Iskoola Pota"/>
+        <a:font script="Mong" typeface="Mongolian Baiti"/>
+        <a:font script="Viet" typeface="Tahoma"/>
+        <a:font script="Uigh" typeface="Microsoft Uighur"/>
+        <a:font script="Geor" typeface="Sylfaen"/>
+      </a:majorFont>
+      <a:minorFont>
+        <a:latin typeface="Palatino Linotype" panose="02040502050505030304"/>
+        <a:ea typeface=""/>
+        <a:cs typeface=""/>
+        <a:font script="Grek" typeface="Cambria"/>
+        <a:font script="Cyrl" typeface="Cambria"/>
+        <a:font script="Jpan" typeface="HG創英ﾌﾟﾚｾﾞﾝｽEB"/>
         <a:font script="Hang" typeface="맑은 고딕"/>
-        <a:font script="Hans" typeface="等线 Light"/>
+        <a:font script="Hans" typeface="宋体"/>
         <a:font script="Hant" typeface="新細明體"/>
         <a:font script="Arab" typeface="Times New Roman"/>
-        <a:font script="Hebr" typeface="Times New Roman"/>
-        <a:font script="Thai" typeface="Angsana New"/>
+        <a:font script="Hebr" typeface="Aharoni"/>
+        <a:font script="Thai" typeface="EucrosiaUPC"/>
         <a:font script="Ethi" typeface="Nyala"/>
         <a:font script="Beng" typeface="Vrinda"/>
         <a:font script="Gujr" typeface="Shruti"/>
@@ -43770,42 +46793,6 @@
         <a:font script="Mong" typeface="Mongolian Baiti"/>
         <a:font script="Viet" typeface="Times New Roman"/>
         <a:font script="Uigh" typeface="Microsoft Uighur"/>
-        <a:font script="Geor" typeface="Sylfaen"/>
-      </a:majorFont>
-      <a:minorFont>
-        <a:latin typeface="Calibri" panose="020F0502020204030204"/>
-        <a:ea typeface=""/>
-        <a:cs typeface=""/>
-        <a:font script="Jpan" typeface="游ゴシック"/>
-        <a:font script="Hang" typeface="맑은 고딕"/>
-        <a:font script="Hans" typeface="等线"/>
-        <a:font script="Hant" typeface="新細明體"/>
-        <a:font script="Arab" typeface="Arial"/>
-        <a:font script="Hebr" typeface="Arial"/>
-        <a:font script="Thai" typeface="Cordia New"/>
-        <a:font script="Ethi" typeface="Nyala"/>
-        <a:font script="Beng" typeface="Vrinda"/>
-        <a:font script="Gujr" typeface="Shruti"/>
-        <a:font script="Khmr" typeface="DaunPenh"/>
-        <a:font script="Knda" typeface="Tunga"/>
-        <a:font script="Guru" typeface="Raavi"/>
-        <a:font script="Cans" typeface="Euphemia"/>
-        <a:font script="Cher" typeface="Plantagenet Cherokee"/>
-        <a:font script="Yiii" typeface="Microsoft Yi Baiti"/>
-        <a:font script="Tibt" typeface="Microsoft Himalaya"/>
-        <a:font script="Thaa" typeface="MV Boli"/>
-        <a:font script="Deva" typeface="Mangal"/>
-        <a:font script="Telu" typeface="Gautami"/>
-        <a:font script="Taml" typeface="Latha"/>
-        <a:font script="Syrc" typeface="Estrangelo Edessa"/>
-        <a:font script="Orya" typeface="Kalinga"/>
-        <a:font script="Mlym" typeface="Kartika"/>
-        <a:font script="Laoo" typeface="DokChampa"/>
-        <a:font script="Sinh" typeface="Iskoola Pota"/>
-        <a:font script="Mong" typeface="Mongolian Baiti"/>
-        <a:font script="Viet" typeface="Arial"/>
-        <a:font script="Uigh" typeface="Microsoft Uighur"/>
-        <a:font script="Geor" typeface="Sylfaen"/>
       </a:minorFont>
     </a:fontScheme>
     <a:fmtScheme name="Office 2013 - 2022 Theme">

--- a/vEB Allocation Framework.pptx
+++ b/vEB Allocation Framework.pptx
@@ -24516,35 +24516,73 @@
           <a:lstStyle/>
           <a:p>
             <a:r>
-              <a:rPr lang="en-US" sz="2200"/>
-              <a:t>van-Emde-Boas (vEB) trees are trees which maintain n elements in range {0,1,2….,u-1} and perform Insert, Delete, Successor and predecessor operations.</a:t>
+              <a:rPr lang="en-US" sz="2200" dirty="0"/>
+              <a:t>van-</a:t>
+            </a:r>
+            <a:r>
+              <a:rPr lang="en-US" sz="2200" dirty="0" err="1"/>
+              <a:t>Emde</a:t>
+            </a:r>
+            <a:r>
+              <a:rPr lang="en-US" sz="2200" dirty="0"/>
+              <a:t>-Boas (</a:t>
+            </a:r>
+            <a:r>
+              <a:rPr lang="en-US" sz="2200" dirty="0" err="1"/>
+              <a:t>vEB</a:t>
+            </a:r>
+            <a:r>
+              <a:rPr lang="en-US" sz="2200" dirty="0"/>
+              <a:t>) trees are trees which maintain n elements in range {0,1,2….,u-1} and perform Insert, Delete, Successor and predecessor operations.</a:t>
             </a:r>
           </a:p>
           <a:p>
+            <a:pPr marL="0" indent="0">
+              <a:buNone/>
+            </a:pPr>
+            <a:endParaRPr lang="en-US" sz="2200" dirty="0"/>
+          </a:p>
+          <a:p>
             <a:r>
-              <a:rPr lang="en-US" sz="2200"/>
-              <a:t>What is so special about vEB trees?</a:t>
+              <a:rPr lang="en-US" sz="2200" dirty="0"/>
+              <a:t>What is so special about </a:t>
+            </a:r>
+            <a:r>
+              <a:rPr lang="en-US" sz="2200" dirty="0" err="1"/>
+              <a:t>vEB</a:t>
+            </a:r>
+            <a:r>
+              <a:rPr lang="en-US" sz="2200" dirty="0"/>
+              <a:t> trees?</a:t>
             </a:r>
           </a:p>
           <a:p>
             <a:pPr lvl="1"/>
             <a:r>
-              <a:rPr lang="en-US" sz="2200"/>
+              <a:rPr lang="en-US" sz="2200" dirty="0"/>
               <a:t>Insert – O(1)</a:t>
             </a:r>
           </a:p>
           <a:p>
             <a:pPr lvl="1"/>
             <a:r>
-              <a:rPr lang="en-US" sz="2200"/>
+              <a:rPr lang="en-US" sz="2200" dirty="0"/>
               <a:t>Delete – O(1)</a:t>
             </a:r>
           </a:p>
           <a:p>
             <a:pPr lvl="1"/>
             <a:r>
-              <a:rPr lang="en-US" sz="2200"/>
-              <a:t>Successor &amp; Predecessor – O(log log u)</a:t>
+              <a:rPr lang="en-US" sz="2200" dirty="0"/>
+              <a:t>Successor &amp; Predecessor – O(log </a:t>
+            </a:r>
+            <a:r>
+              <a:rPr lang="en-US" sz="2200" dirty="0" err="1"/>
+              <a:t>log</a:t>
+            </a:r>
+            <a:r>
+              <a:rPr lang="en-US" sz="2200" dirty="0"/>
+              <a:t> u)</a:t>
             </a:r>
           </a:p>
         </p:txBody>
@@ -24654,9 +24692,7 @@
             </a:r>
           </a:p>
           <a:p>
-            <a:pPr marL="914400" lvl="1" indent="-457200">
-              <a:buAutoNum type="arabicPeriod"/>
-            </a:pPr>
+            <a:pPr lvl="1"/>
             <a:r>
               <a:rPr lang="en-AE" dirty="0"/>
               <a:t>Clusters</a:t>
@@ -33086,7 +33122,7 @@
         <p:spPr>
           <a:xfrm>
             <a:off x="1121286" y="3200252"/>
-            <a:ext cx="501286" cy="261610"/>
+            <a:ext cx="539874" cy="261610"/>
           </a:xfrm>
           <a:prstGeom prst="rect">
             <a:avLst/>
@@ -36349,7 +36385,7 @@
         <p:spPr>
           <a:xfrm>
             <a:off x="1121286" y="3200252"/>
-            <a:ext cx="501286" cy="261610"/>
+            <a:ext cx="547494" cy="261610"/>
           </a:xfrm>
           <a:prstGeom prst="rect">
             <a:avLst/>
@@ -39636,7 +39672,7 @@
         <p:spPr>
           <a:xfrm>
             <a:off x="1121286" y="3200252"/>
-            <a:ext cx="501286" cy="261610"/>
+            <a:ext cx="581784" cy="261610"/>
           </a:xfrm>
           <a:prstGeom prst="rect">
             <a:avLst/>
@@ -42921,7 +42957,7 @@
         <p:spPr>
           <a:xfrm>
             <a:off x="1121286" y="3200252"/>
-            <a:ext cx="501286" cy="261610"/>
+            <a:ext cx="543684" cy="261610"/>
           </a:xfrm>
           <a:prstGeom prst="rect">
             <a:avLst/>
@@ -46429,7 +46465,7 @@
         <p:spPr>
           <a:xfrm>
             <a:off x="1121286" y="3200252"/>
-            <a:ext cx="501286" cy="261610"/>
+            <a:ext cx="543684" cy="261610"/>
           </a:xfrm>
           <a:prstGeom prst="rect">
             <a:avLst/>
